--- a/docs/index.pptx
+++ b/docs/index.pptx
@@ -21,16 +21,6 @@
     <p:sldId id="269" r:id="rId15"/>
     <p:sldId id="270" r:id="rId16"/>
     <p:sldId id="271" r:id="rId17"/>
-    <p:sldId id="272" r:id="rId18"/>
-    <p:sldId id="273" r:id="rId19"/>
-    <p:sldId id="274" r:id="rId20"/>
-    <p:sldId id="275" r:id="rId21"/>
-    <p:sldId id="276" r:id="rId22"/>
-    <p:sldId id="277" r:id="rId23"/>
-    <p:sldId id="278" r:id="rId24"/>
-    <p:sldId id="279" r:id="rId25"/>
-    <p:sldId id="280" r:id="rId26"/>
-    <p:sldId id="281" r:id="rId27"/>
   </p:sldIdLst>
   <p:sldSz cx="9144000" cy="5143500" type="screen16x9"/>
   <p:notesSz cx="6858000" cy="9144000"/>
@@ -3201,6 +3191,31 @@
       </p:grpSpPr>
       <p:sp>
         <p:nvSpPr>
+          <p:cNvPr id="2" name="Title 1"/>
+          <p:cNvSpPr>
+            <a:spLocks noGrp="1"/>
+          </p:cNvSpPr>
+          <p:nvPr>
+            <p:ph type="title"/>
+          </p:nvPr>
+        </p:nvSpPr>
+        <p:spPr/>
+        <p:txBody>
+          <a:bodyPr/>
+          <a:lstStyle/>
+          <a:p>
+            <a:pPr lvl="0" indent="0" marL="0">
+              <a:buNone/>
+            </a:pPr>
+            <a:r>
+              <a:rPr/>
+              <a:t>rix : environnements de développement reproductibles avec Nix (1/5)</a:t>
+            </a:r>
+          </a:p>
+        </p:txBody>
+      </p:sp>
+      <p:sp>
+        <p:nvSpPr>
           <p:cNvPr id="3" name="Content Placeholder 2"/>
           <p:cNvSpPr>
             <a:spLocks noGrp="1"/>
@@ -3214,12 +3229,443 @@
           <a:bodyPr/>
           <a:lstStyle/>
           <a:p>
+            <a:pPr lvl="0"/>
+            <a:r>
+              <a:rPr>
+                <a:latin typeface="Courier"/>
+              </a:rPr>
+              <a:t>{rix}</a:t>
+            </a:r>
+            <a:r>
+              <a:rPr/>
+              <a:t> (</a:t>
+            </a:r>
+            <a:r>
+              <a:rPr>
+                <a:hlinkClick r:id="rId2"/>
+              </a:rPr>
+              <a:t>site web</a:t>
+            </a:r>
+            <a:r>
+              <a:rPr/>
+              <a:t>) simplifie l’écriture d’expressions Nix !</a:t>
+            </a:r>
+          </a:p>
+          <a:p>
+            <a:pPr lvl="0"/>
+            <a:r>
+              <a:rPr/>
+              <a:t>Il suffit d’utiliser la fonction </a:t>
+            </a:r>
+            <a:r>
+              <a:rPr>
+                <a:latin typeface="Courier"/>
+              </a:rPr>
+              <a:t>rix()</a:t>
+            </a:r>
+            <a:r>
+              <a:rPr/>
+              <a:t> fournie :</a:t>
+            </a:r>
+          </a:p>
+          <a:p>
             <a:pPr lvl="0" indent="0" marL="0">
               <a:buNone/>
             </a:pPr>
             <a:r>
               <a:rPr/>
-              <a:t>Source : Peng, Roger D. 2011. “Reproducible Research in Computational Science.” Science 334 (6060): 1226–27</a:t>
+              <a:t>. . .</a:t>
+            </a:r>
+          </a:p>
+          <a:p>
+            <a:pPr lvl="0" indent="0">
+              <a:buNone/>
+            </a:pPr>
+            <a:r>
+              <a:rPr>
+                <a:solidFill>
+                  <a:srgbClr val="4758AB"/>
+                </a:solidFill>
+                <a:latin typeface="Courier"/>
+              </a:rPr>
+              <a:t>library</a:t>
+            </a:r>
+            <a:r>
+              <a:rPr>
+                <a:solidFill>
+                  <a:srgbClr val="003B4F"/>
+                </a:solidFill>
+                <a:latin typeface="Courier"/>
+              </a:rPr>
+              <a:t>(rix)</a:t>
+            </a:r>
+            <a:br/>
+            <a:br/>
+            <a:r>
+              <a:rPr>
+                <a:solidFill>
+                  <a:srgbClr val="4758AB"/>
+                </a:solidFill>
+                <a:latin typeface="Courier"/>
+              </a:rPr>
+              <a:t>rix</a:t>
+            </a:r>
+            <a:r>
+              <a:rPr>
+                <a:solidFill>
+                  <a:srgbClr val="003B4F"/>
+                </a:solidFill>
+                <a:latin typeface="Courier"/>
+              </a:rPr>
+              <a:t>(</a:t>
+            </a:r>
+            <a:r>
+              <a:rPr>
+                <a:solidFill>
+                  <a:srgbClr val="657422"/>
+                </a:solidFill>
+                <a:latin typeface="Courier"/>
+              </a:rPr>
+              <a:t>date =</a:t>
+            </a:r>
+            <a:r>
+              <a:rPr>
+                <a:solidFill>
+                  <a:srgbClr val="003B4F"/>
+                </a:solidFill>
+                <a:latin typeface="Courier"/>
+              </a:rPr>
+              <a:t> </a:t>
+            </a:r>
+            <a:r>
+              <a:rPr>
+                <a:solidFill>
+                  <a:srgbClr val="20794D"/>
+                </a:solidFill>
+                <a:latin typeface="Courier"/>
+              </a:rPr>
+              <a:t>"2025-06-02"</a:t>
+            </a:r>
+            <a:r>
+              <a:rPr>
+                <a:solidFill>
+                  <a:srgbClr val="003B4F"/>
+                </a:solidFill>
+                <a:latin typeface="Courier"/>
+              </a:rPr>
+              <a:t>,</a:t>
+            </a:r>
+            <a:br/>
+            <a:r>
+              <a:rPr>
+                <a:solidFill>
+                  <a:srgbClr val="003B4F"/>
+                </a:solidFill>
+                <a:latin typeface="Courier"/>
+              </a:rPr>
+              <a:t>    </a:t>
+            </a:r>
+            <a:r>
+              <a:rPr>
+                <a:solidFill>
+                  <a:srgbClr val="657422"/>
+                </a:solidFill>
+                <a:latin typeface="Courier"/>
+              </a:rPr>
+              <a:t>r_pkgs =</a:t>
+            </a:r>
+            <a:r>
+              <a:rPr>
+                <a:solidFill>
+                  <a:srgbClr val="003B4F"/>
+                </a:solidFill>
+                <a:latin typeface="Courier"/>
+              </a:rPr>
+              <a:t> </a:t>
+            </a:r>
+            <a:r>
+              <a:rPr>
+                <a:solidFill>
+                  <a:srgbClr val="4758AB"/>
+                </a:solidFill>
+                <a:latin typeface="Courier"/>
+              </a:rPr>
+              <a:t>c</a:t>
+            </a:r>
+            <a:r>
+              <a:rPr>
+                <a:solidFill>
+                  <a:srgbClr val="003B4F"/>
+                </a:solidFill>
+                <a:latin typeface="Courier"/>
+              </a:rPr>
+              <a:t>(</a:t>
+            </a:r>
+            <a:r>
+              <a:rPr>
+                <a:solidFill>
+                  <a:srgbClr val="20794D"/>
+                </a:solidFill>
+                <a:latin typeface="Courier"/>
+              </a:rPr>
+              <a:t>"dplyr"</a:t>
+            </a:r>
+            <a:r>
+              <a:rPr>
+                <a:solidFill>
+                  <a:srgbClr val="003B4F"/>
+                </a:solidFill>
+                <a:latin typeface="Courier"/>
+              </a:rPr>
+              <a:t>, </a:t>
+            </a:r>
+            <a:r>
+              <a:rPr>
+                <a:solidFill>
+                  <a:srgbClr val="20794D"/>
+                </a:solidFill>
+                <a:latin typeface="Courier"/>
+              </a:rPr>
+              <a:t>"ggplot2"</a:t>
+            </a:r>
+            <a:r>
+              <a:rPr>
+                <a:solidFill>
+                  <a:srgbClr val="003B4F"/>
+                </a:solidFill>
+                <a:latin typeface="Courier"/>
+              </a:rPr>
+              <a:t>),</a:t>
+            </a:r>
+            <a:br/>
+            <a:r>
+              <a:rPr>
+                <a:solidFill>
+                  <a:srgbClr val="003B4F"/>
+                </a:solidFill>
+                <a:latin typeface="Courier"/>
+              </a:rPr>
+              <a:t>    </a:t>
+            </a:r>
+            <a:r>
+              <a:rPr>
+                <a:solidFill>
+                  <a:srgbClr val="657422"/>
+                </a:solidFill>
+                <a:latin typeface="Courier"/>
+              </a:rPr>
+              <a:t>system_pkgs =</a:t>
+            </a:r>
+            <a:r>
+              <a:rPr>
+                <a:solidFill>
+                  <a:srgbClr val="003B4F"/>
+                </a:solidFill>
+                <a:latin typeface="Courier"/>
+              </a:rPr>
+              <a:t> </a:t>
+            </a:r>
+            <a:r>
+              <a:rPr>
+                <a:solidFill>
+                  <a:srgbClr val="8F5902"/>
+                </a:solidFill>
+                <a:latin typeface="Courier"/>
+              </a:rPr>
+              <a:t>NULL</a:t>
+            </a:r>
+            <a:r>
+              <a:rPr>
+                <a:solidFill>
+                  <a:srgbClr val="003B4F"/>
+                </a:solidFill>
+                <a:latin typeface="Courier"/>
+              </a:rPr>
+              <a:t>,</a:t>
+            </a:r>
+            <a:br/>
+            <a:r>
+              <a:rPr>
+                <a:solidFill>
+                  <a:srgbClr val="003B4F"/>
+                </a:solidFill>
+                <a:latin typeface="Courier"/>
+              </a:rPr>
+              <a:t>    </a:t>
+            </a:r>
+            <a:r>
+              <a:rPr>
+                <a:solidFill>
+                  <a:srgbClr val="657422"/>
+                </a:solidFill>
+                <a:latin typeface="Courier"/>
+              </a:rPr>
+              <a:t>git_pkgs =</a:t>
+            </a:r>
+            <a:r>
+              <a:rPr>
+                <a:solidFill>
+                  <a:srgbClr val="003B4F"/>
+                </a:solidFill>
+                <a:latin typeface="Courier"/>
+              </a:rPr>
+              <a:t> </a:t>
+            </a:r>
+            <a:r>
+              <a:rPr>
+                <a:solidFill>
+                  <a:srgbClr val="8F5902"/>
+                </a:solidFill>
+                <a:latin typeface="Courier"/>
+              </a:rPr>
+              <a:t>NULL</a:t>
+            </a:r>
+            <a:r>
+              <a:rPr>
+                <a:solidFill>
+                  <a:srgbClr val="003B4F"/>
+                </a:solidFill>
+                <a:latin typeface="Courier"/>
+              </a:rPr>
+              <a:t>,</a:t>
+            </a:r>
+            <a:br/>
+            <a:r>
+              <a:rPr>
+                <a:solidFill>
+                  <a:srgbClr val="003B4F"/>
+                </a:solidFill>
+                <a:latin typeface="Courier"/>
+              </a:rPr>
+              <a:t>    </a:t>
+            </a:r>
+            <a:r>
+              <a:rPr>
+                <a:solidFill>
+                  <a:srgbClr val="657422"/>
+                </a:solidFill>
+                <a:latin typeface="Courier"/>
+              </a:rPr>
+              <a:t>tex_pkgs =</a:t>
+            </a:r>
+            <a:r>
+              <a:rPr>
+                <a:solidFill>
+                  <a:srgbClr val="003B4F"/>
+                </a:solidFill>
+                <a:latin typeface="Courier"/>
+              </a:rPr>
+              <a:t> </a:t>
+            </a:r>
+            <a:r>
+              <a:rPr>
+                <a:solidFill>
+                  <a:srgbClr val="8F5902"/>
+                </a:solidFill>
+                <a:latin typeface="Courier"/>
+              </a:rPr>
+              <a:t>NULL</a:t>
+            </a:r>
+            <a:r>
+              <a:rPr>
+                <a:solidFill>
+                  <a:srgbClr val="003B4F"/>
+                </a:solidFill>
+                <a:latin typeface="Courier"/>
+              </a:rPr>
+              <a:t>,</a:t>
+            </a:r>
+            <a:br/>
+            <a:r>
+              <a:rPr>
+                <a:solidFill>
+                  <a:srgbClr val="003B4F"/>
+                </a:solidFill>
+                <a:latin typeface="Courier"/>
+              </a:rPr>
+              <a:t>    </a:t>
+            </a:r>
+            <a:r>
+              <a:rPr>
+                <a:solidFill>
+                  <a:srgbClr val="657422"/>
+                </a:solidFill>
+                <a:latin typeface="Courier"/>
+              </a:rPr>
+              <a:t>ide =</a:t>
+            </a:r>
+            <a:r>
+              <a:rPr>
+                <a:solidFill>
+                  <a:srgbClr val="003B4F"/>
+                </a:solidFill>
+                <a:latin typeface="Courier"/>
+              </a:rPr>
+              <a:t> </a:t>
+            </a:r>
+            <a:r>
+              <a:rPr>
+                <a:solidFill>
+                  <a:srgbClr val="20794D"/>
+                </a:solidFill>
+                <a:latin typeface="Courier"/>
+              </a:rPr>
+              <a:t>"code"</a:t>
+            </a:r>
+            <a:r>
+              <a:rPr>
+                <a:solidFill>
+                  <a:srgbClr val="003B4F"/>
+                </a:solidFill>
+                <a:latin typeface="Courier"/>
+              </a:rPr>
+              <a:t>,</a:t>
+            </a:r>
+            <a:br/>
+            <a:r>
+              <a:rPr>
+                <a:solidFill>
+                  <a:srgbClr val="003B4F"/>
+                </a:solidFill>
+                <a:latin typeface="Courier"/>
+              </a:rPr>
+              <a:t>    </a:t>
+            </a:r>
+            <a:r>
+              <a:rPr>
+                <a:solidFill>
+                  <a:srgbClr val="657422"/>
+                </a:solidFill>
+                <a:latin typeface="Courier"/>
+              </a:rPr>
+              <a:t>project_path =</a:t>
+            </a:r>
+            <a:r>
+              <a:rPr>
+                <a:solidFill>
+                  <a:srgbClr val="003B4F"/>
+                </a:solidFill>
+                <a:latin typeface="Courier"/>
+              </a:rPr>
+              <a:t> </a:t>
+            </a:r>
+            <a:r>
+              <a:rPr>
+                <a:solidFill>
+                  <a:srgbClr val="20794D"/>
+                </a:solidFill>
+                <a:latin typeface="Courier"/>
+              </a:rPr>
+              <a:t>"."</a:t>
+            </a:r>
+            <a:r>
+              <a:rPr>
+                <a:solidFill>
+                  <a:srgbClr val="003B4F"/>
+                </a:solidFill>
+                <a:latin typeface="Courier"/>
+              </a:rPr>
+              <a:t>)</a:t>
             </a:r>
           </a:p>
         </p:txBody>
@@ -3266,7 +3712,7 @@
             </a:pPr>
             <a:r>
               <a:rPr/>
-              <a:t>Enregistrer les packages avec {renv} 1/2</a:t>
+              <a:t>rix : environnements de développement reproductibles avec Nix (2/5)</a:t>
             </a:r>
           </a:p>
         </p:txBody>
@@ -3286,42 +3732,36 @@
           <a:bodyPr/>
           <a:lstStyle/>
           <a:p>
-            <a:pPr lvl="0" indent="0" marL="0">
+            <a:pPr lvl="0"/>
+            <a:r>
+              <a:rPr/>
+              <a:t>Les fichiers </a:t>
+            </a:r>
+            <a:r>
+              <a:rPr>
+                <a:latin typeface="Courier"/>
+              </a:rPr>
+              <a:t>renv.lock</a:t>
+            </a:r>
+            <a:r>
+              <a:rPr/>
+              <a:t> peuvent aussi servir de point de départ :</a:t>
+            </a:r>
+          </a:p>
+          <a:p>
+            <a:pPr lvl="0" indent="0">
               <a:buNone/>
             </a:pPr>
             <a:r>
-              <a:rPr/>
-              <a:t>Le package le plus populaire pour la reproductibilité, et très simple d’utilisation :</a:t>
-            </a:r>
-          </a:p>
-          <a:p>
-            <a:pPr lvl="0"/>
-            <a:r>
-              <a:rPr/>
-              <a:t>Ouvrir une session R dans le dossier contenant les scripts</a:t>
-            </a:r>
-          </a:p>
-          <a:p>
-            <a:pPr lvl="0"/>
-            <a:r>
-              <a:rPr/>
-              <a:t>Exécuter </a:t>
-            </a:r>
-            <a:r>
-              <a:rPr>
-                <a:latin typeface="Courier"/>
-              </a:rPr>
-              <a:t>renv::init()</a:t>
-            </a:r>
-            <a:r>
-              <a:rPr/>
-              <a:t> et vérifier la présence du fichier </a:t>
-            </a:r>
-            <a:r>
-              <a:rPr>
-                <a:latin typeface="Courier"/>
-              </a:rPr>
-              <a:t>renv.lock</a:t>
+              <a:rPr>
+                <a:latin typeface="Courier"/>
+              </a:rPr>
+              <a:t>library(rix)
+renv2nix(
+  renv_lock_path = "path/to/original/renv_project/renv.lock",
+  project_path = "path/to/rix_project",
+  override_r_ver = "4.4.1" # &lt;- optionnel
+)</a:t>
             </a:r>
           </a:p>
         </p:txBody>
@@ -3368,7 +3808,7 @@
             </a:pPr>
             <a:r>
               <a:rPr/>
-              <a:t>Enregistrer les packages avec {renv} 2/2</a:t>
+              <a:t>rix : environnements de développement reproductibles avec Nix (3/5)</a:t>
             </a:r>
           </a:p>
         </p:txBody>
@@ -3391,25 +3831,42 @@
             <a:pPr lvl="0"/>
             <a:r>
               <a:rPr/>
-              <a:t>Mais :</a:t>
-            </a:r>
-          </a:p>
-          <a:p>
-            <a:pPr lvl="0" indent="-342900" marL="342900">
-              <a:buAutoNum type="arabicPeriod"/>
-            </a:pPr>
-            <a:r>
-              <a:rPr/>
-              <a:t>Enregistre mais ne restaure pas la version de R</a:t>
-            </a:r>
-          </a:p>
-          <a:p>
-            <a:pPr lvl="0" indent="-342900" marL="342900">
-              <a:buAutoNum type="arabicPeriod"/>
-            </a:pPr>
-            <a:r>
-              <a:rPr/>
-              <a:t>L’installation de vieux packages peut échouer (à cause de dépendances système manquantes)</a:t>
+              <a:t>Lister la version de R et les packages nécessaires</a:t>
+            </a:r>
+          </a:p>
+          <a:p>
+            <a:pPr lvl="0"/>
+            <a:r>
+              <a:rPr/>
+              <a:t>En option : packages système, packages depuis Github, ou packages LaTeX</a:t>
+            </a:r>
+          </a:p>
+          <a:p>
+            <a:pPr lvl="0"/>
+            <a:r>
+              <a:rPr/>
+              <a:t>En option : un IDE (Rstudio, Radian, VS Code ou “autre”)</a:t>
+            </a:r>
+          </a:p>
+          <a:p>
+            <a:pPr lvl="0"/>
+            <a:r>
+              <a:rPr/>
+              <a:t>En option: une version de Python et paquets Python à inclure</a:t>
+            </a:r>
+          </a:p>
+          <a:p>
+            <a:pPr lvl="0"/>
+            <a:r>
+              <a:rPr/>
+              <a:t>En dev: une version de Julia et paquets Julia à inclure</a:t>
+            </a:r>
+          </a:p>
+          <a:p>
+            <a:pPr lvl="0"/>
+            <a:r>
+              <a:rPr/>
+              <a:t>Travailler de manière interactive dans un environnement isolé, spécifique au projet et reproductible !</a:t>
             </a:r>
           </a:p>
         </p:txBody>
@@ -3456,7 +3913,7 @@
             </a:pPr>
             <a:r>
               <a:rPr/>
-              <a:t>Aller plus loin avec Docker : gérer R et les dépendances système</a:t>
+              <a:t>rix : environnements de développement reproductibles avec Nix (4/5)</a:t>
             </a:r>
           </a:p>
         </p:txBody>
@@ -3478,65 +3935,67 @@
           <a:p>
             <a:pPr lvl="0"/>
             <a:r>
-              <a:rPr/>
-              <a:t>Docker est un outil de conteneurisation à installer sur votre ordinateur</a:t>
+              <a:rPr>
+                <a:latin typeface="Courier"/>
+              </a:rPr>
+              <a:t>rix::rix()</a:t>
+            </a:r>
+            <a:r>
+              <a:rPr/>
+              <a:t> génère un fichier </a:t>
+            </a:r>
+            <a:r>
+              <a:rPr>
+                <a:latin typeface="Courier"/>
+              </a:rPr>
+              <a:t>default.nix</a:t>
             </a:r>
           </a:p>
           <a:p>
             <a:pPr lvl="0"/>
             <a:r>
               <a:rPr/>
-              <a:t>Docker permet de créer des </a:t>
-            </a:r>
-            <a:r>
-              <a:rPr i="1"/>
-              <a:t>images</a:t>
-            </a:r>
-            <a:r>
-              <a:rPr/>
-              <a:t> et d’exécuter des </a:t>
-            </a:r>
-            <a:r>
-              <a:rPr i="1"/>
-              <a:t>conteneurs</a:t>
-            </a:r>
-            <a:r>
-              <a:rPr/>
-              <a:t> (un conteneur est une instance d’une image)</a:t>
+              <a:t>Construire les expressions avec </a:t>
+            </a:r>
+            <a:r>
+              <a:rPr>
+                <a:latin typeface="Courier"/>
+              </a:rPr>
+              <a:t>nix-build</a:t>
+            </a:r>
+            <a:r>
+              <a:rPr/>
+              <a:t> (en terminal) ou </a:t>
+            </a:r>
+            <a:r>
+              <a:rPr>
+                <a:latin typeface="Courier"/>
+              </a:rPr>
+              <a:t>rix::nix_build()</a:t>
+            </a:r>
+            <a:r>
+              <a:rPr/>
+              <a:t> depuis R</a:t>
             </a:r>
           </a:p>
           <a:p>
             <a:pPr lvl="0"/>
             <a:r>
               <a:rPr/>
-              <a:t>Les images Docker :</a:t>
-            </a:r>
-          </a:p>
-          <a:p>
-            <a:pPr lvl="1" indent="-342900" marL="685800">
-              <a:buAutoNum type="arabicPeriod"/>
-            </a:pPr>
-            <a:r>
-              <a:rPr/>
-              <a:t>contiennent tous les logiciels et le code nécessaires à votre projet</a:t>
-            </a:r>
-          </a:p>
-          <a:p>
-            <a:pPr lvl="1" indent="-342900" marL="685800">
-              <a:buAutoNum type="arabicPeriod"/>
-            </a:pPr>
-            <a:r>
-              <a:rPr/>
-              <a:t>sont immuables (ne peuvent pas être modifiées à l’exécution)</a:t>
-            </a:r>
-          </a:p>
-          <a:p>
-            <a:pPr lvl="1" indent="-342900" marL="685800">
-              <a:buAutoNum type="arabicPeriod"/>
-            </a:pPr>
-            <a:r>
-              <a:rPr/>
-              <a:t>peuvent être partagées en ligne ou hors ligne</a:t>
+              <a:t>Accéder à l’environnement de développement avec </a:t>
+            </a:r>
+            <a:r>
+              <a:rPr>
+                <a:latin typeface="Courier"/>
+              </a:rPr>
+              <a:t>nix-shell</a:t>
+            </a:r>
+          </a:p>
+          <a:p>
+            <a:pPr lvl="0"/>
+            <a:r>
+              <a:rPr/>
+              <a:t>Les expressions peuvent être générées même sans Nix installé (avec quelques limitations)</a:t>
             </a:r>
           </a:p>
         </p:txBody>
@@ -3583,7 +4042,7 @@
             </a:pPr>
             <a:r>
               <a:rPr/>
-              <a:t>Docker : une panacée ?</a:t>
+              <a:t>rix : environnements de développement reproductibles avec Nix (5/5)</a:t>
             </a:r>
           </a:p>
         </p:txBody>
@@ -3606,49 +4065,37 @@
             <a:pPr lvl="0"/>
             <a:r>
               <a:rPr/>
-              <a:t>Docker est très utile et largement utilisé</a:t>
+              <a:t>Peut installer des versions spécifiques de packages (écrire </a:t>
+            </a:r>
+            <a:r>
+              <a:rPr>
+                <a:latin typeface="Courier"/>
+              </a:rPr>
+              <a:t>"dplyr@1.0.0"</a:t>
+            </a:r>
+            <a:r>
+              <a:rPr/>
+              <a:t>)</a:t>
             </a:r>
           </a:p>
           <a:p>
             <a:pPr lvl="0"/>
             <a:r>
               <a:rPr/>
-              <a:t>Mais le coût d’entrée est élevé (une certaine familiarité avec Linux est recommandée)</a:t>
+              <a:t>Peut installer des packages hébergés sur Github</a:t>
             </a:r>
           </a:p>
           <a:p>
             <a:pPr lvl="0"/>
             <a:r>
               <a:rPr/>
-              <a:t>Point de défaillance unique (que se passe-t-il si Docker est racheté, abandonné, etc. ? </a:t>
-            </a:r>
-            <a:r>
-              <a:rPr b="1"/>
-              <a:t>peu probable néanmoins</a:t>
-            </a:r>
-            <a:r>
-              <a:rPr/>
-              <a:t>)</a:t>
-            </a:r>
-          </a:p>
-          <a:p>
-            <a:pPr lvl="0"/>
-            <a:r>
-              <a:rPr/>
-              <a:t>Ne traite pas directement de la reproductibilité, on “détourne” son usage</a:t>
-            </a:r>
-          </a:p>
-          <a:p>
-            <a:pPr lvl="0"/>
-            <a:r>
-              <a:rPr/>
-              <a:t>Au fait, jetez un œil au projet </a:t>
+              <a:t>De nombreux exemples pour démarrer ! </a:t>
             </a:r>
             <a:r>
               <a:rPr>
                 <a:hlinkClick r:id="rId2"/>
               </a:rPr>
-              <a:t>Rocker</a:t>
+              <a:t>Voir ici</a:t>
             </a:r>
           </a:p>
         </p:txBody>
@@ -3685,12 +4132,7 @@
             <p:ph type="title"/>
           </p:nvPr>
         </p:nvSpPr>
-        <p:spPr>
-          <a:xfrm>
-            <a:off x="457201" y="204787"/>
-            <a:ext cx="3008313" cy="871538"/>
-          </a:xfrm>
-        </p:spPr>
+        <p:spPr/>
         <p:txBody>
           <a:bodyPr/>
           <a:lstStyle/>
@@ -3700,123 +4142,72 @@
             </a:pPr>
             <a:r>
               <a:rPr/>
-              <a:t>Le gestionnaire de paquets Nix (1/2)</a:t>
-            </a:r>
-          </a:p>
-        </p:txBody>
-      </p:sp>
-      <p:sp>
-        <p:nvSpPr>
-          <p:cNvPr id="4" name="Text Placeholder 3"/>
-          <p:cNvSpPr>
-            <a:spLocks noGrp="1"/>
-          </p:cNvSpPr>
-          <p:nvPr>
-            <p:ph idx="2" sz="half" type="body"/>
-          </p:nvPr>
-        </p:nvSpPr>
-        <p:spPr/>
-        <p:txBody>
-          <a:bodyPr/>
-          <a:lstStyle/>
-          <a:p>
-            <a:pPr lvl="0" indent="0" marL="0">
-              <a:buNone/>
-            </a:pPr>
-            <a:r>
-              <a:rPr/>
-              <a:t>Gestionnaire de paquets : outil permettant d’installer et de gérer des </a:t>
-            </a:r>
-            <a:r>
-              <a:rPr i="1"/>
-              <a:t>paquets</a:t>
-            </a:r>
-          </a:p>
-          <a:p>
-            <a:pPr lvl="0" indent="0" marL="0">
-              <a:buNone/>
-            </a:pPr>
-            <a:r>
-              <a:rPr/>
-              <a:t>Paquet : tout logiciel (pas uniquement les packages R)</a:t>
-            </a:r>
-          </a:p>
-          <a:p>
-            <a:pPr lvl="0" indent="0" marL="0">
-              <a:buNone/>
-            </a:pPr>
-            <a:r>
-              <a:rPr/>
-              <a:t>Un gestionnaire de paquets populaire :</a:t>
-            </a:r>
-          </a:p>
-          <a:p>
-            <a:pPr lvl="0" indent="0" marL="0">
-              <a:buNone/>
-            </a:pPr>
-            <a:r>
-              <a:rPr/>
-              <a:t>. . .</a:t>
-            </a:r>
-          </a:p>
-        </p:txBody>
-      </p:sp>
-      <p:pic>
-        <p:nvPicPr>
-          <p:cNvPr descr="images/play_store.png" id="0" name="Picture 1"/>
-          <p:cNvPicPr>
-            <a:picLocks noGrp="1" noChangeAspect="1"/>
-          </p:cNvPicPr>
-          <p:nvPr/>
-        </p:nvPicPr>
-        <p:blipFill>
-          <a:blip r:embed="rId2"/>
-          <a:stretch>
-            <a:fillRect/>
-          </a:stretch>
-        </p:blipFill>
-        <p:spPr bwMode="auto">
-          <a:xfrm>
-            <a:off x="5245100" y="203200"/>
-            <a:ext cx="1739900" cy="3873500"/>
-          </a:xfrm>
-          <a:prstGeom prst="rect">
-            <a:avLst/>
-          </a:prstGeom>
-          <a:noFill/>
-          <a:ln w="9525">
-            <a:noFill/>
-            <a:headEnd/>
-            <a:tailEnd/>
-          </a:ln>
-        </p:spPr>
-      </p:pic>
-      <p:sp>
-        <p:nvSpPr>
-          <p:cNvPr id="1" name="TextBox 3"/>
-          <p:cNvSpPr txBox="1"/>
-          <p:nvPr/>
-        </p:nvSpPr>
-        <p:spPr>
-          <a:xfrm>
-            <a:off x="3568700" y="4076700"/>
-            <a:ext cx="5105400" cy="508000"/>
-          </a:xfrm>
-          <a:prstGeom prst="rect">
-            <a:avLst/>
-          </a:prstGeom>
-          <a:noFill/>
-        </p:spPr>
-        <p:txBody>
-          <a:bodyPr/>
-          <a:lstStyle/>
-          <a:p>
-            <a:pPr lvl="0" indent="0" marL="0" algn="ctr">
-              <a:buNone/>
-            </a:pPr>
-            <a:r>
-              <a:rPr/>
-              <a:t>Google Play Store</a:t>
+              <a:t>Démonstration</a:t>
+            </a:r>
+          </a:p>
+        </p:txBody>
+      </p:sp>
+      <p:sp>
+        <p:nvSpPr>
+          <p:cNvPr id="3" name="Content Placeholder 2"/>
+          <p:cNvSpPr>
+            <a:spLocks noGrp="1"/>
+          </p:cNvSpPr>
+          <p:nvPr>
+            <p:ph idx="1"/>
+          </p:nvPr>
+        </p:nvSpPr>
+        <p:spPr/>
+        <p:txBody>
+          <a:bodyPr/>
+          <a:lstStyle/>
+          <a:p>
+            <a:pPr lvl="0"/>
+            <a:r>
+              <a:rPr/>
+              <a:t>Base: </a:t>
+            </a:r>
+            <a:r>
+              <a:rPr>
+                <a:latin typeface="Courier"/>
+              </a:rPr>
+              <a:t>scripts/nix_expressions/rix_intro/</a:t>
+            </a:r>
+          </a:p>
+          <a:p>
+            <a:pPr lvl="0"/>
+            <a:r>
+              <a:rPr/>
+              <a:t>Nix et </a:t>
+            </a:r>
+            <a:r>
+              <a:rPr>
+                <a:latin typeface="Courier"/>
+              </a:rPr>
+              <a:t>{targets}</a:t>
+            </a:r>
+            <a:r>
+              <a:rPr/>
+              <a:t>: </a:t>
+            </a:r>
+            <a:r>
+              <a:rPr>
+                <a:latin typeface="Courier"/>
+              </a:rPr>
+              <a:t>scripts/nix_expressions/nix_targets_pipeline</a:t>
+            </a:r>
+          </a:p>
+          <a:p>
+            <a:pPr lvl="0"/>
+            <a:r>
+              <a:rPr/>
+              <a:t>GitHub Actions: </a:t>
+            </a:r>
+            <a:r>
+              <a:rPr>
+                <a:hlinkClick r:id="rId2"/>
+              </a:rPr>
+              <a:t>voir ici</a:t>
             </a:r>
           </a:p>
         </p:txBody>
@@ -3863,7 +4254,7 @@
             </a:pPr>
             <a:r>
               <a:rPr/>
-              <a:t>Le gestionnaire de paquets Nix (2/2)</a:t>
+              <a:t>Fin</a:t>
             </a:r>
           </a:p>
         </p:txBody>
@@ -3883,142 +4274,63 @@
           <a:bodyPr/>
           <a:lstStyle/>
           <a:p>
+            <a:pPr lvl="0" indent="0" marL="0">
+              <a:buNone/>
+            </a:pPr>
+            <a:r>
+              <a:rPr/>
+              <a:t>Contactez-moi si vous avez des questions :</a:t>
+            </a:r>
+          </a:p>
+          <a:p>
             <a:pPr lvl="0"/>
             <a:r>
               <a:rPr/>
-              <a:t>Pour garantir la reproductibilité : R, les packages R et autres dépendances doivent être gérés explicitement</a:t>
+              <a:t>bruno@brodrigues.co</a:t>
             </a:r>
           </a:p>
           <a:p>
             <a:pPr lvl="0"/>
             <a:r>
               <a:rPr/>
-              <a:t>Nix est un gestionnaire de paquets réellement centré sur les builds reproductibles</a:t>
+              <a:t>Twitter : @brodriguesco</a:t>
             </a:r>
           </a:p>
           <a:p>
             <a:pPr lvl="0"/>
             <a:r>
               <a:rPr/>
-              <a:t>Nix gère tout à l’aide d’un seul fichier texte (appelé une expression Nix) !</a:t>
+              <a:t>Mastodon : @brodriguesco@fosstodon.org</a:t>
             </a:r>
           </a:p>
           <a:p>
             <a:pPr lvl="0"/>
             <a:r>
               <a:rPr/>
-              <a:t>Ces expressions produisent </a:t>
-            </a:r>
-            <a:r>
-              <a:rPr i="1"/>
-              <a:t>toujours</a:t>
-            </a:r>
-            <a:r>
-              <a:rPr/>
-              <a:t> exactement le même résultat</a:t>
-            </a:r>
-          </a:p>
-        </p:txBody>
-      </p:sp>
-    </p:spTree>
-  </p:cSld>
-</p:sld>
-</file>
-
-<file path=ppt/slides/slide17.xml><?xml version="1.0" encoding="utf-8"?>
-<p:sld xmlns:a="http://schemas.openxmlformats.org/drawingml/2006/main" xmlns:r="http://schemas.openxmlformats.org/officeDocument/2006/relationships" xmlns:p="http://schemas.openxmlformats.org/presentationml/2006/main">
-  <p:cSld>
-    <p:spTree>
-      <p:nvGrpSpPr>
-        <p:cNvPr id="1" name=""/>
-        <p:cNvGrpSpPr/>
-        <p:nvPr/>
-      </p:nvGrpSpPr>
-      <p:grpSpPr>
-        <a:xfrm>
-          <a:off x="0" y="0"/>
-          <a:ext cx="0" cy="0"/>
-          <a:chOff x="0" y="0"/>
-          <a:chExt cx="0" cy="0"/>
-        </a:xfrm>
-      </p:grpSpPr>
-      <p:sp>
-        <p:nvSpPr>
-          <p:cNvPr id="2" name="Title 1"/>
-          <p:cNvSpPr>
-            <a:spLocks noGrp="1"/>
-          </p:cNvSpPr>
-          <p:nvPr>
-            <p:ph type="title"/>
-          </p:nvPr>
-        </p:nvSpPr>
-        <p:spPr/>
-        <p:txBody>
-          <a:bodyPr/>
-          <a:lstStyle/>
+              <a:t>Blog : www.brodrigues.co</a:t>
+            </a:r>
+          </a:p>
+          <a:p>
+            <a:pPr lvl="0"/>
+            <a:r>
+              <a:rPr/>
+              <a:t>Livre : www.raps-with-r.dev</a:t>
+            </a:r>
+          </a:p>
+          <a:p>
+            <a:pPr lvl="0"/>
+            <a:r>
+              <a:rPr/>
+              <a:t>rix : https://docs.ropensci.org/rix</a:t>
+            </a:r>
+          </a:p>
           <a:p>
             <a:pPr lvl="0" indent="0" marL="0">
               <a:buNone/>
             </a:pPr>
             <a:r>
               <a:rPr/>
-              <a:t>rix : environnements de développement reproductibles avec Nix (1/5)</a:t>
-            </a:r>
-          </a:p>
-        </p:txBody>
-      </p:sp>
-      <p:sp>
-        <p:nvSpPr>
-          <p:cNvPr id="3" name="Content Placeholder 2"/>
-          <p:cNvSpPr>
-            <a:spLocks noGrp="1"/>
-          </p:cNvSpPr>
-          <p:nvPr>
-            <p:ph idx="1"/>
-          </p:nvPr>
-        </p:nvSpPr>
-        <p:spPr/>
-        <p:txBody>
-          <a:bodyPr/>
-          <a:lstStyle/>
-          <a:p>
-            <a:pPr lvl="0"/>
-            <a:r>
-              <a:rPr>
-                <a:latin typeface="Courier"/>
-              </a:rPr>
-              <a:t>{rix}</a:t>
-            </a:r>
-            <a:r>
-              <a:rPr/>
-              <a:t> (</a:t>
-            </a:r>
-            <a:r>
-              <a:rPr>
-                <a:hlinkClick r:id="rId2"/>
-              </a:rPr>
-              <a:t>site web</a:t>
-            </a:r>
-            <a:r>
-              <a:rPr/>
-              <a:t>) simplifie l’écriture d’expressions Nix !</a:t>
-            </a:r>
-          </a:p>
-          <a:p>
-            <a:pPr lvl="0"/>
-            <a:r>
-              <a:rPr/>
-              <a:t>Il suffit d’utiliser la fonction </a:t>
-            </a:r>
-            <a:r>
-              <a:rPr>
-                <a:latin typeface="Courier"/>
-              </a:rPr>
-              <a:t>rix()</a:t>
-            </a:r>
-            <a:r>
-              <a:rPr/>
-              <a:t> fournie :</a:t>
+              <a:t>. . .</a:t>
             </a:r>
           </a:p>
           <a:p>
@@ -4027,594 +4339,7 @@
             </a:pPr>
             <a:r>
               <a:rPr/>
-              <a:t>. . .</a:t>
-            </a:r>
-          </a:p>
-          <a:p>
-            <a:pPr lvl="0" indent="0">
-              <a:buNone/>
-            </a:pPr>
-            <a:r>
-              <a:rPr>
-                <a:solidFill>
-                  <a:srgbClr val="4758AB"/>
-                </a:solidFill>
-                <a:latin typeface="Courier"/>
-              </a:rPr>
-              <a:t>library</a:t>
-            </a:r>
-            <a:r>
-              <a:rPr>
-                <a:solidFill>
-                  <a:srgbClr val="003B4F"/>
-                </a:solidFill>
-                <a:latin typeface="Courier"/>
-              </a:rPr>
-              <a:t>(rix)</a:t>
-            </a:r>
-            <a:br/>
-            <a:br/>
-            <a:r>
-              <a:rPr>
-                <a:solidFill>
-                  <a:srgbClr val="4758AB"/>
-                </a:solidFill>
-                <a:latin typeface="Courier"/>
-              </a:rPr>
-              <a:t>rix</a:t>
-            </a:r>
-            <a:r>
-              <a:rPr>
-                <a:solidFill>
-                  <a:srgbClr val="003B4F"/>
-                </a:solidFill>
-                <a:latin typeface="Courier"/>
-              </a:rPr>
-              <a:t>(</a:t>
-            </a:r>
-            <a:r>
-              <a:rPr>
-                <a:solidFill>
-                  <a:srgbClr val="657422"/>
-                </a:solidFill>
-                <a:latin typeface="Courier"/>
-              </a:rPr>
-              <a:t>date =</a:t>
-            </a:r>
-            <a:r>
-              <a:rPr>
-                <a:solidFill>
-                  <a:srgbClr val="003B4F"/>
-                </a:solidFill>
-                <a:latin typeface="Courier"/>
-              </a:rPr>
-              <a:t> </a:t>
-            </a:r>
-            <a:r>
-              <a:rPr>
-                <a:solidFill>
-                  <a:srgbClr val="20794D"/>
-                </a:solidFill>
-                <a:latin typeface="Courier"/>
-              </a:rPr>
-              <a:t>"2025-01-27"</a:t>
-            </a:r>
-            <a:r>
-              <a:rPr>
-                <a:solidFill>
-                  <a:srgbClr val="003B4F"/>
-                </a:solidFill>
-                <a:latin typeface="Courier"/>
-              </a:rPr>
-              <a:t>,</a:t>
-            </a:r>
-            <a:br/>
-            <a:r>
-              <a:rPr>
-                <a:solidFill>
-                  <a:srgbClr val="003B4F"/>
-                </a:solidFill>
-                <a:latin typeface="Courier"/>
-              </a:rPr>
-              <a:t>    </a:t>
-            </a:r>
-            <a:r>
-              <a:rPr>
-                <a:solidFill>
-                  <a:srgbClr val="657422"/>
-                </a:solidFill>
-                <a:latin typeface="Courier"/>
-              </a:rPr>
-              <a:t>r_pkgs =</a:t>
-            </a:r>
-            <a:r>
-              <a:rPr>
-                <a:solidFill>
-                  <a:srgbClr val="003B4F"/>
-                </a:solidFill>
-                <a:latin typeface="Courier"/>
-              </a:rPr>
-              <a:t> </a:t>
-            </a:r>
-            <a:r>
-              <a:rPr>
-                <a:solidFill>
-                  <a:srgbClr val="4758AB"/>
-                </a:solidFill>
-                <a:latin typeface="Courier"/>
-              </a:rPr>
-              <a:t>c</a:t>
-            </a:r>
-            <a:r>
-              <a:rPr>
-                <a:solidFill>
-                  <a:srgbClr val="003B4F"/>
-                </a:solidFill>
-                <a:latin typeface="Courier"/>
-              </a:rPr>
-              <a:t>(</a:t>
-            </a:r>
-            <a:r>
-              <a:rPr>
-                <a:solidFill>
-                  <a:srgbClr val="20794D"/>
-                </a:solidFill>
-                <a:latin typeface="Courier"/>
-              </a:rPr>
-              <a:t>"dplyr"</a:t>
-            </a:r>
-            <a:r>
-              <a:rPr>
-                <a:solidFill>
-                  <a:srgbClr val="003B4F"/>
-                </a:solidFill>
-                <a:latin typeface="Courier"/>
-              </a:rPr>
-              <a:t>, </a:t>
-            </a:r>
-            <a:r>
-              <a:rPr>
-                <a:solidFill>
-                  <a:srgbClr val="20794D"/>
-                </a:solidFill>
-                <a:latin typeface="Courier"/>
-              </a:rPr>
-              <a:t>"ggplot2"</a:t>
-            </a:r>
-            <a:r>
-              <a:rPr>
-                <a:solidFill>
-                  <a:srgbClr val="003B4F"/>
-                </a:solidFill>
-                <a:latin typeface="Courier"/>
-              </a:rPr>
-              <a:t>),</a:t>
-            </a:r>
-            <a:br/>
-            <a:r>
-              <a:rPr>
-                <a:solidFill>
-                  <a:srgbClr val="003B4F"/>
-                </a:solidFill>
-                <a:latin typeface="Courier"/>
-              </a:rPr>
-              <a:t>    </a:t>
-            </a:r>
-            <a:r>
-              <a:rPr>
-                <a:solidFill>
-                  <a:srgbClr val="657422"/>
-                </a:solidFill>
-                <a:latin typeface="Courier"/>
-              </a:rPr>
-              <a:t>system_pkgs =</a:t>
-            </a:r>
-            <a:r>
-              <a:rPr>
-                <a:solidFill>
-                  <a:srgbClr val="003B4F"/>
-                </a:solidFill>
-                <a:latin typeface="Courier"/>
-              </a:rPr>
-              <a:t> </a:t>
-            </a:r>
-            <a:r>
-              <a:rPr>
-                <a:solidFill>
-                  <a:srgbClr val="8F5902"/>
-                </a:solidFill>
-                <a:latin typeface="Courier"/>
-              </a:rPr>
-              <a:t>NULL</a:t>
-            </a:r>
-            <a:r>
-              <a:rPr>
-                <a:solidFill>
-                  <a:srgbClr val="003B4F"/>
-                </a:solidFill>
-                <a:latin typeface="Courier"/>
-              </a:rPr>
-              <a:t>,</a:t>
-            </a:r>
-            <a:br/>
-            <a:r>
-              <a:rPr>
-                <a:solidFill>
-                  <a:srgbClr val="003B4F"/>
-                </a:solidFill>
-                <a:latin typeface="Courier"/>
-              </a:rPr>
-              <a:t>    </a:t>
-            </a:r>
-            <a:r>
-              <a:rPr>
-                <a:solidFill>
-                  <a:srgbClr val="657422"/>
-                </a:solidFill>
-                <a:latin typeface="Courier"/>
-              </a:rPr>
-              <a:t>git_pkgs =</a:t>
-            </a:r>
-            <a:r>
-              <a:rPr>
-                <a:solidFill>
-                  <a:srgbClr val="003B4F"/>
-                </a:solidFill>
-                <a:latin typeface="Courier"/>
-              </a:rPr>
-              <a:t> </a:t>
-            </a:r>
-            <a:r>
-              <a:rPr>
-                <a:solidFill>
-                  <a:srgbClr val="8F5902"/>
-                </a:solidFill>
-                <a:latin typeface="Courier"/>
-              </a:rPr>
-              <a:t>NULL</a:t>
-            </a:r>
-            <a:r>
-              <a:rPr>
-                <a:solidFill>
-                  <a:srgbClr val="003B4F"/>
-                </a:solidFill>
-                <a:latin typeface="Courier"/>
-              </a:rPr>
-              <a:t>,</a:t>
-            </a:r>
-            <a:br/>
-            <a:r>
-              <a:rPr>
-                <a:solidFill>
-                  <a:srgbClr val="003B4F"/>
-                </a:solidFill>
-                <a:latin typeface="Courier"/>
-              </a:rPr>
-              <a:t>    </a:t>
-            </a:r>
-            <a:r>
-              <a:rPr>
-                <a:solidFill>
-                  <a:srgbClr val="657422"/>
-                </a:solidFill>
-                <a:latin typeface="Courier"/>
-              </a:rPr>
-              <a:t>tex_pkgs =</a:t>
-            </a:r>
-            <a:r>
-              <a:rPr>
-                <a:solidFill>
-                  <a:srgbClr val="003B4F"/>
-                </a:solidFill>
-                <a:latin typeface="Courier"/>
-              </a:rPr>
-              <a:t> </a:t>
-            </a:r>
-            <a:r>
-              <a:rPr>
-                <a:solidFill>
-                  <a:srgbClr val="8F5902"/>
-                </a:solidFill>
-                <a:latin typeface="Courier"/>
-              </a:rPr>
-              <a:t>NULL</a:t>
-            </a:r>
-            <a:r>
-              <a:rPr>
-                <a:solidFill>
-                  <a:srgbClr val="003B4F"/>
-                </a:solidFill>
-                <a:latin typeface="Courier"/>
-              </a:rPr>
-              <a:t>,</a:t>
-            </a:r>
-            <a:br/>
-            <a:r>
-              <a:rPr>
-                <a:solidFill>
-                  <a:srgbClr val="003B4F"/>
-                </a:solidFill>
-                <a:latin typeface="Courier"/>
-              </a:rPr>
-              <a:t>    </a:t>
-            </a:r>
-            <a:r>
-              <a:rPr>
-                <a:solidFill>
-                  <a:srgbClr val="657422"/>
-                </a:solidFill>
-                <a:latin typeface="Courier"/>
-              </a:rPr>
-              <a:t>ide =</a:t>
-            </a:r>
-            <a:r>
-              <a:rPr>
-                <a:solidFill>
-                  <a:srgbClr val="003B4F"/>
-                </a:solidFill>
-                <a:latin typeface="Courier"/>
-              </a:rPr>
-              <a:t> </a:t>
-            </a:r>
-            <a:r>
-              <a:rPr>
-                <a:solidFill>
-                  <a:srgbClr val="20794D"/>
-                </a:solidFill>
-                <a:latin typeface="Courier"/>
-              </a:rPr>
-              <a:t>"code"</a:t>
-            </a:r>
-            <a:r>
-              <a:rPr>
-                <a:solidFill>
-                  <a:srgbClr val="003B4F"/>
-                </a:solidFill>
-                <a:latin typeface="Courier"/>
-              </a:rPr>
-              <a:t>,</a:t>
-            </a:r>
-            <a:br/>
-            <a:r>
-              <a:rPr>
-                <a:solidFill>
-                  <a:srgbClr val="003B4F"/>
-                </a:solidFill>
-                <a:latin typeface="Courier"/>
-              </a:rPr>
-              <a:t>    </a:t>
-            </a:r>
-            <a:r>
-              <a:rPr>
-                <a:solidFill>
-                  <a:srgbClr val="657422"/>
-                </a:solidFill>
-                <a:latin typeface="Courier"/>
-              </a:rPr>
-              <a:t>project_path =</a:t>
-            </a:r>
-            <a:r>
-              <a:rPr>
-                <a:solidFill>
-                  <a:srgbClr val="003B4F"/>
-                </a:solidFill>
-                <a:latin typeface="Courier"/>
-              </a:rPr>
-              <a:t> </a:t>
-            </a:r>
-            <a:r>
-              <a:rPr>
-                <a:solidFill>
-                  <a:srgbClr val="20794D"/>
-                </a:solidFill>
-                <a:latin typeface="Courier"/>
-              </a:rPr>
-              <a:t>"."</a:t>
-            </a:r>
-            <a:r>
-              <a:rPr>
-                <a:solidFill>
-                  <a:srgbClr val="003B4F"/>
-                </a:solidFill>
-                <a:latin typeface="Courier"/>
-              </a:rPr>
-              <a:t>)</a:t>
-            </a:r>
-          </a:p>
-        </p:txBody>
-      </p:sp>
-    </p:spTree>
-  </p:cSld>
-</p:sld>
-</file>
-
-<file path=ppt/slides/slide18.xml><?xml version="1.0" encoding="utf-8"?>
-<p:sld xmlns:a="http://schemas.openxmlformats.org/drawingml/2006/main" xmlns:r="http://schemas.openxmlformats.org/officeDocument/2006/relationships" xmlns:p="http://schemas.openxmlformats.org/presentationml/2006/main">
-  <p:cSld>
-    <p:spTree>
-      <p:nvGrpSpPr>
-        <p:cNvPr id="1" name=""/>
-        <p:cNvGrpSpPr/>
-        <p:nvPr/>
-      </p:nvGrpSpPr>
-      <p:grpSpPr>
-        <a:xfrm>
-          <a:off x="0" y="0"/>
-          <a:ext cx="0" cy="0"/>
-          <a:chOff x="0" y="0"/>
-          <a:chExt cx="0" cy="0"/>
-        </a:xfrm>
-      </p:grpSpPr>
-      <p:sp>
-        <p:nvSpPr>
-          <p:cNvPr id="2" name="Title 1"/>
-          <p:cNvSpPr>
-            <a:spLocks noGrp="1"/>
-          </p:cNvSpPr>
-          <p:nvPr>
-            <p:ph type="title"/>
-          </p:nvPr>
-        </p:nvSpPr>
-        <p:spPr/>
-        <p:txBody>
-          <a:bodyPr/>
-          <a:lstStyle/>
-          <a:p>
-            <a:pPr lvl="0" indent="0" marL="0">
-              <a:buNone/>
-            </a:pPr>
-            <a:r>
-              <a:rPr/>
-              <a:t>rix : environnements de développement reproductibles avec Nix (2/5)</a:t>
-            </a:r>
-          </a:p>
-        </p:txBody>
-      </p:sp>
-      <p:sp>
-        <p:nvSpPr>
-          <p:cNvPr id="3" name="Content Placeholder 2"/>
-          <p:cNvSpPr>
-            <a:spLocks noGrp="1"/>
-          </p:cNvSpPr>
-          <p:nvPr>
-            <p:ph idx="1"/>
-          </p:nvPr>
-        </p:nvSpPr>
-        <p:spPr/>
-        <p:txBody>
-          <a:bodyPr/>
-          <a:lstStyle/>
-          <a:p>
-            <a:pPr lvl="0"/>
-            <a:r>
-              <a:rPr/>
-              <a:t>Les fichiers </a:t>
-            </a:r>
-            <a:r>
-              <a:rPr>
-                <a:latin typeface="Courier"/>
-              </a:rPr>
-              <a:t>renv.lock</a:t>
-            </a:r>
-            <a:r>
-              <a:rPr/>
-              <a:t> peuvent aussi servir de point de départ :</a:t>
-            </a:r>
-          </a:p>
-          <a:p>
-            <a:pPr lvl="0" indent="0" marL="0">
-              <a:buNone/>
-            </a:pPr>
-            <a:r>
-              <a:rPr/>
-              <a:t>. . .</a:t>
-            </a:r>
-          </a:p>
-          <a:p>
-            <a:pPr lvl="0" indent="0">
-              <a:buNone/>
-            </a:pPr>
-            <a:r>
-              <a:rPr>
-                <a:latin typeface="Courier"/>
-              </a:rPr>
-              <a:t>library(rix)
-renv2nix(
-  renv_lock_path = "path/to/original/renv_project/renv.lock",
-  project_path = "path/to/rix_project",
-  override_r_ver = "4.4.1" # &lt;- optionnel
-)</a:t>
-            </a:r>
-          </a:p>
-        </p:txBody>
-      </p:sp>
-    </p:spTree>
-  </p:cSld>
-</p:sld>
-</file>
-
-<file path=ppt/slides/slide19.xml><?xml version="1.0" encoding="utf-8"?>
-<p:sld xmlns:a="http://schemas.openxmlformats.org/drawingml/2006/main" xmlns:r="http://schemas.openxmlformats.org/officeDocument/2006/relationships" xmlns:p="http://schemas.openxmlformats.org/presentationml/2006/main">
-  <p:cSld>
-    <p:spTree>
-      <p:nvGrpSpPr>
-        <p:cNvPr id="1" name=""/>
-        <p:cNvGrpSpPr/>
-        <p:nvPr/>
-      </p:nvGrpSpPr>
-      <p:grpSpPr>
-        <a:xfrm>
-          <a:off x="0" y="0"/>
-          <a:ext cx="0" cy="0"/>
-          <a:chOff x="0" y="0"/>
-          <a:chExt cx="0" cy="0"/>
-        </a:xfrm>
-      </p:grpSpPr>
-      <p:sp>
-        <p:nvSpPr>
-          <p:cNvPr id="2" name="Title 1"/>
-          <p:cNvSpPr>
-            <a:spLocks noGrp="1"/>
-          </p:cNvSpPr>
-          <p:nvPr>
-            <p:ph type="title"/>
-          </p:nvPr>
-        </p:nvSpPr>
-        <p:spPr/>
-        <p:txBody>
-          <a:bodyPr/>
-          <a:lstStyle/>
-          <a:p>
-            <a:pPr lvl="0" indent="0" marL="0">
-              <a:buNone/>
-            </a:pPr>
-            <a:r>
-              <a:rPr/>
-              <a:t>rix : environnements de développement reproductibles avec Nix (3/5)</a:t>
-            </a:r>
-          </a:p>
-        </p:txBody>
-      </p:sp>
-      <p:sp>
-        <p:nvSpPr>
-          <p:cNvPr id="3" name="Content Placeholder 2"/>
-          <p:cNvSpPr>
-            <a:spLocks noGrp="1"/>
-          </p:cNvSpPr>
-          <p:nvPr>
-            <p:ph idx="1"/>
-          </p:nvPr>
-        </p:nvSpPr>
-        <p:spPr/>
-        <p:txBody>
-          <a:bodyPr/>
-          <a:lstStyle/>
-          <a:p>
-            <a:pPr lvl="0"/>
-            <a:r>
-              <a:rPr/>
-              <a:t>Lister la version de R et les packages nécessaires</a:t>
-            </a:r>
-          </a:p>
-          <a:p>
-            <a:pPr lvl="0"/>
-            <a:r>
-              <a:rPr/>
-              <a:t>En option : packages système, packages depuis Github, ou packages LaTeX</a:t>
-            </a:r>
-          </a:p>
-          <a:p>
-            <a:pPr lvl="0"/>
-            <a:r>
-              <a:rPr/>
-              <a:t>En option : un IDE (Rstudio, Radian, VS Code ou “autre”)</a:t>
-            </a:r>
-          </a:p>
-          <a:p>
-            <a:pPr lvl="0"/>
-            <a:r>
-              <a:rPr/>
-              <a:t>Travailler de manière interactive dans un environnement isolé, spécifique au projet et reproductible !</a:t>
+              <a:t>Merci !</a:t>
             </a:r>
           </a:p>
         </p:txBody>
@@ -4687,851 +4412,6 @@
             <a:r>
               <a:rPr/>
               <a:t>Bruno Rodrigues, responsable du département de statistique au Ministère de la Recherche et de l’Enseignement supérieur au Luxembourg</a:t>
-            </a:r>
-          </a:p>
-        </p:txBody>
-      </p:sp>
-    </p:spTree>
-  </p:cSld>
-</p:sld>
-</file>
-
-<file path=ppt/slides/slide20.xml><?xml version="1.0" encoding="utf-8"?>
-<p:sld xmlns:a="http://schemas.openxmlformats.org/drawingml/2006/main" xmlns:r="http://schemas.openxmlformats.org/officeDocument/2006/relationships" xmlns:p="http://schemas.openxmlformats.org/presentationml/2006/main">
-  <p:cSld>
-    <p:spTree>
-      <p:nvGrpSpPr>
-        <p:cNvPr id="1" name=""/>
-        <p:cNvGrpSpPr/>
-        <p:nvPr/>
-      </p:nvGrpSpPr>
-      <p:grpSpPr>
-        <a:xfrm>
-          <a:off x="0" y="0"/>
-          <a:ext cx="0" cy="0"/>
-          <a:chOff x="0" y="0"/>
-          <a:chExt cx="0" cy="0"/>
-        </a:xfrm>
-      </p:grpSpPr>
-      <p:sp>
-        <p:nvSpPr>
-          <p:cNvPr id="2" name="Title 1"/>
-          <p:cNvSpPr>
-            <a:spLocks noGrp="1"/>
-          </p:cNvSpPr>
-          <p:nvPr>
-            <p:ph type="title"/>
-          </p:nvPr>
-        </p:nvSpPr>
-        <p:spPr/>
-        <p:txBody>
-          <a:bodyPr/>
-          <a:lstStyle/>
-          <a:p>
-            <a:pPr lvl="0" indent="0" marL="0">
-              <a:buNone/>
-            </a:pPr>
-            <a:r>
-              <a:rPr/>
-              <a:t>rix : environnements de développement reproductibles avec Nix (4/5)</a:t>
-            </a:r>
-          </a:p>
-        </p:txBody>
-      </p:sp>
-      <p:sp>
-        <p:nvSpPr>
-          <p:cNvPr id="3" name="Content Placeholder 2"/>
-          <p:cNvSpPr>
-            <a:spLocks noGrp="1"/>
-          </p:cNvSpPr>
-          <p:nvPr>
-            <p:ph idx="1"/>
-          </p:nvPr>
-        </p:nvSpPr>
-        <p:spPr/>
-        <p:txBody>
-          <a:bodyPr/>
-          <a:lstStyle/>
-          <a:p>
-            <a:pPr lvl="0"/>
-            <a:r>
-              <a:rPr>
-                <a:latin typeface="Courier"/>
-              </a:rPr>
-              <a:t>rix::rix()</a:t>
-            </a:r>
-            <a:r>
-              <a:rPr/>
-              <a:t> génère un fichier </a:t>
-            </a:r>
-            <a:r>
-              <a:rPr>
-                <a:latin typeface="Courier"/>
-              </a:rPr>
-              <a:t>default.nix</a:t>
-            </a:r>
-          </a:p>
-          <a:p>
-            <a:pPr lvl="0"/>
-            <a:r>
-              <a:rPr/>
-              <a:t>Construire les expressions avec </a:t>
-            </a:r>
-            <a:r>
-              <a:rPr>
-                <a:latin typeface="Courier"/>
-              </a:rPr>
-              <a:t>nix-build</a:t>
-            </a:r>
-            <a:r>
-              <a:rPr/>
-              <a:t> (en terminal) ou </a:t>
-            </a:r>
-            <a:r>
-              <a:rPr>
-                <a:latin typeface="Courier"/>
-              </a:rPr>
-              <a:t>rix::nix_build()</a:t>
-            </a:r>
-            <a:r>
-              <a:rPr/>
-              <a:t> depuis R</a:t>
-            </a:r>
-          </a:p>
-          <a:p>
-            <a:pPr lvl="0"/>
-            <a:r>
-              <a:rPr/>
-              <a:t>Accéder à l’environnement de développement avec </a:t>
-            </a:r>
-            <a:r>
-              <a:rPr>
-                <a:latin typeface="Courier"/>
-              </a:rPr>
-              <a:t>nix-shell</a:t>
-            </a:r>
-          </a:p>
-          <a:p>
-            <a:pPr lvl="0"/>
-            <a:r>
-              <a:rPr/>
-              <a:t>Les expressions peuvent être générées même sans Nix installé (avec quelques limitations)</a:t>
-            </a:r>
-          </a:p>
-        </p:txBody>
-      </p:sp>
-    </p:spTree>
-  </p:cSld>
-</p:sld>
-</file>
-
-<file path=ppt/slides/slide21.xml><?xml version="1.0" encoding="utf-8"?>
-<p:sld xmlns:a="http://schemas.openxmlformats.org/drawingml/2006/main" xmlns:r="http://schemas.openxmlformats.org/officeDocument/2006/relationships" xmlns:p="http://schemas.openxmlformats.org/presentationml/2006/main">
-  <p:cSld>
-    <p:spTree>
-      <p:nvGrpSpPr>
-        <p:cNvPr id="1" name=""/>
-        <p:cNvGrpSpPr/>
-        <p:nvPr/>
-      </p:nvGrpSpPr>
-      <p:grpSpPr>
-        <a:xfrm>
-          <a:off x="0" y="0"/>
-          <a:ext cx="0" cy="0"/>
-          <a:chOff x="0" y="0"/>
-          <a:chExt cx="0" cy="0"/>
-        </a:xfrm>
-      </p:grpSpPr>
-      <p:sp>
-        <p:nvSpPr>
-          <p:cNvPr id="2" name="Title 1"/>
-          <p:cNvSpPr>
-            <a:spLocks noGrp="1"/>
-          </p:cNvSpPr>
-          <p:nvPr>
-            <p:ph type="title"/>
-          </p:nvPr>
-        </p:nvSpPr>
-        <p:spPr/>
-        <p:txBody>
-          <a:bodyPr/>
-          <a:lstStyle/>
-          <a:p>
-            <a:pPr lvl="0" indent="0" marL="0">
-              <a:buNone/>
-            </a:pPr>
-            <a:r>
-              <a:rPr/>
-              <a:t>rix : environnements de développement reproductibles avec Nix (5/5)</a:t>
-            </a:r>
-          </a:p>
-        </p:txBody>
-      </p:sp>
-      <p:sp>
-        <p:nvSpPr>
-          <p:cNvPr id="3" name="Content Placeholder 2"/>
-          <p:cNvSpPr>
-            <a:spLocks noGrp="1"/>
-          </p:cNvSpPr>
-          <p:nvPr>
-            <p:ph idx="1"/>
-          </p:nvPr>
-        </p:nvSpPr>
-        <p:spPr/>
-        <p:txBody>
-          <a:bodyPr/>
-          <a:lstStyle/>
-          <a:p>
-            <a:pPr lvl="0"/>
-            <a:r>
-              <a:rPr/>
-              <a:t>Peut installer des versions spécifiques de packages (écrire </a:t>
-            </a:r>
-            <a:r>
-              <a:rPr>
-                <a:latin typeface="Courier"/>
-              </a:rPr>
-              <a:t>"dplyr@1.0.0"</a:t>
-            </a:r>
-            <a:r>
-              <a:rPr/>
-              <a:t>)</a:t>
-            </a:r>
-          </a:p>
-          <a:p>
-            <a:pPr lvl="0"/>
-            <a:r>
-              <a:rPr/>
-              <a:t>Peut installer des packages hébergés sur Github</a:t>
-            </a:r>
-          </a:p>
-          <a:p>
-            <a:pPr lvl="0"/>
-            <a:r>
-              <a:rPr/>
-              <a:t>De nombreux exemples pour démarrer ! </a:t>
-            </a:r>
-            <a:r>
-              <a:rPr>
-                <a:hlinkClick r:id="rId2"/>
-              </a:rPr>
-              <a:t>Voir ici</a:t>
-            </a:r>
-          </a:p>
-          <a:p>
-            <a:pPr lvl="0" indent="0" marL="0">
-              <a:buNone/>
-            </a:pPr>
-            <a:r>
-              <a:rPr/>
-              <a:t>. . .</a:t>
-            </a:r>
-          </a:p>
-          <a:p>
-            <a:pPr lvl="0" indent="0" marL="0">
-              <a:buNone/>
-            </a:pPr>
-            <a:r>
-              <a:rPr/>
-              <a:t>Jetons un œil à </a:t>
-            </a:r>
-            <a:r>
-              <a:rPr>
-                <a:latin typeface="Courier"/>
-              </a:rPr>
-              <a:t>scripts/nix_expressions/rix_intro/</a:t>
-            </a:r>
-          </a:p>
-        </p:txBody>
-      </p:sp>
-    </p:spTree>
-  </p:cSld>
-</p:sld>
-</file>
-
-<file path=ppt/slides/slide22.xml><?xml version="1.0" encoding="utf-8"?>
-<p:sld xmlns:a="http://schemas.openxmlformats.org/drawingml/2006/main" xmlns:r="http://schemas.openxmlformats.org/officeDocument/2006/relationships" xmlns:p="http://schemas.openxmlformats.org/presentationml/2006/main">
-  <p:cSld>
-    <p:spTree>
-      <p:nvGrpSpPr>
-        <p:cNvPr id="1" name=""/>
-        <p:cNvGrpSpPr/>
-        <p:nvPr/>
-      </p:nvGrpSpPr>
-      <p:grpSpPr>
-        <a:xfrm>
-          <a:off x="0" y="0"/>
-          <a:ext cx="0" cy="0"/>
-          <a:chOff x="0" y="0"/>
-          <a:chExt cx="0" cy="0"/>
-        </a:xfrm>
-      </p:grpSpPr>
-      <p:sp>
-        <p:nvSpPr>
-          <p:cNvPr id="2" name="Title 1"/>
-          <p:cNvSpPr>
-            <a:spLocks noGrp="1"/>
-          </p:cNvSpPr>
-          <p:nvPr>
-            <p:ph type="title"/>
-          </p:nvPr>
-        </p:nvSpPr>
-        <p:spPr/>
-        <p:txBody>
-          <a:bodyPr/>
-          <a:lstStyle/>
-          <a:p>
-            <a:pPr lvl="0" indent="0" marL="0">
-              <a:buNone/>
-            </a:pPr>
-            <a:r>
-              <a:rPr/>
-              <a:t>Utilisation non interactive</a:t>
-            </a:r>
-          </a:p>
-        </p:txBody>
-      </p:sp>
-      <p:sp>
-        <p:nvSpPr>
-          <p:cNvPr id="3" name="Content Placeholder 2"/>
-          <p:cNvSpPr>
-            <a:spLocks noGrp="1"/>
-          </p:cNvSpPr>
-          <p:nvPr>
-            <p:ph idx="1"/>
-          </p:nvPr>
-        </p:nvSpPr>
-        <p:spPr/>
-        <p:txBody>
-          <a:bodyPr/>
-          <a:lstStyle/>
-          <a:p>
-            <a:pPr lvl="0"/>
-            <a:r>
-              <a:rPr>
-                <a:latin typeface="Courier"/>
-              </a:rPr>
-              <a:t>{rix}</a:t>
-            </a:r>
-            <a:r>
-              <a:rPr/>
-              <a:t> facilite l’exécution de pipelines dans le bon environnement</a:t>
-            </a:r>
-          </a:p>
-          <a:p>
-            <a:pPr lvl="0"/>
-            <a:r>
-              <a:rPr/>
-              <a:t>Petite remarque : le meilleur outil pour construire des pipelines en R est </a:t>
-            </a:r>
-            <a:r>
-              <a:rPr>
-                <a:latin typeface="Courier"/>
-              </a:rPr>
-              <a:t>{targets}</a:t>
-            </a:r>
-            <a:r>
-              <a:rPr/>
-              <a:t> (et peut-être bientôt </a:t>
-            </a:r>
-            <a:r>
-              <a:rPr>
-                <a:hlinkClick r:id="rId2"/>
-              </a:rPr>
-              <a:t>rixpress</a:t>
-            </a:r>
-          </a:p>
-          <a:p>
-            <a:pPr lvl="0"/>
-            <a:r>
-              <a:rPr/>
-              <a:t>Voir </a:t>
-            </a:r>
-            <a:r>
-              <a:rPr>
-                <a:latin typeface="Courier"/>
-              </a:rPr>
-              <a:t>scripts/nix_expressions/nix_targets_pipeline</a:t>
-            </a:r>
-          </a:p>
-          <a:p>
-            <a:pPr lvl="0"/>
-            <a:r>
-              <a:rPr/>
-              <a:t>Il est aussi possible d’exécuter le pipeline comme ceci :</a:t>
-            </a:r>
-          </a:p>
-          <a:p>
-            <a:pPr lvl="0" indent="0" marL="0">
-              <a:buNone/>
-            </a:pPr>
-            <a:r>
-              <a:rPr/>
-              <a:t>. . .</a:t>
-            </a:r>
-          </a:p>
-          <a:p>
-            <a:pPr lvl="0" indent="0">
-              <a:buNone/>
-            </a:pPr>
-            <a:r>
-              <a:rPr>
-                <a:latin typeface="Courier"/>
-              </a:rPr>
-              <a:t>cd /chemin/absolu/vers/le/pipeline/ &amp;&amp; nix-shell default.nix --run "Rscript -e 'targets::tar_make()'"</a:t>
-            </a:r>
-          </a:p>
-        </p:txBody>
-      </p:sp>
-    </p:spTree>
-  </p:cSld>
-</p:sld>
-</file>
-
-<file path=ppt/slides/slide23.xml><?xml version="1.0" encoding="utf-8"?>
-<p:sld xmlns:a="http://schemas.openxmlformats.org/drawingml/2006/main" xmlns:r="http://schemas.openxmlformats.org/officeDocument/2006/relationships" xmlns:p="http://schemas.openxmlformats.org/presentationml/2006/main">
-  <p:cSld>
-    <p:spTree>
-      <p:nvGrpSpPr>
-        <p:cNvPr id="1" name=""/>
-        <p:cNvGrpSpPr/>
-        <p:nvPr/>
-      </p:nvGrpSpPr>
-      <p:grpSpPr>
-        <a:xfrm>
-          <a:off x="0" y="0"/>
-          <a:ext cx="0" cy="0"/>
-          <a:chOff x="0" y="0"/>
-          <a:chExt cx="0" cy="0"/>
-        </a:xfrm>
-      </p:grpSpPr>
-      <p:sp>
-        <p:nvSpPr>
-          <p:cNvPr id="2" name="Title 1"/>
-          <p:cNvSpPr>
-            <a:spLocks noGrp="1"/>
-          </p:cNvSpPr>
-          <p:nvPr>
-            <p:ph type="title"/>
-          </p:nvPr>
-        </p:nvSpPr>
-        <p:spPr/>
-        <p:txBody>
-          <a:bodyPr/>
-          <a:lstStyle/>
-          <a:p>
-            <a:pPr lvl="0" indent="0" marL="0">
-              <a:buNone/>
-            </a:pPr>
-            <a:r>
-              <a:rPr/>
-              <a:t>Nix et Github Actions : exécuter des pipelines</a:t>
-            </a:r>
-          </a:p>
-        </p:txBody>
-      </p:sp>
-      <p:sp>
-        <p:nvSpPr>
-          <p:cNvPr id="3" name="Content Placeholder 2"/>
-          <p:cNvSpPr>
-            <a:spLocks noGrp="1"/>
-          </p:cNvSpPr>
-          <p:nvPr>
-            <p:ph idx="1"/>
-          </p:nvPr>
-        </p:nvSpPr>
-        <p:spPr/>
-        <p:txBody>
-          <a:bodyPr/>
-          <a:lstStyle/>
-          <a:p>
-            <a:pPr lvl="0"/>
-            <a:r>
-              <a:rPr/>
-              <a:t>Il est facile d’exécuter un pipeline </a:t>
-            </a:r>
-            <a:r>
-              <a:rPr>
-                <a:latin typeface="Courier"/>
-              </a:rPr>
-              <a:t>{targets}</a:t>
-            </a:r>
-            <a:r>
-              <a:rPr/>
-              <a:t> sur Github Actions</a:t>
-            </a:r>
-          </a:p>
-          <a:p>
-            <a:pPr lvl="0"/>
-            <a:r>
-              <a:rPr/>
-              <a:t>Il suffit de lancer </a:t>
-            </a:r>
-            <a:r>
-              <a:rPr>
-                <a:latin typeface="Courier"/>
-              </a:rPr>
-              <a:t>rix::tar_nix_ga()</a:t>
-            </a:r>
-            <a:r>
-              <a:rPr/>
-              <a:t> pour générer les fichiers nécessaires</a:t>
-            </a:r>
-          </a:p>
-          <a:p>
-            <a:pPr lvl="0"/>
-            <a:r>
-              <a:rPr/>
-              <a:t>Committez, poussez, et regardez les actions s’exécuter !</a:t>
-            </a:r>
-          </a:p>
-          <a:p>
-            <a:pPr lvl="0"/>
-            <a:r>
-              <a:rPr/>
-              <a:t>Voir </a:t>
-            </a:r>
-            <a:r>
-              <a:rPr>
-                <a:hlinkClick r:id="rId2"/>
-              </a:rPr>
-              <a:t>ici</a:t>
-            </a:r>
-          </a:p>
-        </p:txBody>
-      </p:sp>
-    </p:spTree>
-  </p:cSld>
-</p:sld>
-</file>
-
-<file path=ppt/slides/slide24.xml><?xml version="1.0" encoding="utf-8"?>
-<p:sld xmlns:a="http://schemas.openxmlformats.org/drawingml/2006/main" xmlns:r="http://schemas.openxmlformats.org/officeDocument/2006/relationships" xmlns:p="http://schemas.openxmlformats.org/presentationml/2006/main">
-  <p:cSld>
-    <p:spTree>
-      <p:nvGrpSpPr>
-        <p:cNvPr id="1" name=""/>
-        <p:cNvGrpSpPr/>
-        <p:nvPr/>
-      </p:nvGrpSpPr>
-      <p:grpSpPr>
-        <a:xfrm>
-          <a:off x="0" y="0"/>
-          <a:ext cx="0" cy="0"/>
-          <a:chOff x="0" y="0"/>
-          <a:chExt cx="0" cy="0"/>
-        </a:xfrm>
-      </p:grpSpPr>
-      <p:sp>
-        <p:nvSpPr>
-          <p:cNvPr id="2" name="Title 1"/>
-          <p:cNvSpPr>
-            <a:spLocks noGrp="1"/>
-          </p:cNvSpPr>
-          <p:nvPr>
-            <p:ph type="title"/>
-          </p:nvPr>
-        </p:nvSpPr>
-        <p:spPr/>
-        <p:txBody>
-          <a:bodyPr/>
-          <a:lstStyle/>
-          <a:p>
-            <a:pPr lvl="0" indent="0" marL="0">
-              <a:buNone/>
-            </a:pPr>
-            <a:r>
-              <a:rPr/>
-              <a:t>Nix et Github Actions : écrire des articles</a:t>
-            </a:r>
-          </a:p>
-        </p:txBody>
-      </p:sp>
-      <p:sp>
-        <p:nvSpPr>
-          <p:cNvPr id="3" name="Content Placeholder 2"/>
-          <p:cNvSpPr>
-            <a:spLocks noGrp="1"/>
-          </p:cNvSpPr>
-          <p:nvPr>
-            <p:ph idx="1"/>
-          </p:nvPr>
-        </p:nvSpPr>
-        <p:spPr/>
-        <p:txBody>
-          <a:bodyPr/>
-          <a:lstStyle/>
-          <a:p>
-            <a:pPr lvl="0"/>
-            <a:r>
-              <a:rPr/>
-              <a:t>La collaboration sur des articles devient facile également</a:t>
-            </a:r>
-          </a:p>
-          <a:p>
-            <a:pPr lvl="0"/>
-            <a:r>
-              <a:rPr/>
-              <a:t>Voir </a:t>
-            </a:r>
-            <a:r>
-              <a:rPr>
-                <a:hlinkClick r:id="rId2"/>
-              </a:rPr>
-              <a:t>ici</a:t>
-            </a:r>
-          </a:p>
-          <a:p>
-            <a:pPr lvl="0"/>
-            <a:r>
-              <a:rPr/>
-              <a:t>Concentrez-vous juste sur l’écriture !</a:t>
-            </a:r>
-          </a:p>
-        </p:txBody>
-      </p:sp>
-    </p:spTree>
-  </p:cSld>
-</p:sld>
-</file>
-
-<file path=ppt/slides/slide25.xml><?xml version="1.0" encoding="utf-8"?>
-<p:sld xmlns:a="http://schemas.openxmlformats.org/drawingml/2006/main" xmlns:r="http://schemas.openxmlformats.org/officeDocument/2006/relationships" xmlns:p="http://schemas.openxmlformats.org/presentationml/2006/main">
-  <p:cSld>
-    <p:spTree>
-      <p:nvGrpSpPr>
-        <p:cNvPr id="1" name=""/>
-        <p:cNvGrpSpPr/>
-        <p:nvPr/>
-      </p:nvGrpSpPr>
-      <p:grpSpPr>
-        <a:xfrm>
-          <a:off x="0" y="0"/>
-          <a:ext cx="0" cy="0"/>
-          <a:chOff x="0" y="0"/>
-          <a:chExt cx="0" cy="0"/>
-        </a:xfrm>
-      </p:grpSpPr>
-      <p:sp>
-        <p:nvSpPr>
-          <p:cNvPr id="2" name="Title 1"/>
-          <p:cNvSpPr>
-            <a:spLocks noGrp="1"/>
-          </p:cNvSpPr>
-          <p:nvPr>
-            <p:ph type="title"/>
-          </p:nvPr>
-        </p:nvSpPr>
-        <p:spPr/>
-        <p:txBody>
-          <a:bodyPr/>
-          <a:lstStyle/>
-          <a:p>
-            <a:pPr lvl="0" indent="0" marL="0">
-              <a:buNone/>
-            </a:pPr>
-            <a:r>
-              <a:rPr/>
-              <a:t>Conclusion</a:t>
-            </a:r>
-          </a:p>
-        </p:txBody>
-      </p:sp>
-      <p:sp>
-        <p:nvSpPr>
-          <p:cNvPr id="3" name="Content Placeholder 2"/>
-          <p:cNvSpPr>
-            <a:spLocks noGrp="1"/>
-          </p:cNvSpPr>
-          <p:nvPr>
-            <p:ph idx="1"/>
-          </p:nvPr>
-        </p:nvSpPr>
-        <p:spPr/>
-        <p:txBody>
-          <a:bodyPr/>
-          <a:lstStyle/>
-          <a:p>
-            <a:pPr lvl="0"/>
-            <a:r>
-              <a:rPr/>
-              <a:t>Sujet vaste et complexe !</a:t>
-            </a:r>
-          </a:p>
-          <a:p>
-            <a:pPr lvl="0"/>
-            <a:r>
-              <a:rPr/>
-              <a:t>À minima, générez un fichier </a:t>
-            </a:r>
-            <a:r>
-              <a:rPr>
-                <a:latin typeface="Courier"/>
-              </a:rPr>
-              <a:t>renv.lock</a:t>
-            </a:r>
-          </a:p>
-          <a:p>
-            <a:pPr lvl="0"/>
-            <a:r>
-              <a:rPr/>
-              <a:t>Il est toujours possible de reconstruire une image Docker plus tard (vous, ou quelqu’un d’autre !)</a:t>
-            </a:r>
-          </a:p>
-          <a:p>
-            <a:pPr lvl="0"/>
-            <a:r>
-              <a:rPr/>
-              <a:t>Pensez à utiliser </a:t>
-            </a:r>
-            <a:r>
-              <a:rPr>
-                <a:latin typeface="Courier"/>
-              </a:rPr>
-              <a:t>{targets}</a:t>
-            </a:r>
-            <a:r>
-              <a:rPr/>
-              <a:t> : excellent pour la reproductibilité, et outil formidable en général</a:t>
-            </a:r>
-          </a:p>
-          <a:p>
-            <a:pPr lvl="0"/>
-            <a:r>
-              <a:rPr/>
-              <a:t>Pour une reproductibilité à long terme : Docker ou Nix (mieux : les deux !), avec un effort de maintenance nécessaire</a:t>
-            </a:r>
-          </a:p>
-        </p:txBody>
-      </p:sp>
-    </p:spTree>
-  </p:cSld>
-</p:sld>
-</file>
-
-<file path=ppt/slides/slide26.xml><?xml version="1.0" encoding="utf-8"?>
-<p:sld xmlns:a="http://schemas.openxmlformats.org/drawingml/2006/main" xmlns:r="http://schemas.openxmlformats.org/officeDocument/2006/relationships" xmlns:p="http://schemas.openxmlformats.org/presentationml/2006/main">
-  <p:cSld>
-    <p:spTree>
-      <p:nvGrpSpPr>
-        <p:cNvPr id="1" name=""/>
-        <p:cNvGrpSpPr/>
-        <p:nvPr/>
-      </p:nvGrpSpPr>
-      <p:grpSpPr>
-        <a:xfrm>
-          <a:off x="0" y="0"/>
-          <a:ext cx="0" cy="0"/>
-          <a:chOff x="0" y="0"/>
-          <a:chExt cx="0" cy="0"/>
-        </a:xfrm>
-      </p:grpSpPr>
-      <p:sp>
-        <p:nvSpPr>
-          <p:cNvPr id="2" name="Title 1"/>
-          <p:cNvSpPr>
-            <a:spLocks noGrp="1"/>
-          </p:cNvSpPr>
-          <p:nvPr>
-            <p:ph type="title"/>
-          </p:nvPr>
-        </p:nvSpPr>
-        <p:spPr/>
-        <p:txBody>
-          <a:bodyPr/>
-          <a:lstStyle/>
-          <a:p>
-            <a:pPr lvl="0" indent="0" marL="0">
-              <a:buNone/>
-            </a:pPr>
-            <a:r>
-              <a:rPr/>
-              <a:t>Fin</a:t>
-            </a:r>
-          </a:p>
-        </p:txBody>
-      </p:sp>
-      <p:sp>
-        <p:nvSpPr>
-          <p:cNvPr id="3" name="Content Placeholder 2"/>
-          <p:cNvSpPr>
-            <a:spLocks noGrp="1"/>
-          </p:cNvSpPr>
-          <p:nvPr>
-            <p:ph idx="1"/>
-          </p:nvPr>
-        </p:nvSpPr>
-        <p:spPr/>
-        <p:txBody>
-          <a:bodyPr/>
-          <a:lstStyle/>
-          <a:p>
-            <a:pPr lvl="0" indent="0" marL="0">
-              <a:buNone/>
-            </a:pPr>
-            <a:r>
-              <a:rPr/>
-              <a:t>Contactez-moi si vous avez des questions :</a:t>
-            </a:r>
-          </a:p>
-          <a:p>
-            <a:pPr lvl="0"/>
-            <a:r>
-              <a:rPr/>
-              <a:t>bruno@brodrigues.co</a:t>
-            </a:r>
-          </a:p>
-          <a:p>
-            <a:pPr lvl="0"/>
-            <a:r>
-              <a:rPr/>
-              <a:t>Twitter : @brodriguesco</a:t>
-            </a:r>
-          </a:p>
-          <a:p>
-            <a:pPr lvl="0"/>
-            <a:r>
-              <a:rPr/>
-              <a:t>Mastodon : @brodriguesco@fosstodon.org</a:t>
-            </a:r>
-          </a:p>
-          <a:p>
-            <a:pPr lvl="0"/>
-            <a:r>
-              <a:rPr/>
-              <a:t>Blog : www.brodrigues.co</a:t>
-            </a:r>
-          </a:p>
-          <a:p>
-            <a:pPr lvl="0"/>
-            <a:r>
-              <a:rPr/>
-              <a:t>Livre : www.raps-with-r.dev</a:t>
-            </a:r>
-          </a:p>
-          <a:p>
-            <a:pPr lvl="0"/>
-            <a:r>
-              <a:rPr/>
-              <a:t>rix : https://docs.ropensci.org/rix</a:t>
-            </a:r>
-          </a:p>
-          <a:p>
-            <a:pPr lvl="0" indent="0" marL="0">
-              <a:buNone/>
-            </a:pPr>
-            <a:r>
-              <a:rPr/>
-              <a:t>. . .</a:t>
-            </a:r>
-          </a:p>
-          <a:p>
-            <a:pPr lvl="0" indent="0" marL="0">
-              <a:buNone/>
-            </a:pPr>
-            <a:r>
-              <a:rPr/>
-              <a:t>Merci !</a:t>
             </a:r>
           </a:p>
         </p:txBody>
@@ -5686,7 +4566,7 @@
               <a:rPr>
                 <a:hlinkClick r:id="rId2"/>
               </a:rPr>
-              <a:t>https://b-rodrigues.github.io/repro_univ_eiffel</a:t>
+              <a:t>https://b-rodrigues.github.io/repro_rrr</a:t>
             </a:r>
           </a:p>
           <a:p>
@@ -5701,7 +4581,7 @@
               <a:rPr>
                 <a:hlinkClick r:id="rId3"/>
               </a:rPr>
-              <a:t>https://github.com/b-rodrigues/repro_univ_eiffel</a:t>
+              <a:t>https://github.com/b-rodrigues/repro_rrr</a:t>
             </a:r>
           </a:p>
         </p:txBody>
@@ -5779,14 +4659,38 @@
             </a:r>
             <a:r>
               <a:rPr/>
-              <a:t> qui doit être maîtrisé pour garantir la reproductibilité</a:t>
+              <a:t> qui doit être maîtrisé pour garantir la reproductibilité (capacité à retrouver </a:t>
+            </a:r>
+            <a:r>
+              <a:rPr i="1"/>
+              <a:t>exactement</a:t>
+            </a:r>
+            <a:r>
+              <a:rPr/>
+              <a:t> les mêmes résultats à partir d’une analyse)</a:t>
             </a:r>
           </a:p>
           <a:p>
             <a:pPr lvl="0"/>
             <a:r>
               <a:rPr/>
-              <a:t>Présenter brièvement {rix} et Nix</a:t>
+              <a:t>Présenter brièvement Nix, </a:t>
+            </a:r>
+            <a:r>
+              <a:rPr>
+                <a:latin typeface="Courier"/>
+              </a:rPr>
+              <a:t>{rix}</a:t>
+            </a:r>
+            <a:r>
+              <a:rPr/>
+              <a:t> et </a:t>
+            </a:r>
+            <a:r>
+              <a:rPr>
+                <a:latin typeface="Courier"/>
+              </a:rPr>
+              <a:t>{rixpress}</a:t>
             </a:r>
           </a:p>
         </p:txBody>
@@ -5833,42 +4737,99 @@
             </a:pPr>
             <a:r>
               <a:rPr/>
-              <a:t>Ce que j’entends par </a:t>
+              <a:t>Solutions disponibles pour R (1/2)</a:t>
+            </a:r>
+          </a:p>
+        </p:txBody>
+      </p:sp>
+      <p:sp>
+        <p:nvSpPr>
+          <p:cNvPr id="3" name="Content Placeholder 2"/>
+          <p:cNvSpPr>
+            <a:spLocks noGrp="1"/>
+          </p:cNvSpPr>
+          <p:nvPr>
+            <p:ph idx="1"/>
+          </p:nvPr>
+        </p:nvSpPr>
+        <p:spPr/>
+        <p:txBody>
+          <a:bodyPr/>
+          <a:lstStyle/>
+          <a:p>
+            <a:pPr lvl="0"/>
+            <a:r>
+              <a:rPr>
+                <a:latin typeface="Courier"/>
+              </a:rPr>
+              <a:t>{renv}</a:t>
+            </a:r>
+            <a:r>
+              <a:rPr/>
+              <a:t> ou </a:t>
+            </a:r>
+            <a:r>
+              <a:rPr>
+                <a:latin typeface="Courier"/>
+              </a:rPr>
+              <a:t>{groundhog}</a:t>
+            </a:r>
+            <a:r>
+              <a:rPr/>
+              <a:t>: simple à utiliser, mais:</a:t>
+            </a:r>
+          </a:p>
+          <a:p>
+            <a:pPr lvl="1"/>
+            <a:r>
+              <a:rPr/>
+              <a:t>Ne sauvegarde pas la version de R</a:t>
+            </a:r>
+            <a:br/>
+          </a:p>
+          <a:p>
+            <a:pPr lvl="1"/>
+            <a:r>
+              <a:rPr/>
+              <a:t>L’installation d’anciens packages peut échouer (dépendances système)</a:t>
+            </a:r>
+          </a:p>
+          <a:p>
+            <a:pPr lvl="0"/>
+            <a:r>
+              <a:rPr/>
+              <a:t>Docker permet d’aller plus loin :</a:t>
+            </a:r>
+          </a:p>
+          <a:p>
+            <a:pPr lvl="1"/>
+            <a:r>
+              <a:rPr/>
+              <a:t>Gère R </a:t>
             </a:r>
             <a:r>
               <a:rPr i="1"/>
-              <a:t>reproductibilité</a:t>
-            </a:r>
-          </a:p>
-        </p:txBody>
-      </p:sp>
-      <p:sp>
-        <p:nvSpPr>
-          <p:cNvPr id="3" name="Content Placeholder 2"/>
-          <p:cNvSpPr>
-            <a:spLocks noGrp="1"/>
-          </p:cNvSpPr>
-          <p:nvPr>
-            <p:ph idx="1"/>
-          </p:nvPr>
-        </p:nvSpPr>
-        <p:spPr/>
-        <p:txBody>
-          <a:bodyPr/>
-          <a:lstStyle/>
-          <a:p>
-            <a:pPr lvl="0"/>
-            <a:r>
-              <a:rPr/>
-              <a:t>Capacité à retrouver </a:t>
-            </a:r>
-            <a:r>
-              <a:rPr i="1"/>
-              <a:t>exactement</a:t>
-            </a:r>
-            <a:r>
-              <a:rPr/>
-              <a:t> les mêmes résultats à partir d’une analyse</a:t>
+              <a:t>et</a:t>
+            </a:r>
+            <a:r>
+              <a:rPr/>
+              <a:t> les dépendances système</a:t>
+            </a:r>
+            <a:br/>
+          </a:p>
+          <a:p>
+            <a:pPr lvl="1"/>
+            <a:r>
+              <a:rPr/>
+              <a:t>Utilise des images immuables et partageables</a:t>
+            </a:r>
+            <a:br/>
+          </a:p>
+          <a:p>
+            <a:pPr lvl="1"/>
+            <a:r>
+              <a:rPr/>
+              <a:t>Conteneurs exécutables n’importe ou</a:t>
             </a:r>
           </a:p>
         </p:txBody>
@@ -5915,7 +4876,7 @@
             </a:pPr>
             <a:r>
               <a:rPr/>
-              <a:t>Rendre notre analyse reproductible</a:t>
+              <a:t>Solutions disponibles pour R (2/2)</a:t>
             </a:r>
           </a:p>
         </p:txBody>
@@ -5935,57 +4896,39 @@
           <a:bodyPr/>
           <a:lstStyle/>
           <a:p>
-            <a:pPr lvl="0" indent="0" marL="0">
-              <a:buNone/>
-            </a:pPr>
-            <a:r>
-              <a:rPr/>
-              <a:t>Nous devons répondre à ces questions</a:t>
-            </a:r>
-          </a:p>
-          <a:p>
-            <a:pPr lvl="0" indent="0" marL="0">
-              <a:buNone/>
-            </a:pPr>
-            <a:r>
-              <a:rPr/>
-              <a:t>. . .</a:t>
-            </a:r>
-          </a:p>
-          <a:p>
-            <a:pPr lvl="0" indent="-342900" marL="342900">
-              <a:buAutoNum type="arabicPeriod"/>
-            </a:pPr>
-            <a:r>
-              <a:rPr/>
-              <a:t>Est-ce facile pour une autre personne de relancer l’analyse ?</a:t>
-            </a:r>
-          </a:p>
-          <a:p>
-            <a:pPr lvl="0" indent="-342900" marL="342900">
-              <a:buAutoNum type="arabicPeriod"/>
-            </a:pPr>
-            <a:r>
-              <a:rPr/>
-              <a:t>Est-ce facile de mettre à jour le projet ?</a:t>
-            </a:r>
-          </a:p>
-          <a:p>
-            <a:pPr lvl="0" indent="-342900" marL="342900">
-              <a:buAutoNum type="arabicPeriod"/>
-            </a:pPr>
-            <a:r>
-              <a:rPr/>
-              <a:t>Est-ce facile de réutiliser ce code dans un autre projet ?</a:t>
-            </a:r>
-          </a:p>
-          <a:p>
-            <a:pPr lvl="0" indent="-342900" marL="342900">
-              <a:buAutoNum type="arabicPeriod"/>
-            </a:pPr>
-            <a:r>
-              <a:rPr/>
-              <a:t>Quelles garanties avons-nous que le résultat reste stable dans le temps ?</a:t>
+            <a:pPr lvl="0"/>
+            <a:r>
+              <a:rPr/>
+              <a:t>Limites de Docker :</a:t>
+            </a:r>
+          </a:p>
+          <a:p>
+            <a:pPr lvl="1"/>
+            <a:r>
+              <a:rPr/>
+              <a:t>Courbe d’apprentissage (connaissances Linux recommandées)</a:t>
+            </a:r>
+            <a:br/>
+          </a:p>
+          <a:p>
+            <a:pPr lvl="1"/>
+            <a:r>
+              <a:rPr/>
+              <a:t>N’est pas conçu à l’origine pour la reproductibilité</a:t>
+            </a:r>
+            <a:br/>
+          </a:p>
+          <a:p>
+            <a:pPr lvl="1"/>
+            <a:r>
+              <a:rPr/>
+              <a:t>À voir : </a:t>
+            </a:r>
+            <a:r>
+              <a:rPr>
+                <a:hlinkClick r:id="rId2"/>
+              </a:rPr>
+              <a:t>Rocker</a:t>
             </a:r>
           </a:p>
         </p:txBody>
@@ -6022,7 +4965,12 @@
             <p:ph type="title"/>
           </p:nvPr>
         </p:nvSpPr>
-        <p:spPr/>
+        <p:spPr>
+          <a:xfrm>
+            <a:off x="457201" y="204787"/>
+            <a:ext cx="3008313" cy="871538"/>
+          </a:xfrm>
+        </p:spPr>
         <p:txBody>
           <a:bodyPr/>
           <a:lstStyle/>
@@ -6032,19 +4980,19 @@
             </a:pPr>
             <a:r>
               <a:rPr/>
-              <a:t>La reproductibilité est un continuum (1/2)</a:t>
-            </a:r>
-          </a:p>
-        </p:txBody>
-      </p:sp>
-      <p:sp>
-        <p:nvSpPr>
-          <p:cNvPr id="3" name="Content Placeholder 2"/>
-          <p:cNvSpPr>
-            <a:spLocks noGrp="1"/>
-          </p:cNvSpPr>
-          <p:nvPr>
-            <p:ph idx="1"/>
+              <a:t>Le gestionnaire de paquets Nix (1/2)</a:t>
+            </a:r>
+          </a:p>
+        </p:txBody>
+      </p:sp>
+      <p:sp>
+        <p:nvSpPr>
+          <p:cNvPr id="4" name="Text Placeholder 3"/>
+          <p:cNvSpPr>
+            <a:spLocks noGrp="1"/>
+          </p:cNvSpPr>
+          <p:nvPr>
+            <p:ph idx="2" sz="half" type="body"/>
           </p:nvPr>
         </p:nvSpPr>
         <p:spPr/>
@@ -6057,35 +5005,98 @@
             </a:pPr>
             <a:r>
               <a:rPr/>
-              <a:t>Voici les 4 principaux facteurs qui influencent la reproductibilité d’une analyse :</a:t>
-            </a:r>
-          </a:p>
-          <a:p>
-            <a:pPr lvl="0"/>
-            <a:r>
-              <a:rPr/>
-              <a:t>Version de R utilisée</a:t>
-            </a:r>
-          </a:p>
-          <a:p>
-            <a:pPr lvl="0"/>
-            <a:r>
-              <a:rPr/>
-              <a:t>Versions des packages utilisés</a:t>
-            </a:r>
-          </a:p>
-          <a:p>
-            <a:pPr lvl="0"/>
-            <a:r>
-              <a:rPr/>
-              <a:t>Système d’exploitation</a:t>
-            </a:r>
-          </a:p>
-          <a:p>
-            <a:pPr lvl="0"/>
-            <a:r>
-              <a:rPr/>
-              <a:t>Matériel</a:t>
+              <a:t>Gestionnaire de paquets : outil permettant d’installer et de gérer des </a:t>
+            </a:r>
+            <a:r>
+              <a:rPr i="1"/>
+              <a:t>paquets</a:t>
+            </a:r>
+          </a:p>
+          <a:p>
+            <a:pPr lvl="0" indent="0" marL="0">
+              <a:buNone/>
+            </a:pPr>
+            <a:r>
+              <a:rPr/>
+              <a:t>Paquet : tout logiciel (pas uniquement les packages R)</a:t>
+            </a:r>
+          </a:p>
+          <a:p>
+            <a:pPr lvl="0" indent="0" marL="0">
+              <a:buNone/>
+            </a:pPr>
+            <a:r>
+              <a:rPr/>
+              <a:t>Un gestionnaire de paquets populaire :</a:t>
+            </a:r>
+          </a:p>
+          <a:p>
+            <a:pPr lvl="0" indent="0" marL="0">
+              <a:buNone/>
+            </a:pPr>
+            <a:r>
+              <a:rPr/>
+              <a:t>. . .</a:t>
+            </a:r>
+          </a:p>
+        </p:txBody>
+      </p:sp>
+      <p:pic>
+        <p:nvPicPr>
+          <p:cNvPr descr="images/play_store.png" id="0" name="Picture 1"/>
+          <p:cNvPicPr>
+            <a:picLocks noGrp="1" noChangeAspect="1"/>
+          </p:cNvPicPr>
+          <p:nvPr/>
+        </p:nvPicPr>
+        <p:blipFill>
+          <a:blip r:embed="rId2"/>
+          <a:stretch>
+            <a:fillRect/>
+          </a:stretch>
+        </p:blipFill>
+        <p:spPr bwMode="auto">
+          <a:xfrm>
+            <a:off x="5245100" y="203200"/>
+            <a:ext cx="1739900" cy="3873500"/>
+          </a:xfrm>
+          <a:prstGeom prst="rect">
+            <a:avLst/>
+          </a:prstGeom>
+          <a:noFill/>
+          <a:ln w="9525">
+            <a:noFill/>
+            <a:headEnd/>
+            <a:tailEnd/>
+          </a:ln>
+        </p:spPr>
+      </p:pic>
+      <p:sp>
+        <p:nvSpPr>
+          <p:cNvPr id="1" name="TextBox 3"/>
+          <p:cNvSpPr txBox="1"/>
+          <p:nvPr/>
+        </p:nvSpPr>
+        <p:spPr>
+          <a:xfrm>
+            <a:off x="3568700" y="4076700"/>
+            <a:ext cx="5105400" cy="508000"/>
+          </a:xfrm>
+          <a:prstGeom prst="rect">
+            <a:avLst/>
+          </a:prstGeom>
+          <a:noFill/>
+        </p:spPr>
+        <p:txBody>
+          <a:bodyPr/>
+          <a:lstStyle/>
+          <a:p>
+            <a:pPr lvl="0" indent="0" marL="0" algn="ctr">
+              <a:buNone/>
+            </a:pPr>
+            <a:r>
+              <a:rPr/>
+              <a:t>Google Play Store</a:t>
             </a:r>
           </a:p>
         </p:txBody>
@@ -6132,41 +5143,63 @@
             </a:pPr>
             <a:r>
               <a:rPr/>
-              <a:t>La reproductibilité est un continuum (2/2)</a:t>
-            </a:r>
-          </a:p>
-        </p:txBody>
-      </p:sp>
-      <p:pic>
-        <p:nvPicPr>
-          <p:cNvPr descr="images/repro_spectrum.png" id="0" name="Picture 1"/>
-          <p:cNvPicPr>
-            <a:picLocks noGrp="1" noChangeAspect="1"/>
-          </p:cNvPicPr>
-          <p:nvPr/>
-        </p:nvPicPr>
-        <p:blipFill>
-          <a:blip r:embed="rId2"/>
-          <a:stretch>
-            <a:fillRect/>
-          </a:stretch>
-        </p:blipFill>
-        <p:spPr bwMode="auto">
-          <a:xfrm>
-            <a:off x="457200" y="1600200"/>
-            <a:ext cx="8229600" cy="2578100"/>
-          </a:xfrm>
-          <a:prstGeom prst="rect">
-            <a:avLst/>
-          </a:prstGeom>
-          <a:noFill/>
-          <a:ln w="9525">
-            <a:noFill/>
-            <a:headEnd/>
-            <a:tailEnd/>
-          </a:ln>
-        </p:spPr>
-      </p:pic>
+              <a:t>Le gestionnaire de paquets Nix (2/2)</a:t>
+            </a:r>
+          </a:p>
+        </p:txBody>
+      </p:sp>
+      <p:sp>
+        <p:nvSpPr>
+          <p:cNvPr id="3" name="Content Placeholder 2"/>
+          <p:cNvSpPr>
+            <a:spLocks noGrp="1"/>
+          </p:cNvSpPr>
+          <p:nvPr>
+            <p:ph idx="1"/>
+          </p:nvPr>
+        </p:nvSpPr>
+        <p:spPr/>
+        <p:txBody>
+          <a:bodyPr/>
+          <a:lstStyle/>
+          <a:p>
+            <a:pPr lvl="0"/>
+            <a:r>
+              <a:rPr/>
+              <a:t>Pour garantir la reproductibilité : R, les packages R et autres dépendances doivent être gérés explicitement</a:t>
+            </a:r>
+          </a:p>
+          <a:p>
+            <a:pPr lvl="0"/>
+            <a:r>
+              <a:rPr/>
+              <a:t>Nix est un gestionnaire de paquets réellement centré sur les builds reproductibles</a:t>
+            </a:r>
+          </a:p>
+          <a:p>
+            <a:pPr lvl="0"/>
+            <a:r>
+              <a:rPr/>
+              <a:t>Nix gère tout à l’aide d’un seul fichier texte (appelé une expression Nix) !</a:t>
+            </a:r>
+          </a:p>
+          <a:p>
+            <a:pPr lvl="0"/>
+            <a:r>
+              <a:rPr/>
+              <a:t>Ces expressions produisent </a:t>
+            </a:r>
+            <a:r>
+              <a:rPr i="1"/>
+              <a:t>toujours</a:t>
+            </a:r>
+            <a:r>
+              <a:rPr/>
+              <a:t> exactement le même résultat</a:t>
+            </a:r>
+          </a:p>
+        </p:txBody>
+      </p:sp>
     </p:spTree>
   </p:cSld>
 </p:sld>

--- a/docs/index.pptx
+++ b/docs/index.pptx
@@ -21,6 +21,11 @@
     <p:sldId id="269" r:id="rId15"/>
     <p:sldId id="270" r:id="rId16"/>
     <p:sldId id="271" r:id="rId17"/>
+    <p:sldId id="272" r:id="rId18"/>
+    <p:sldId id="273" r:id="rId19"/>
+    <p:sldId id="274" r:id="rId20"/>
+    <p:sldId id="275" r:id="rId21"/>
+    <p:sldId id="276" r:id="rId22"/>
   </p:sldIdLst>
   <p:sldSz cx="9144000" cy="5143500" type="screen16x9"/>
   <p:notesSz cx="6858000" cy="9144000"/>
@@ -4210,6 +4215,19 @@
               <a:t>voir ici</a:t>
             </a:r>
           </a:p>
+          <a:p>
+            <a:pPr lvl="0"/>
+            <a:r>
+              <a:rPr/>
+              <a:t>Nix et Docker: </a:t>
+            </a:r>
+            <a:r>
+              <a:rPr>
+                <a:latin typeface="Courier"/>
+              </a:rPr>
+              <a:t>scripts/nix_expressions/docker/</a:t>
+            </a:r>
+          </a:p>
         </p:txBody>
       </p:sp>
     </p:spTree>
@@ -4254,7 +4272,13 @@
             </a:pPr>
             <a:r>
               <a:rPr/>
-              <a:t>Fin</a:t>
+              <a:t>Pipelines polyglottes avec </a:t>
+            </a:r>
+            <a:r>
+              <a:rPr>
+                <a:latin typeface="Courier"/>
+              </a:rPr>
+              <a:t>{rixpress}</a:t>
             </a:r>
           </a:p>
         </p:txBody>
@@ -4274,72 +4298,1017 @@
           <a:bodyPr/>
           <a:lstStyle/>
           <a:p>
+            <a:pPr lvl="0"/>
+            <a:r>
+              <a:rPr>
+                <a:latin typeface="Courier"/>
+              </a:rPr>
+              <a:t>{rixpress}</a:t>
+            </a:r>
+            <a:r>
+              <a:rPr/>
+              <a:t> permet d’enchaîner des étapes de traitement en R </a:t>
+            </a:r>
+            <a:r>
+              <a:rPr b="1"/>
+              <a:t>et</a:t>
+            </a:r>
+            <a:r>
+              <a:rPr/>
+              <a:t> Python</a:t>
+            </a:r>
+          </a:p>
+          <a:p>
+            <a:pPr lvl="0"/>
+            <a:r>
+              <a:rPr/>
+              <a:t>Utilise </a:t>
+            </a:r>
+            <a:r>
+              <a:rPr>
+                <a:latin typeface="Courier"/>
+              </a:rPr>
+              <a:t>{rix}</a:t>
+            </a:r>
+            <a:r>
+              <a:rPr/>
+              <a:t> pour créer un environnement reproductible (via Nix) d’exécution de la pipeline</a:t>
+            </a:r>
+          </a:p>
+          <a:p>
+            <a:pPr lvl="0"/>
+            <a:r>
+              <a:rPr/>
+              <a:t>Chaque étape de pipeline est une </a:t>
+            </a:r>
+            <a:r>
+              <a:rPr b="1"/>
+              <a:t>dérivation Nix</a:t>
+            </a:r>
+          </a:p>
+          <a:p>
+            <a:pPr lvl="0"/>
+            <a:r>
+              <a:rPr/>
+              <a:t>Transfert de données : automatique via </a:t>
+            </a:r>
+            <a:r>
+              <a:rPr>
+                <a:latin typeface="Courier"/>
+              </a:rPr>
+              <a:t>reticulate</a:t>
+            </a:r>
+            <a:r>
+              <a:rPr/>
+              <a:t> ou format universel (JSON)</a:t>
+            </a:r>
+          </a:p>
+        </p:txBody>
+      </p:sp>
+    </p:spTree>
+  </p:cSld>
+</p:sld>
+</file>
+
+<file path=ppt/slides/slide17.xml><?xml version="1.0" encoding="utf-8"?>
+<p:sld xmlns:a="http://schemas.openxmlformats.org/drawingml/2006/main" xmlns:r="http://schemas.openxmlformats.org/officeDocument/2006/relationships" xmlns:p="http://schemas.openxmlformats.org/presentationml/2006/main">
+  <p:cSld>
+    <p:spTree>
+      <p:nvGrpSpPr>
+        <p:cNvPr id="1" name=""/>
+        <p:cNvGrpSpPr/>
+        <p:nvPr/>
+      </p:nvGrpSpPr>
+      <p:grpSpPr>
+        <a:xfrm>
+          <a:off x="0" y="0"/>
+          <a:ext cx="0" cy="0"/>
+          <a:chOff x="0" y="0"/>
+          <a:chExt cx="0" cy="0"/>
+        </a:xfrm>
+      </p:grpSpPr>
+      <p:sp>
+        <p:nvSpPr>
+          <p:cNvPr id="2" name="Title 1"/>
+          <p:cNvSpPr>
+            <a:spLocks noGrp="1"/>
+          </p:cNvSpPr>
+          <p:nvPr>
+            <p:ph type="title"/>
+          </p:nvPr>
+        </p:nvSpPr>
+        <p:spPr/>
+        <p:txBody>
+          <a:bodyPr/>
+          <a:lstStyle/>
+          <a:p>
             <a:pPr lvl="0" indent="0" marL="0">
               <a:buNone/>
             </a:pPr>
             <a:r>
               <a:rPr/>
-              <a:t>Contactez-moi si vous avez des questions :</a:t>
+              <a:t>Un exemple de pipeline mixte</a:t>
+            </a:r>
+          </a:p>
+        </p:txBody>
+      </p:sp>
+      <p:sp>
+        <p:nvSpPr>
+          <p:cNvPr id="3" name="Content Placeholder 2"/>
+          <p:cNvSpPr>
+            <a:spLocks noGrp="1"/>
+          </p:cNvSpPr>
+          <p:nvPr>
+            <p:ph idx="1"/>
+          </p:nvPr>
+        </p:nvSpPr>
+        <p:spPr/>
+        <p:txBody>
+          <a:bodyPr/>
+          <a:lstStyle/>
+          <a:p>
+            <a:pPr lvl="0" indent="0">
+              <a:buNone/>
+            </a:pPr>
+            <a:r>
+              <a:rPr>
+                <a:solidFill>
+                  <a:srgbClr val="4758AB"/>
+                </a:solidFill>
+                <a:latin typeface="Courier"/>
+              </a:rPr>
+              <a:t>list</a:t>
+            </a:r>
+            <a:r>
+              <a:rPr>
+                <a:solidFill>
+                  <a:srgbClr val="003B4F"/>
+                </a:solidFill>
+                <a:latin typeface="Courier"/>
+              </a:rPr>
+              <a:t>(</a:t>
+            </a:r>
+            <a:br/>
+            <a:r>
+              <a:rPr>
+                <a:solidFill>
+                  <a:srgbClr val="003B4F"/>
+                </a:solidFill>
+                <a:latin typeface="Courier"/>
+              </a:rPr>
+              <a:t>  </a:t>
+            </a:r>
+            <a:r>
+              <a:rPr>
+                <a:solidFill>
+                  <a:srgbClr val="4758AB"/>
+                </a:solidFill>
+                <a:latin typeface="Courier"/>
+              </a:rPr>
+              <a:t>rxp_py_file</a:t>
+            </a:r>
+            <a:r>
+              <a:rPr>
+                <a:solidFill>
+                  <a:srgbClr val="003B4F"/>
+                </a:solidFill>
+                <a:latin typeface="Courier"/>
+              </a:rPr>
+              <a:t>(…),    </a:t>
+            </a:r>
+            <a:r>
+              <a:rPr>
+                <a:solidFill>
+                  <a:srgbClr val="5E5E5E"/>
+                </a:solidFill>
+                <a:latin typeface="Courier"/>
+              </a:rPr>
+              <a:t># Lire un CSV avec Python</a:t>
+            </a:r>
+            <a:br/>
+            <a:r>
+              <a:rPr>
+                <a:solidFill>
+                  <a:srgbClr val="003B4F"/>
+                </a:solidFill>
+                <a:latin typeface="Courier"/>
+              </a:rPr>
+              <a:t>  </a:t>
+            </a:r>
+            <a:r>
+              <a:rPr>
+                <a:solidFill>
+                  <a:srgbClr val="4758AB"/>
+                </a:solidFill>
+                <a:latin typeface="Courier"/>
+              </a:rPr>
+              <a:t>rxp_py</a:t>
+            </a:r>
+            <a:r>
+              <a:rPr>
+                <a:solidFill>
+                  <a:srgbClr val="003B4F"/>
+                </a:solidFill>
+                <a:latin typeface="Courier"/>
+              </a:rPr>
+              <a:t>(…),         </a:t>
+            </a:r>
+            <a:r>
+              <a:rPr>
+                <a:solidFill>
+                  <a:srgbClr val="5E5E5E"/>
+                </a:solidFill>
+                <a:latin typeface="Courier"/>
+              </a:rPr>
+              <a:t># Filtrer avec Polars</a:t>
+            </a:r>
+            <a:br/>
+            <a:r>
+              <a:rPr>
+                <a:solidFill>
+                  <a:srgbClr val="003B4F"/>
+                </a:solidFill>
+                <a:latin typeface="Courier"/>
+              </a:rPr>
+              <a:t>  </a:t>
+            </a:r>
+            <a:r>
+              <a:rPr>
+                <a:solidFill>
+                  <a:srgbClr val="4758AB"/>
+                </a:solidFill>
+                <a:latin typeface="Courier"/>
+              </a:rPr>
+              <a:t>rxp_py2r</a:t>
+            </a:r>
+            <a:r>
+              <a:rPr>
+                <a:solidFill>
+                  <a:srgbClr val="003B4F"/>
+                </a:solidFill>
+                <a:latin typeface="Courier"/>
+              </a:rPr>
+              <a:t>(…),       </a:t>
+            </a:r>
+            <a:r>
+              <a:rPr>
+                <a:solidFill>
+                  <a:srgbClr val="5E5E5E"/>
+                </a:solidFill>
+                <a:latin typeface="Courier"/>
+              </a:rPr>
+              <a:t># Transfert Python → R</a:t>
+            </a:r>
+            <a:br/>
+            <a:r>
+              <a:rPr>
+                <a:solidFill>
+                  <a:srgbClr val="003B4F"/>
+                </a:solidFill>
+                <a:latin typeface="Courier"/>
+              </a:rPr>
+              <a:t>  </a:t>
+            </a:r>
+            <a:r>
+              <a:rPr>
+                <a:solidFill>
+                  <a:srgbClr val="4758AB"/>
+                </a:solidFill>
+                <a:latin typeface="Courier"/>
+              </a:rPr>
+              <a:t>rxp_r</a:t>
+            </a:r>
+            <a:r>
+              <a:rPr>
+                <a:solidFill>
+                  <a:srgbClr val="003B4F"/>
+                </a:solidFill>
+                <a:latin typeface="Courier"/>
+              </a:rPr>
+              <a:t>(…),          </a:t>
+            </a:r>
+            <a:r>
+              <a:rPr>
+                <a:solidFill>
+                  <a:srgbClr val="5E5E5E"/>
+                </a:solidFill>
+                <a:latin typeface="Courier"/>
+              </a:rPr>
+              <a:t># Transformation en R</a:t>
+            </a:r>
+            <a:br/>
+            <a:r>
+              <a:rPr>
+                <a:solidFill>
+                  <a:srgbClr val="003B4F"/>
+                </a:solidFill>
+                <a:latin typeface="Courier"/>
+              </a:rPr>
+              <a:t>  </a:t>
+            </a:r>
+            <a:r>
+              <a:rPr>
+                <a:solidFill>
+                  <a:srgbClr val="4758AB"/>
+                </a:solidFill>
+                <a:latin typeface="Courier"/>
+              </a:rPr>
+              <a:t>rxp_r2py</a:t>
+            </a:r>
+            <a:r>
+              <a:rPr>
+                <a:solidFill>
+                  <a:srgbClr val="003B4F"/>
+                </a:solidFill>
+                <a:latin typeface="Courier"/>
+              </a:rPr>
+              <a:t>(…),       </a:t>
+            </a:r>
+            <a:r>
+              <a:rPr>
+                <a:solidFill>
+                  <a:srgbClr val="5E5E5E"/>
+                </a:solidFill>
+                <a:latin typeface="Courier"/>
+              </a:rPr>
+              <a:t># Transfert R → Python</a:t>
+            </a:r>
+            <a:br/>
+            <a:r>
+              <a:rPr>
+                <a:solidFill>
+                  <a:srgbClr val="003B4F"/>
+                </a:solidFill>
+                <a:latin typeface="Courier"/>
+              </a:rPr>
+              <a:t>  </a:t>
+            </a:r>
+            <a:r>
+              <a:rPr>
+                <a:solidFill>
+                  <a:srgbClr val="4758AB"/>
+                </a:solidFill>
+                <a:latin typeface="Courier"/>
+              </a:rPr>
+              <a:t>rxp_py</a:t>
+            </a:r>
+            <a:r>
+              <a:rPr>
+                <a:solidFill>
+                  <a:srgbClr val="003B4F"/>
+                </a:solidFill>
+                <a:latin typeface="Courier"/>
+              </a:rPr>
+              <a:t>(…),         </a:t>
+            </a:r>
+            <a:r>
+              <a:rPr>
+                <a:solidFill>
+                  <a:srgbClr val="5E5E5E"/>
+                </a:solidFill>
+                <a:latin typeface="Courier"/>
+              </a:rPr>
+              <a:t># Autre étape Python</a:t>
+            </a:r>
+            <a:br/>
+            <a:r>
+              <a:rPr>
+                <a:solidFill>
+                  <a:srgbClr val="003B4F"/>
+                </a:solidFill>
+                <a:latin typeface="Courier"/>
+              </a:rPr>
+              <a:t>  </a:t>
+            </a:r>
+            <a:r>
+              <a:rPr>
+                <a:solidFill>
+                  <a:srgbClr val="4758AB"/>
+                </a:solidFill>
+                <a:latin typeface="Courier"/>
+              </a:rPr>
+              <a:t>rxp_py2r</a:t>
+            </a:r>
+            <a:r>
+              <a:rPr>
+                <a:solidFill>
+                  <a:srgbClr val="003B4F"/>
+                </a:solidFill>
+                <a:latin typeface="Courier"/>
+              </a:rPr>
+              <a:t>(…),       </a:t>
+            </a:r>
+            <a:r>
+              <a:rPr>
+                <a:solidFill>
+                  <a:srgbClr val="5E5E5E"/>
+                </a:solidFill>
+                <a:latin typeface="Courier"/>
+              </a:rPr>
+              <a:t># Retour vers R</a:t>
+            </a:r>
+            <a:br/>
+            <a:r>
+              <a:rPr>
+                <a:solidFill>
+                  <a:srgbClr val="003B4F"/>
+                </a:solidFill>
+                <a:latin typeface="Courier"/>
+              </a:rPr>
+              <a:t>  </a:t>
+            </a:r>
+            <a:r>
+              <a:rPr>
+                <a:solidFill>
+                  <a:srgbClr val="4758AB"/>
+                </a:solidFill>
+                <a:latin typeface="Courier"/>
+              </a:rPr>
+              <a:t>rxp_r</a:t>
+            </a:r>
+            <a:r>
+              <a:rPr>
+                <a:solidFill>
+                  <a:srgbClr val="003B4F"/>
+                </a:solidFill>
+                <a:latin typeface="Courier"/>
+              </a:rPr>
+              <a:t>(…)           </a:t>
+            </a:r>
+            <a:r>
+              <a:rPr>
+                <a:solidFill>
+                  <a:srgbClr val="5E5E5E"/>
+                </a:solidFill>
+                <a:latin typeface="Courier"/>
+              </a:rPr>
+              <a:t># Étape finale</a:t>
+            </a:r>
+            <a:br/>
+            <a:r>
+              <a:rPr>
+                <a:solidFill>
+                  <a:srgbClr val="003B4F"/>
+                </a:solidFill>
+                <a:latin typeface="Courier"/>
+              </a:rPr>
+              <a:t>) </a:t>
+            </a:r>
+            <a:r>
+              <a:rPr>
+                <a:solidFill>
+                  <a:srgbClr val="5E5E5E"/>
+                </a:solidFill>
+                <a:latin typeface="Courier"/>
+              </a:rPr>
+              <a:t>|&gt;</a:t>
+            </a:r>
+            <a:r>
+              <a:rPr>
+                <a:solidFill>
+                  <a:srgbClr val="003B4F"/>
+                </a:solidFill>
+                <a:latin typeface="Courier"/>
+              </a:rPr>
+              <a:t> </a:t>
+            </a:r>
+            <a:r>
+              <a:rPr>
+                <a:solidFill>
+                  <a:srgbClr val="4758AB"/>
+                </a:solidFill>
+                <a:latin typeface="Courier"/>
+              </a:rPr>
+              <a:t>rixpress</a:t>
+            </a:r>
+            <a:r>
+              <a:rPr>
+                <a:solidFill>
+                  <a:srgbClr val="003B4F"/>
+                </a:solidFill>
+                <a:latin typeface="Courier"/>
+              </a:rPr>
+              <a:t>()</a:t>
             </a:r>
           </a:p>
           <a:p>
             <a:pPr lvl="0"/>
             <a:r>
               <a:rPr/>
-              <a:t>bruno@brodrigues.co</a:t>
+              <a:t>Chaque étape est nommée, typée (</a:t>
+            </a:r>
+            <a:r>
+              <a:rPr>
+                <a:latin typeface="Courier"/>
+              </a:rPr>
+              <a:t>py</a:t>
+            </a:r>
+            <a:r>
+              <a:rPr/>
+              <a:t>, </a:t>
+            </a:r>
+            <a:r>
+              <a:rPr>
+                <a:latin typeface="Courier"/>
+              </a:rPr>
+              <a:t>r</a:t>
+            </a:r>
+            <a:r>
+              <a:rPr/>
+              <a:t>, </a:t>
+            </a:r>
+            <a:r>
+              <a:rPr>
+                <a:latin typeface="Courier"/>
+              </a:rPr>
+              <a:t>r2py</a:t>
+            </a:r>
+            <a:r>
+              <a:rPr/>
+              <a:t>, etc.)</a:t>
             </a:r>
           </a:p>
           <a:p>
             <a:pPr lvl="0"/>
             <a:r>
               <a:rPr/>
-              <a:t>Twitter : @brodriguesco</a:t>
-            </a:r>
-          </a:p>
+              <a:t>Possibilité d’ajouter des fichiers (</a:t>
+            </a:r>
+            <a:r>
+              <a:rPr>
+                <a:latin typeface="Courier"/>
+              </a:rPr>
+              <a:t>functions.R</a:t>
+            </a:r>
+            <a:r>
+              <a:rPr/>
+              <a:t>, images…)</a:t>
+            </a:r>
+          </a:p>
+        </p:txBody>
+      </p:sp>
+    </p:spTree>
+  </p:cSld>
+</p:sld>
+</file>
+
+<file path=ppt/slides/slide18.xml><?xml version="1.0" encoding="utf-8"?>
+<p:sld xmlns:a="http://schemas.openxmlformats.org/drawingml/2006/main" xmlns:r="http://schemas.openxmlformats.org/officeDocument/2006/relationships" xmlns:p="http://schemas.openxmlformats.org/presentationml/2006/main">
+  <p:cSld>
+    <p:spTree>
+      <p:nvGrpSpPr>
+        <p:cNvPr id="1" name=""/>
+        <p:cNvGrpSpPr/>
+        <p:nvPr/>
+      </p:nvGrpSpPr>
+      <p:grpSpPr>
+        <a:xfrm>
+          <a:off x="0" y="0"/>
+          <a:ext cx="0" cy="0"/>
+          <a:chOff x="0" y="0"/>
+          <a:chExt cx="0" cy="0"/>
+        </a:xfrm>
+      </p:grpSpPr>
+      <p:sp>
+        <p:nvSpPr>
+          <p:cNvPr id="2" name="Title 1"/>
+          <p:cNvSpPr>
+            <a:spLocks noGrp="1"/>
+          </p:cNvSpPr>
+          <p:nvPr>
+            <p:ph type="title"/>
+          </p:nvPr>
+        </p:nvSpPr>
+        <p:spPr/>
+        <p:txBody>
+          <a:bodyPr/>
+          <a:lstStyle/>
+          <a:p>
+            <a:pPr lvl="0" indent="0" marL="0">
+              <a:buNone/>
+            </a:pPr>
+            <a:r>
+              <a:rPr/>
+              <a:t>Transfert avec JSON (ou autre format universel)</a:t>
+            </a:r>
+          </a:p>
+        </p:txBody>
+      </p:sp>
+      <p:sp>
+        <p:nvSpPr>
+          <p:cNvPr id="3" name="Content Placeholder 2"/>
+          <p:cNvSpPr>
+            <a:spLocks noGrp="1"/>
+          </p:cNvSpPr>
+          <p:nvPr>
+            <p:ph idx="1"/>
+          </p:nvPr>
+        </p:nvSpPr>
+        <p:spPr/>
+        <p:txBody>
+          <a:bodyPr/>
+          <a:lstStyle/>
           <a:p>
             <a:pPr lvl="0"/>
             <a:r>
               <a:rPr/>
-              <a:t>Mastodon : @brodriguesco@fosstodon.org</a:t>
+              <a:t>Avantage : évite d’utiliser </a:t>
+            </a:r>
+            <a:r>
+              <a:rPr>
+                <a:latin typeface="Courier"/>
+              </a:rPr>
+              <a:t>reticulate</a:t>
             </a:r>
           </a:p>
           <a:p>
             <a:pPr lvl="0"/>
             <a:r>
               <a:rPr/>
-              <a:t>Blog : www.brodrigues.co</a:t>
+              <a:t>Ajouter une fonction de sérialisation Python :</a:t>
+            </a:r>
+          </a:p>
+          <a:p>
+            <a:pPr lvl="0" indent="0">
+              <a:buNone/>
+            </a:pPr>
+            <a:r>
+              <a:rPr b="1">
+                <a:solidFill>
+                  <a:srgbClr val="003B4F"/>
+                </a:solidFill>
+                <a:latin typeface="Courier"/>
+              </a:rPr>
+              <a:t>def</a:t>
+            </a:r>
+            <a:r>
+              <a:rPr>
+                <a:solidFill>
+                  <a:srgbClr val="003B4F"/>
+                </a:solidFill>
+                <a:latin typeface="Courier"/>
+              </a:rPr>
+              <a:t> serialize_to_json(pl_df, path):</a:t>
+            </a:r>
+            <a:br/>
+            <a:r>
+              <a:rPr>
+                <a:solidFill>
+                  <a:srgbClr val="003B4F"/>
+                </a:solidFill>
+                <a:latin typeface="Courier"/>
+              </a:rPr>
+              <a:t>    </a:t>
+            </a:r>
+            <a:r>
+              <a:rPr b="1">
+                <a:solidFill>
+                  <a:srgbClr val="003B4F"/>
+                </a:solidFill>
+                <a:latin typeface="Courier"/>
+              </a:rPr>
+              <a:t>with</a:t>
+            </a:r>
+            <a:r>
+              <a:rPr>
+                <a:solidFill>
+                  <a:srgbClr val="003B4F"/>
+                </a:solidFill>
+                <a:latin typeface="Courier"/>
+              </a:rPr>
+              <a:t> open(path, </a:t>
+            </a:r>
+            <a:r>
+              <a:rPr>
+                <a:solidFill>
+                  <a:srgbClr val="20794D"/>
+                </a:solidFill>
+                <a:latin typeface="Courier"/>
+              </a:rPr>
+              <a:t>'w'</a:t>
+            </a:r>
+            <a:r>
+              <a:rPr>
+                <a:solidFill>
+                  <a:srgbClr val="003B4F"/>
+                </a:solidFill>
+                <a:latin typeface="Courier"/>
+              </a:rPr>
+              <a:t>) </a:t>
+            </a:r>
+            <a:r>
+              <a:rPr>
+                <a:solidFill>
+                  <a:srgbClr val="00769E"/>
+                </a:solidFill>
+                <a:latin typeface="Courier"/>
+              </a:rPr>
+              <a:t>as</a:t>
+            </a:r>
+            <a:r>
+              <a:rPr>
+                <a:solidFill>
+                  <a:srgbClr val="003B4F"/>
+                </a:solidFill>
+                <a:latin typeface="Courier"/>
+              </a:rPr>
+              <a:t> f:</a:t>
+            </a:r>
+            <a:br/>
+            <a:r>
+              <a:rPr>
+                <a:solidFill>
+                  <a:srgbClr val="003B4F"/>
+                </a:solidFill>
+                <a:latin typeface="Courier"/>
+              </a:rPr>
+              <a:t>        f.write(pl_df.write_json())</a:t>
             </a:r>
           </a:p>
           <a:p>
             <a:pPr lvl="0"/>
             <a:r>
               <a:rPr/>
-              <a:t>Livre : www.raps-with-r.dev</a:t>
-            </a:r>
-          </a:p>
+              <a:t>Et côté R :</a:t>
+            </a:r>
+          </a:p>
+          <a:p>
+            <a:pPr lvl="0" indent="0">
+              <a:buNone/>
+            </a:pPr>
+            <a:r>
+              <a:rPr>
+                <a:solidFill>
+                  <a:srgbClr val="4758AB"/>
+                </a:solidFill>
+                <a:latin typeface="Courier"/>
+              </a:rPr>
+              <a:t>rxp_r</a:t>
+            </a:r>
+            <a:r>
+              <a:rPr>
+                <a:solidFill>
+                  <a:srgbClr val="003B4F"/>
+                </a:solidFill>
+                <a:latin typeface="Courier"/>
+              </a:rPr>
+              <a:t>(</a:t>
+            </a:r>
+            <a:br/>
+            <a:r>
+              <a:rPr>
+                <a:solidFill>
+                  <a:srgbClr val="003B4F"/>
+                </a:solidFill>
+                <a:latin typeface="Courier"/>
+              </a:rPr>
+              <a:t>  </a:t>
+            </a:r>
+            <a:r>
+              <a:rPr>
+                <a:solidFill>
+                  <a:srgbClr val="657422"/>
+                </a:solidFill>
+                <a:latin typeface="Courier"/>
+              </a:rPr>
+              <a:t>name =</a:t>
+            </a:r>
+            <a:r>
+              <a:rPr>
+                <a:solidFill>
+                  <a:srgbClr val="003B4F"/>
+                </a:solidFill>
+                <a:latin typeface="Courier"/>
+              </a:rPr>
+              <a:t> </a:t>
+            </a:r>
+            <a:r>
+              <a:rPr>
+                <a:solidFill>
+                  <a:srgbClr val="20794D"/>
+                </a:solidFill>
+                <a:latin typeface="Courier"/>
+              </a:rPr>
+              <a:t>"x"</a:t>
+            </a:r>
+            <a:r>
+              <a:rPr>
+                <a:solidFill>
+                  <a:srgbClr val="003B4F"/>
+                </a:solidFill>
+                <a:latin typeface="Courier"/>
+              </a:rPr>
+              <a:t>,</a:t>
+            </a:r>
+            <a:br/>
+            <a:r>
+              <a:rPr>
+                <a:solidFill>
+                  <a:srgbClr val="003B4F"/>
+                </a:solidFill>
+                <a:latin typeface="Courier"/>
+              </a:rPr>
+              <a:t>  </a:t>
+            </a:r>
+            <a:r>
+              <a:rPr>
+                <a:solidFill>
+                  <a:srgbClr val="657422"/>
+                </a:solidFill>
+                <a:latin typeface="Courier"/>
+              </a:rPr>
+              <a:t>expr =</a:t>
+            </a:r>
+            <a:r>
+              <a:rPr>
+                <a:solidFill>
+                  <a:srgbClr val="003B4F"/>
+                </a:solidFill>
+                <a:latin typeface="Courier"/>
+              </a:rPr>
+              <a:t> </a:t>
+            </a:r>
+            <a:r>
+              <a:rPr>
+                <a:solidFill>
+                  <a:srgbClr val="4758AB"/>
+                </a:solidFill>
+                <a:latin typeface="Courier"/>
+              </a:rPr>
+              <a:t>my_fun</a:t>
+            </a:r>
+            <a:r>
+              <a:rPr>
+                <a:solidFill>
+                  <a:srgbClr val="003B4F"/>
+                </a:solidFill>
+                <a:latin typeface="Courier"/>
+              </a:rPr>
+              <a:t>(data),</a:t>
+            </a:r>
+            <a:br/>
+            <a:r>
+              <a:rPr>
+                <a:solidFill>
+                  <a:srgbClr val="003B4F"/>
+                </a:solidFill>
+                <a:latin typeface="Courier"/>
+              </a:rPr>
+              <a:t>  </a:t>
+            </a:r>
+            <a:r>
+              <a:rPr>
+                <a:solidFill>
+                  <a:srgbClr val="657422"/>
+                </a:solidFill>
+                <a:latin typeface="Courier"/>
+              </a:rPr>
+              <a:t>unserialize_function =</a:t>
+            </a:r>
+            <a:r>
+              <a:rPr>
+                <a:solidFill>
+                  <a:srgbClr val="003B4F"/>
+                </a:solidFill>
+                <a:latin typeface="Courier"/>
+              </a:rPr>
+              <a:t> </a:t>
+            </a:r>
+            <a:r>
+              <a:rPr>
+                <a:solidFill>
+                  <a:srgbClr val="20794D"/>
+                </a:solidFill>
+                <a:latin typeface="Courier"/>
+              </a:rPr>
+              <a:t>"jsonlite::fromJSON"</a:t>
+            </a:r>
+            <a:br/>
+            <a:r>
+              <a:rPr>
+                <a:solidFill>
+                  <a:srgbClr val="003B4F"/>
+                </a:solidFill>
+                <a:latin typeface="Courier"/>
+              </a:rPr>
+              <a:t>)</a:t>
+            </a:r>
+          </a:p>
+        </p:txBody>
+      </p:sp>
+    </p:spTree>
+  </p:cSld>
+</p:sld>
+</file>
+
+<file path=ppt/slides/slide19.xml><?xml version="1.0" encoding="utf-8"?>
+<p:sld xmlns:a="http://schemas.openxmlformats.org/drawingml/2006/main" xmlns:r="http://schemas.openxmlformats.org/officeDocument/2006/relationships" xmlns:p="http://schemas.openxmlformats.org/presentationml/2006/main">
+  <p:cSld>
+    <p:spTree>
+      <p:nvGrpSpPr>
+        <p:cNvPr id="1" name=""/>
+        <p:cNvGrpSpPr/>
+        <p:nvPr/>
+      </p:nvGrpSpPr>
+      <p:grpSpPr>
+        <a:xfrm>
+          <a:off x="0" y="0"/>
+          <a:ext cx="0" cy="0"/>
+          <a:chOff x="0" y="0"/>
+          <a:chExt cx="0" cy="0"/>
+        </a:xfrm>
+      </p:grpSpPr>
+      <p:sp>
+        <p:nvSpPr>
+          <p:cNvPr id="2" name="Title 1"/>
+          <p:cNvSpPr>
+            <a:spLocks noGrp="1"/>
+          </p:cNvSpPr>
+          <p:nvPr>
+            <p:ph type="title"/>
+          </p:nvPr>
+        </p:nvSpPr>
+        <p:spPr/>
+        <p:txBody>
+          <a:bodyPr/>
+          <a:lstStyle/>
+          <a:p>
+            <a:pPr lvl="0" indent="0" marL="0">
+              <a:buNone/>
+            </a:pPr>
+            <a:r>
+              <a:rPr/>
+              <a:t>Génération de documents (Quarto ou Rmd)</a:t>
+            </a:r>
+          </a:p>
+        </p:txBody>
+      </p:sp>
+      <p:sp>
+        <p:nvSpPr>
+          <p:cNvPr id="3" name="Content Placeholder 2"/>
+          <p:cNvSpPr>
+            <a:spLocks noGrp="1"/>
+          </p:cNvSpPr>
+          <p:nvPr>
+            <p:ph idx="1"/>
+          </p:nvPr>
+        </p:nvSpPr>
+        <p:spPr/>
+        <p:txBody>
+          <a:bodyPr/>
+          <a:lstStyle/>
           <a:p>
             <a:pPr lvl="0"/>
             <a:r>
               <a:rPr/>
-              <a:t>rix : https://docs.ropensci.org/rix</a:t>
-            </a:r>
-          </a:p>
-          <a:p>
-            <a:pPr lvl="0" indent="0" marL="0">
+              <a:t>Intégration facile de la sortie du pipeline dans un </a:t>
+            </a:r>
+            <a:r>
+              <a:rPr>
+                <a:latin typeface="Courier"/>
+              </a:rPr>
+              <a:t>.qmd</a:t>
+            </a:r>
+            <a:r>
+              <a:rPr/>
+              <a:t> :</a:t>
+            </a:r>
+          </a:p>
+          <a:p>
+            <a:pPr lvl="0" indent="0">
               <a:buNone/>
             </a:pPr>
             <a:r>
-              <a:rPr/>
-              <a:t>. . .</a:t>
-            </a:r>
-          </a:p>
-          <a:p>
-            <a:pPr lvl="0" indent="0" marL="0">
-              <a:buNone/>
-            </a:pPr>
-            <a:r>
-              <a:rPr/>
-              <a:t>Merci !</a:t>
+              <a:rPr>
+                <a:latin typeface="Courier"/>
+              </a:rPr>
+              <a:t>```r
+rixpress::rxp_read("mtcars_head")
+```</a:t>
+            </a:r>
+          </a:p>
+          <a:p>
+            <a:pPr lvl="0"/>
+            <a:r>
+              <a:rPr/>
+              <a:t>Tous les objets créés peuvent être chargés dynamiquement dans le document</a:t>
+            </a:r>
+          </a:p>
+          <a:p>
+            <a:pPr lvl="0"/>
+            <a:r>
+              <a:rPr/>
+              <a:t>Possibilité de transmettre des fichiers supplémentaires (</a:t>
+            </a:r>
+            <a:r>
+              <a:rPr>
+                <a:latin typeface="Courier"/>
+              </a:rPr>
+              <a:t>content.qmd</a:t>
+            </a:r>
+            <a:r>
+              <a:rPr/>
+              <a:t>, images…)</a:t>
             </a:r>
           </a:p>
         </p:txBody>
@@ -4412,6 +5381,228 @@
             <a:r>
               <a:rPr/>
               <a:t>Bruno Rodrigues, responsable du département de statistique au Ministère de la Recherche et de l’Enseignement supérieur au Luxembourg</a:t>
+            </a:r>
+          </a:p>
+        </p:txBody>
+      </p:sp>
+    </p:spTree>
+  </p:cSld>
+</p:sld>
+</file>
+
+<file path=ppt/slides/slide20.xml><?xml version="1.0" encoding="utf-8"?>
+<p:sld xmlns:a="http://schemas.openxmlformats.org/drawingml/2006/main" xmlns:r="http://schemas.openxmlformats.org/officeDocument/2006/relationships" xmlns:p="http://schemas.openxmlformats.org/presentationml/2006/main">
+  <p:cSld>
+    <p:spTree>
+      <p:nvGrpSpPr>
+        <p:cNvPr id="1" name=""/>
+        <p:cNvGrpSpPr/>
+        <p:nvPr/>
+      </p:nvGrpSpPr>
+      <p:grpSpPr>
+        <a:xfrm>
+          <a:off x="0" y="0"/>
+          <a:ext cx="0" cy="0"/>
+          <a:chOff x="0" y="0"/>
+          <a:chExt cx="0" cy="0"/>
+        </a:xfrm>
+      </p:grpSpPr>
+      <p:sp>
+        <p:nvSpPr>
+          <p:cNvPr id="2" name="Title 1"/>
+          <p:cNvSpPr>
+            <a:spLocks noGrp="1"/>
+          </p:cNvSpPr>
+          <p:nvPr>
+            <p:ph type="title"/>
+          </p:nvPr>
+        </p:nvSpPr>
+        <p:spPr/>
+        <p:txBody>
+          <a:bodyPr/>
+          <a:lstStyle/>
+          <a:p>
+            <a:pPr lvl="0" indent="0" marL="0">
+              <a:buNone/>
+            </a:pPr>
+            <a:r>
+              <a:rPr/>
+              <a:t>Pour en savoir plus:</a:t>
+            </a:r>
+          </a:p>
+        </p:txBody>
+      </p:sp>
+      <p:sp>
+        <p:nvSpPr>
+          <p:cNvPr id="3" name="Content Placeholder 2"/>
+          <p:cNvSpPr>
+            <a:spLocks noGrp="1"/>
+          </p:cNvSpPr>
+          <p:nvPr>
+            <p:ph idx="1"/>
+          </p:nvPr>
+        </p:nvSpPr>
+        <p:spPr/>
+        <p:txBody>
+          <a:bodyPr/>
+          <a:lstStyle/>
+          <a:p>
+            <a:pPr lvl="0"/>
+            <a:r>
+              <a:rPr>
+                <a:hlinkClick r:id="rId2"/>
+              </a:rPr>
+              <a:t>Repository GitHub</a:t>
+            </a:r>
+          </a:p>
+          <a:p>
+            <a:pPr lvl="0"/>
+            <a:r>
+              <a:rPr>
+                <a:hlinkClick r:id="rId3"/>
+              </a:rPr>
+              <a:t>Site web</a:t>
+            </a:r>
+          </a:p>
+          <a:p>
+            <a:pPr lvl="0"/>
+            <a:r>
+              <a:rPr>
+                <a:hlinkClick r:id="rId4"/>
+              </a:rPr>
+              <a:t>Repository d’exemples</a:t>
+            </a:r>
+          </a:p>
+        </p:txBody>
+      </p:sp>
+    </p:spTree>
+  </p:cSld>
+</p:sld>
+</file>
+
+<file path=ppt/slides/slide21.xml><?xml version="1.0" encoding="utf-8"?>
+<p:sld xmlns:a="http://schemas.openxmlformats.org/drawingml/2006/main" xmlns:r="http://schemas.openxmlformats.org/officeDocument/2006/relationships" xmlns:p="http://schemas.openxmlformats.org/presentationml/2006/main">
+  <p:cSld>
+    <p:spTree>
+      <p:nvGrpSpPr>
+        <p:cNvPr id="1" name=""/>
+        <p:cNvGrpSpPr/>
+        <p:nvPr/>
+      </p:nvGrpSpPr>
+      <p:grpSpPr>
+        <a:xfrm>
+          <a:off x="0" y="0"/>
+          <a:ext cx="0" cy="0"/>
+          <a:chOff x="0" y="0"/>
+          <a:chExt cx="0" cy="0"/>
+        </a:xfrm>
+      </p:grpSpPr>
+      <p:sp>
+        <p:nvSpPr>
+          <p:cNvPr id="2" name="Title 1"/>
+          <p:cNvSpPr>
+            <a:spLocks noGrp="1"/>
+          </p:cNvSpPr>
+          <p:nvPr>
+            <p:ph type="title"/>
+          </p:nvPr>
+        </p:nvSpPr>
+        <p:spPr/>
+        <p:txBody>
+          <a:bodyPr/>
+          <a:lstStyle/>
+          <a:p>
+            <a:pPr lvl="0" indent="0" marL="0">
+              <a:buNone/>
+            </a:pPr>
+            <a:r>
+              <a:rPr/>
+              <a:t>Fin</a:t>
+            </a:r>
+          </a:p>
+        </p:txBody>
+      </p:sp>
+      <p:sp>
+        <p:nvSpPr>
+          <p:cNvPr id="3" name="Content Placeholder 2"/>
+          <p:cNvSpPr>
+            <a:spLocks noGrp="1"/>
+          </p:cNvSpPr>
+          <p:nvPr>
+            <p:ph idx="1"/>
+          </p:nvPr>
+        </p:nvSpPr>
+        <p:spPr/>
+        <p:txBody>
+          <a:bodyPr/>
+          <a:lstStyle/>
+          <a:p>
+            <a:pPr lvl="0" indent="0" marL="0">
+              <a:buNone/>
+            </a:pPr>
+            <a:r>
+              <a:rPr/>
+              <a:t>Contactez-moi si vous avez des questions :</a:t>
+            </a:r>
+          </a:p>
+          <a:p>
+            <a:pPr lvl="0"/>
+            <a:r>
+              <a:rPr/>
+              <a:t>bruno@brodrigues.co</a:t>
+            </a:r>
+          </a:p>
+          <a:p>
+            <a:pPr lvl="0"/>
+            <a:r>
+              <a:rPr/>
+              <a:t>Twitter : @brodriguesco</a:t>
+            </a:r>
+          </a:p>
+          <a:p>
+            <a:pPr lvl="0"/>
+            <a:r>
+              <a:rPr/>
+              <a:t>Mastodon : @brodriguesco@fosstodon.org</a:t>
+            </a:r>
+          </a:p>
+          <a:p>
+            <a:pPr lvl="0"/>
+            <a:r>
+              <a:rPr/>
+              <a:t>Blog : www.brodrigues.co</a:t>
+            </a:r>
+          </a:p>
+          <a:p>
+            <a:pPr lvl="0"/>
+            <a:r>
+              <a:rPr/>
+              <a:t>Livre : www.raps-with-r.dev</a:t>
+            </a:r>
+          </a:p>
+          <a:p>
+            <a:pPr lvl="0"/>
+            <a:r>
+              <a:rPr/>
+              <a:t>rix : https://docs.ropensci.org/rix</a:t>
+            </a:r>
+          </a:p>
+          <a:p>
+            <a:pPr lvl="0" indent="0" marL="0">
+              <a:buNone/>
+            </a:pPr>
+            <a:r>
+              <a:rPr/>
+              <a:t>. . .</a:t>
+            </a:r>
+          </a:p>
+          <a:p>
+            <a:pPr lvl="0" indent="0" marL="0">
+              <a:buNone/>
+            </a:pPr>
+            <a:r>
+              <a:rPr/>
+              <a:t>Merci !</a:t>
             </a:r>
           </a:p>
         </p:txBody>
@@ -4785,7 +5976,6 @@
               <a:rPr/>
               <a:t>Ne sauvegarde pas la version de R</a:t>
             </a:r>
-            <a:br/>
           </a:p>
           <a:p>
             <a:pPr lvl="1"/>
@@ -4815,7 +6005,6 @@
               <a:rPr/>
               <a:t> les dépendances système</a:t>
             </a:r>
-            <a:br/>
           </a:p>
           <a:p>
             <a:pPr lvl="1"/>
@@ -4823,7 +6012,6 @@
               <a:rPr/>
               <a:t>Utilise des images immuables et partageables</a:t>
             </a:r>
-            <a:br/>
           </a:p>
           <a:p>
             <a:pPr lvl="1"/>
@@ -4908,7 +6096,6 @@
               <a:rPr/>
               <a:t>Courbe d’apprentissage (connaissances Linux recommandées)</a:t>
             </a:r>
-            <a:br/>
           </a:p>
           <a:p>
             <a:pPr lvl="1"/>
@@ -4916,7 +6103,6 @@
               <a:rPr/>
               <a:t>N’est pas conçu à l’origine pour la reproductibilité</a:t>
             </a:r>
-            <a:br/>
           </a:p>
           <a:p>
             <a:pPr lvl="1"/>

--- a/docs/index.pptx
+++ b/docs/index.pptx
@@ -3754,6 +3754,15 @@
             </a:r>
           </a:p>
           <a:p>
+            <a:pPr lvl="0" indent="0" marL="0">
+              <a:buNone/>
+            </a:pPr>
+            <a:r>
+              <a:rPr/>
+              <a:t>. . .</a:t>
+            </a:r>
+          </a:p>
+          <a:p>
             <a:pPr lvl="0" indent="0">
               <a:buNone/>
             </a:pPr>
@@ -3843,28 +3852,35 @@
             <a:pPr lvl="0"/>
             <a:r>
               <a:rPr/>
-              <a:t>En option : packages système, packages depuis Github, ou packages LaTeX</a:t>
-            </a:r>
-          </a:p>
-          <a:p>
-            <a:pPr lvl="0"/>
-            <a:r>
-              <a:rPr/>
-              <a:t>En option : un IDE (Rstudio, Radian, VS Code ou “autre”)</a:t>
-            </a:r>
-          </a:p>
-          <a:p>
-            <a:pPr lvl="0"/>
-            <a:r>
-              <a:rPr/>
-              <a:t>En option: une version de Python et paquets Python à inclure</a:t>
-            </a:r>
-          </a:p>
-          <a:p>
-            <a:pPr lvl="0"/>
-            <a:r>
-              <a:rPr/>
-              <a:t>En dev: une version de Julia et paquets Julia à inclure</a:t>
+              <a:t>En option :</a:t>
+            </a:r>
+          </a:p>
+          <a:p>
+            <a:pPr lvl="1"/>
+            <a:r>
+              <a:rPr/>
+              <a:t>packages système, packages depuis Github, ou packages LaTeX</a:t>
+            </a:r>
+          </a:p>
+          <a:p>
+            <a:pPr lvl="1"/>
+            <a:r>
+              <a:rPr/>
+              <a:t>un IDE (Rstudio, Radian, VS Code ou “autre”)</a:t>
+            </a:r>
+          </a:p>
+          <a:p>
+            <a:pPr lvl="1"/>
+            <a:r>
+              <a:rPr/>
+              <a:t>une version de Python et paquets Python à inclure</a:t>
+            </a:r>
+          </a:p>
+          <a:p>
+            <a:pPr lvl="1"/>
+            <a:r>
+              <a:rPr/>
+              <a:t>une version de Julia et paquets Julia à inclure</a:t>
             </a:r>
           </a:p>
           <a:p>
@@ -4094,7 +4110,7 @@
             <a:pPr lvl="0"/>
             <a:r>
               <a:rPr/>
-              <a:t>De nombreux exemples pour démarrer ! </a:t>
+              <a:t>De nombreuses vignettes pour démarrer ! </a:t>
             </a:r>
             <a:r>
               <a:rPr>
@@ -4929,6 +4945,15 @@
             </a:r>
           </a:p>
           <a:p>
+            <a:pPr lvl="0" indent="0" marL="0">
+              <a:buNone/>
+            </a:pPr>
+            <a:r>
+              <a:rPr/>
+              <a:t>. . .</a:t>
+            </a:r>
+          </a:p>
+          <a:p>
             <a:pPr lvl="0" indent="0">
               <a:buNone/>
             </a:pPr>
@@ -5030,6 +5055,15 @@
             <a:r>
               <a:rPr/>
               <a:t>Et côté R :</a:t>
+            </a:r>
+          </a:p>
+          <a:p>
+            <a:pPr lvl="0" indent="0" marL="0">
+              <a:buNone/>
+            </a:pPr>
+            <a:r>
+              <a:rPr/>
+              <a:t>. . .</a:t>
             </a:r>
           </a:p>
           <a:p>
@@ -5275,6 +5309,15 @@
             </a:r>
           </a:p>
           <a:p>
+            <a:pPr lvl="0" indent="0" marL="0">
+              <a:buNone/>
+            </a:pPr>
+            <a:r>
+              <a:rPr/>
+              <a:t>. . .</a:t>
+            </a:r>
+          </a:p>
+          <a:p>
             <a:pPr lvl="0" indent="0">
               <a:buNone/>
             </a:pPr>
@@ -5285,6 +5328,15 @@
               <a:t>```r
 rixpress::rxp_read("mtcars_head")
 ```</a:t>
+            </a:r>
+          </a:p>
+          <a:p>
+            <a:pPr lvl="0" indent="0" marL="0">
+              <a:buNone/>
+            </a:pPr>
+            <a:r>
+              <a:rPr/>
+              <a:t>. . .</a:t>
             </a:r>
           </a:p>
           <a:p>

--- a/docs/index.pptx
+++ b/docs/index.pptx
@@ -5608,35 +5608,78 @@
             <a:pPr lvl="0"/>
             <a:r>
               <a:rPr/>
-              <a:t>Twitter : @brodriguesco</a:t>
+              <a:t>Twitter : </a:t>
+            </a:r>
+            <a:r>
+              <a:rPr>
+                <a:hlinkClick r:id="rId2"/>
+              </a:rPr>
+              <a:t>@brodriguesco</a:t>
             </a:r>
           </a:p>
           <a:p>
             <a:pPr lvl="0"/>
             <a:r>
               <a:rPr/>
-              <a:t>Mastodon : @brodriguesco@fosstodon.org</a:t>
+              <a:t>Mastodon : </a:t>
+            </a:r>
+            <a:r>
+              <a:rPr>
+                <a:hlinkClick r:id="rId3"/>
+              </a:rPr>
+              <a:t>@brodriguesco@fosstodon.org</a:t>
             </a:r>
           </a:p>
           <a:p>
             <a:pPr lvl="0"/>
             <a:r>
               <a:rPr/>
-              <a:t>Blog : www.brodrigues.co</a:t>
+              <a:t>Blog : </a:t>
+            </a:r>
+            <a:r>
+              <a:rPr>
+                <a:hlinkClick r:id="rId4"/>
+              </a:rPr>
+              <a:t>www.brodrigues.co</a:t>
             </a:r>
           </a:p>
           <a:p>
             <a:pPr lvl="0"/>
             <a:r>
               <a:rPr/>
-              <a:t>Livre : www.raps-with-r.dev</a:t>
+              <a:t>Livre : </a:t>
+            </a:r>
+            <a:r>
+              <a:rPr>
+                <a:hlinkClick r:id="rId5"/>
+              </a:rPr>
+              <a:t>www.raps-with-r.dev</a:t>
             </a:r>
           </a:p>
           <a:p>
             <a:pPr lvl="0"/>
             <a:r>
               <a:rPr/>
-              <a:t>rix : https://docs.ropensci.org/rix</a:t>
+              <a:t>rix : </a:t>
+            </a:r>
+            <a:r>
+              <a:rPr>
+                <a:hlinkClick r:id="rId6"/>
+              </a:rPr>
+              <a:t>https://docs.ropensci.org/rix</a:t>
+            </a:r>
+          </a:p>
+          <a:p>
+            <a:pPr lvl="0"/>
+            <a:r>
+              <a:rPr/>
+              <a:t>rixpress : </a:t>
+            </a:r>
+            <a:r>
+              <a:rPr>
+                <a:hlinkClick r:id="rId7"/>
+              </a:rPr>
+              <a:t>https://b-rodrigues.github.io/rixpress/</a:t>
             </a:r>
           </a:p>
           <a:p>

--- a/docs/index.pptx
+++ b/docs/index.pptx
@@ -3768,14 +3768,198 @@
             </a:pPr>
             <a:r>
               <a:rPr>
-                <a:latin typeface="Courier"/>
-              </a:rPr>
-              <a:t>library(rix)
-renv2nix(
-  renv_lock_path = "path/to/original/renv_project/renv.lock",
-  project_path = "path/to/rix_project",
-  override_r_ver = "4.4.1" # &lt;- optionnel
-)</a:t>
+                <a:solidFill>
+                  <a:srgbClr val="4758AB"/>
+                </a:solidFill>
+                <a:latin typeface="Courier"/>
+              </a:rPr>
+              <a:t>library</a:t>
+            </a:r>
+            <a:r>
+              <a:rPr>
+                <a:solidFill>
+                  <a:srgbClr val="003B4F"/>
+                </a:solidFill>
+                <a:latin typeface="Courier"/>
+              </a:rPr>
+              <a:t>(rix)</a:t>
+            </a:r>
+            <a:br/>
+            <a:br/>
+            <a:r>
+              <a:rPr>
+                <a:solidFill>
+                  <a:srgbClr val="4758AB"/>
+                </a:solidFill>
+                <a:latin typeface="Courier"/>
+              </a:rPr>
+              <a:t>renv2nix</a:t>
+            </a:r>
+            <a:r>
+              <a:rPr>
+                <a:solidFill>
+                  <a:srgbClr val="003B4F"/>
+                </a:solidFill>
+                <a:latin typeface="Courier"/>
+              </a:rPr>
+              <a:t>(</a:t>
+            </a:r>
+            <a:br/>
+            <a:r>
+              <a:rPr>
+                <a:solidFill>
+                  <a:srgbClr val="003B4F"/>
+                </a:solidFill>
+                <a:latin typeface="Courier"/>
+              </a:rPr>
+              <a:t>  </a:t>
+            </a:r>
+            <a:r>
+              <a:rPr>
+                <a:solidFill>
+                  <a:srgbClr val="657422"/>
+                </a:solidFill>
+                <a:latin typeface="Courier"/>
+              </a:rPr>
+              <a:t>renv_lock_path =</a:t>
+            </a:r>
+            <a:r>
+              <a:rPr>
+                <a:solidFill>
+                  <a:srgbClr val="003B4F"/>
+                </a:solidFill>
+                <a:latin typeface="Courier"/>
+              </a:rPr>
+              <a:t> </a:t>
+            </a:r>
+            <a:r>
+              <a:rPr>
+                <a:solidFill>
+                  <a:srgbClr val="20794D"/>
+                </a:solidFill>
+                <a:latin typeface="Courier"/>
+              </a:rPr>
+              <a:t>"path/to/original/renv_project/renv.lock"</a:t>
+            </a:r>
+            <a:r>
+              <a:rPr>
+                <a:solidFill>
+                  <a:srgbClr val="003B4F"/>
+                </a:solidFill>
+                <a:latin typeface="Courier"/>
+              </a:rPr>
+              <a:t>,</a:t>
+            </a:r>
+            <a:br/>
+            <a:r>
+              <a:rPr>
+                <a:solidFill>
+                  <a:srgbClr val="003B4F"/>
+                </a:solidFill>
+                <a:latin typeface="Courier"/>
+              </a:rPr>
+              <a:t>  </a:t>
+            </a:r>
+            <a:r>
+              <a:rPr>
+                <a:solidFill>
+                  <a:srgbClr val="657422"/>
+                </a:solidFill>
+                <a:latin typeface="Courier"/>
+              </a:rPr>
+              <a:t>project_path =</a:t>
+            </a:r>
+            <a:r>
+              <a:rPr>
+                <a:solidFill>
+                  <a:srgbClr val="003B4F"/>
+                </a:solidFill>
+                <a:latin typeface="Courier"/>
+              </a:rPr>
+              <a:t> </a:t>
+            </a:r>
+            <a:r>
+              <a:rPr>
+                <a:solidFill>
+                  <a:srgbClr val="20794D"/>
+                </a:solidFill>
+                <a:latin typeface="Courier"/>
+              </a:rPr>
+              <a:t>"path/to/rix_project"</a:t>
+            </a:r>
+            <a:r>
+              <a:rPr>
+                <a:solidFill>
+                  <a:srgbClr val="003B4F"/>
+                </a:solidFill>
+                <a:latin typeface="Courier"/>
+              </a:rPr>
+              <a:t>,</a:t>
+            </a:r>
+            <a:br/>
+            <a:r>
+              <a:rPr>
+                <a:solidFill>
+                  <a:srgbClr val="003B4F"/>
+                </a:solidFill>
+                <a:latin typeface="Courier"/>
+              </a:rPr>
+              <a:t>  </a:t>
+            </a:r>
+            <a:r>
+              <a:rPr>
+                <a:solidFill>
+                  <a:srgbClr val="657422"/>
+                </a:solidFill>
+                <a:latin typeface="Courier"/>
+              </a:rPr>
+              <a:t>override_r_ver =</a:t>
+            </a:r>
+            <a:r>
+              <a:rPr>
+                <a:solidFill>
+                  <a:srgbClr val="003B4F"/>
+                </a:solidFill>
+                <a:latin typeface="Courier"/>
+              </a:rPr>
+              <a:t> </a:t>
+            </a:r>
+            <a:r>
+              <a:rPr>
+                <a:solidFill>
+                  <a:srgbClr val="20794D"/>
+                </a:solidFill>
+                <a:latin typeface="Courier"/>
+              </a:rPr>
+              <a:t>"4.4.1"</a:t>
+            </a:r>
+            <a:r>
+              <a:rPr>
+                <a:solidFill>
+                  <a:srgbClr val="003B4F"/>
+                </a:solidFill>
+                <a:latin typeface="Courier"/>
+              </a:rPr>
+              <a:t> </a:t>
+            </a:r>
+            <a:r>
+              <a:rPr>
+                <a:solidFill>
+                  <a:srgbClr val="5E5E5E"/>
+                </a:solidFill>
+                <a:latin typeface="Courier"/>
+              </a:rPr>
+              <a:t># &lt;- optionnel</a:t>
+            </a:r>
+            <a:br/>
+            <a:r>
+              <a:rPr>
+                <a:solidFill>
+                  <a:srgbClr val="003B4F"/>
+                </a:solidFill>
+                <a:latin typeface="Courier"/>
+              </a:rPr>
+              <a:t>)</a:t>
             </a:r>
           </a:p>
         </p:txBody>
@@ -3859,7 +4043,7 @@
             <a:pPr lvl="1"/>
             <a:r>
               <a:rPr/>
-              <a:t>packages système, packages depuis Github, ou packages LaTeX</a:t>
+              <a:t>packages système, packages depuis GitHub, ou packages LaTeX</a:t>
             </a:r>
           </a:p>
           <a:p>
@@ -3881,13 +4065,6 @@
             <a:r>
               <a:rPr/>
               <a:t>une version de Julia et paquets Julia à inclure</a:t>
-            </a:r>
-          </a:p>
-          <a:p>
-            <a:pPr lvl="0"/>
-            <a:r>
-              <a:rPr/>
-              <a:t>Travailler de manière interactive dans un environnement isolé, spécifique au projet et reproductible !</a:t>
             </a:r>
           </a:p>
         </p:txBody>

--- a/docs/index.pptx
+++ b/docs/index.pptx
@@ -6023,8 +6023,13 @@
             </a:pPr>
             <a:r>
               <a:rPr/>
-              <a:t>Diapositives disponibles en ligne : </a:t>
-            </a:r>
+              <a:t>Diapositives disponibles en ligne :</a:t>
+            </a:r>
+          </a:p>
+          <a:p>
+            <a:pPr lvl="0" indent="0" marL="0">
+              <a:buNone/>
+            </a:pPr>
             <a:r>
               <a:rPr>
                 <a:hlinkClick r:id="rId2"/>
@@ -6038,8 +6043,13 @@
             </a:pPr>
             <a:r>
               <a:rPr/>
-              <a:t>Code disponible ici : </a:t>
-            </a:r>
+              <a:t>Code disponible ici :</a:t>
+            </a:r>
+          </a:p>
+          <a:p>
+            <a:pPr lvl="0" indent="0" marL="0">
+              <a:buNone/>
+            </a:pPr>
             <a:r>
               <a:rPr>
                 <a:hlinkClick r:id="rId3"/>

--- a/docs/index.pptx
+++ b/docs/index.pptx
@@ -3214,7 +3214,7 @@
             </a:pPr>
             <a:r>
               <a:rPr/>
-              <a:t>rix : environnements de développement reproductibles avec Nix (1/5)</a:t>
+              <a:t>rix : environnements de développement reproductibles avec Nix (2/5)</a:t>
             </a:r>
           </a:p>
         </p:txBody>
@@ -3236,41 +3236,18 @@
           <a:p>
             <a:pPr lvl="0"/>
             <a:r>
-              <a:rPr>
-                <a:latin typeface="Courier"/>
-              </a:rPr>
-              <a:t>{rix}</a:t>
-            </a:r>
-            <a:r>
-              <a:rPr/>
-              <a:t> (</a:t>
-            </a:r>
-            <a:r>
-              <a:rPr>
-                <a:hlinkClick r:id="rId2"/>
-              </a:rPr>
-              <a:t>site web</a:t>
-            </a:r>
-            <a:r>
-              <a:rPr/>
-              <a:t>) simplifie l’écriture d’expressions Nix !</a:t>
-            </a:r>
-          </a:p>
-          <a:p>
-            <a:pPr lvl="0"/>
-            <a:r>
-              <a:rPr/>
-              <a:t>Il suffit d’utiliser la fonction </a:t>
-            </a:r>
-            <a:r>
-              <a:rPr>
-                <a:latin typeface="Courier"/>
-              </a:rPr>
-              <a:t>rix()</a:t>
-            </a:r>
-            <a:r>
-              <a:rPr/>
-              <a:t> fournie :</a:t>
+              <a:rPr/>
+              <a:t>Les fichiers </a:t>
+            </a:r>
+            <a:r>
+              <a:rPr>
+                <a:latin typeface="Courier"/>
+              </a:rPr>
+              <a:t>renv.lock</a:t>
+            </a:r>
+            <a:r>
+              <a:rPr/>
+              <a:t> peuvent aussi servir de point de départ :</a:t>
             </a:r>
           </a:p>
           <a:p>
@@ -3313,7 +3290,7 @@
                 </a:solidFill>
                 <a:latin typeface="Courier"/>
               </a:rPr>
-              <a:t>rix</a:t>
+              <a:t>renv2nix</a:t>
             </a:r>
             <a:r>
               <a:rPr>
@@ -3324,6 +3301,16 @@
               </a:rPr>
               <a:t>(</a:t>
             </a:r>
+            <a:br/>
+            <a:r>
+              <a:rPr>
+                <a:solidFill>
+                  <a:srgbClr val="003B4F"/>
+                </a:solidFill>
+                <a:latin typeface="Courier"/>
+              </a:rPr>
+              <a:t>  </a:t>
+            </a:r>
             <a:r>
               <a:rPr>
                 <a:solidFill>
@@ -3331,7 +3318,7 @@
                 </a:solidFill>
                 <a:latin typeface="Courier"/>
               </a:rPr>
-              <a:t>date =</a:t>
+              <a:t>renv_lock_path =</a:t>
             </a:r>
             <a:r>
               <a:rPr>
@@ -3349,7 +3336,7 @@
                 </a:solidFill>
                 <a:latin typeface="Courier"/>
               </a:rPr>
-              <a:t>"2025-06-02"</a:t>
+              <a:t>"path/to/original/renv_project/renv.lock"</a:t>
             </a:r>
             <a:r>
               <a:rPr>
@@ -3368,7 +3355,7 @@
                 </a:solidFill>
                 <a:latin typeface="Courier"/>
               </a:rPr>
-              <a:t>    </a:t>
+              <a:t>  </a:t>
             </a:r>
             <a:r>
               <a:rPr>
@@ -3377,7 +3364,7 @@
                 </a:solidFill>
                 <a:latin typeface="Courier"/>
               </a:rPr>
-              <a:t>r_pkgs =</a:t>
+              <a:t>project_path =</a:t>
             </a:r>
             <a:r>
               <a:rPr>
@@ -3391,38 +3378,48 @@
             <a:r>
               <a:rPr>
                 <a:solidFill>
-                  <a:srgbClr val="4758AB"/>
-                </a:solidFill>
-                <a:latin typeface="Courier"/>
-              </a:rPr>
-              <a:t>c</a:t>
-            </a:r>
-            <a:r>
-              <a:rPr>
-                <a:solidFill>
-                  <a:srgbClr val="003B4F"/>
-                </a:solidFill>
-                <a:latin typeface="Courier"/>
-              </a:rPr>
-              <a:t>(</a:t>
-            </a:r>
-            <a:r>
-              <a:rPr>
-                <a:solidFill>
                   <a:srgbClr val="20794D"/>
                 </a:solidFill>
                 <a:latin typeface="Courier"/>
               </a:rPr>
-              <a:t>"dplyr"</a:t>
-            </a:r>
-            <a:r>
-              <a:rPr>
-                <a:solidFill>
-                  <a:srgbClr val="003B4F"/>
-                </a:solidFill>
-                <a:latin typeface="Courier"/>
-              </a:rPr>
-              <a:t>, </a:t>
+              <a:t>"path/to/rix_project"</a:t>
+            </a:r>
+            <a:r>
+              <a:rPr>
+                <a:solidFill>
+                  <a:srgbClr val="003B4F"/>
+                </a:solidFill>
+                <a:latin typeface="Courier"/>
+              </a:rPr>
+              <a:t>,</a:t>
+            </a:r>
+            <a:br/>
+            <a:r>
+              <a:rPr>
+                <a:solidFill>
+                  <a:srgbClr val="003B4F"/>
+                </a:solidFill>
+                <a:latin typeface="Courier"/>
+              </a:rPr>
+              <a:t>  </a:t>
+            </a:r>
+            <a:r>
+              <a:rPr>
+                <a:solidFill>
+                  <a:srgbClr val="657422"/>
+                </a:solidFill>
+                <a:latin typeface="Courier"/>
+              </a:rPr>
+              <a:t>override_r_ver =</a:t>
+            </a:r>
+            <a:r>
+              <a:rPr>
+                <a:solidFill>
+                  <a:srgbClr val="003B4F"/>
+                </a:solidFill>
+                <a:latin typeface="Courier"/>
+              </a:rPr>
+              <a:t> </a:t>
             </a:r>
             <a:r>
               <a:rPr>
@@ -3431,238 +3428,27 @@
                 </a:solidFill>
                 <a:latin typeface="Courier"/>
               </a:rPr>
-              <a:t>"ggplot2"</a:t>
-            </a:r>
-            <a:r>
-              <a:rPr>
-                <a:solidFill>
-                  <a:srgbClr val="003B4F"/>
-                </a:solidFill>
-                <a:latin typeface="Courier"/>
-              </a:rPr>
-              <a:t>),</a:t>
+              <a:t>"4.4.1"</a:t>
+            </a:r>
+            <a:r>
+              <a:rPr>
+                <a:solidFill>
+                  <a:srgbClr val="003B4F"/>
+                </a:solidFill>
+                <a:latin typeface="Courier"/>
+              </a:rPr>
+              <a:t> </a:t>
+            </a:r>
+            <a:r>
+              <a:rPr>
+                <a:solidFill>
+                  <a:srgbClr val="5E5E5E"/>
+                </a:solidFill>
+                <a:latin typeface="Courier"/>
+              </a:rPr>
+              <a:t># &lt;- optionnel</a:t>
             </a:r>
             <a:br/>
-            <a:r>
-              <a:rPr>
-                <a:solidFill>
-                  <a:srgbClr val="003B4F"/>
-                </a:solidFill>
-                <a:latin typeface="Courier"/>
-              </a:rPr>
-              <a:t>    </a:t>
-            </a:r>
-            <a:r>
-              <a:rPr>
-                <a:solidFill>
-                  <a:srgbClr val="657422"/>
-                </a:solidFill>
-                <a:latin typeface="Courier"/>
-              </a:rPr>
-              <a:t>system_pkgs =</a:t>
-            </a:r>
-            <a:r>
-              <a:rPr>
-                <a:solidFill>
-                  <a:srgbClr val="003B4F"/>
-                </a:solidFill>
-                <a:latin typeface="Courier"/>
-              </a:rPr>
-              <a:t> </a:t>
-            </a:r>
-            <a:r>
-              <a:rPr>
-                <a:solidFill>
-                  <a:srgbClr val="8F5902"/>
-                </a:solidFill>
-                <a:latin typeface="Courier"/>
-              </a:rPr>
-              <a:t>NULL</a:t>
-            </a:r>
-            <a:r>
-              <a:rPr>
-                <a:solidFill>
-                  <a:srgbClr val="003B4F"/>
-                </a:solidFill>
-                <a:latin typeface="Courier"/>
-              </a:rPr>
-              <a:t>,</a:t>
-            </a:r>
-            <a:br/>
-            <a:r>
-              <a:rPr>
-                <a:solidFill>
-                  <a:srgbClr val="003B4F"/>
-                </a:solidFill>
-                <a:latin typeface="Courier"/>
-              </a:rPr>
-              <a:t>    </a:t>
-            </a:r>
-            <a:r>
-              <a:rPr>
-                <a:solidFill>
-                  <a:srgbClr val="657422"/>
-                </a:solidFill>
-                <a:latin typeface="Courier"/>
-              </a:rPr>
-              <a:t>git_pkgs =</a:t>
-            </a:r>
-            <a:r>
-              <a:rPr>
-                <a:solidFill>
-                  <a:srgbClr val="003B4F"/>
-                </a:solidFill>
-                <a:latin typeface="Courier"/>
-              </a:rPr>
-              <a:t> </a:t>
-            </a:r>
-            <a:r>
-              <a:rPr>
-                <a:solidFill>
-                  <a:srgbClr val="8F5902"/>
-                </a:solidFill>
-                <a:latin typeface="Courier"/>
-              </a:rPr>
-              <a:t>NULL</a:t>
-            </a:r>
-            <a:r>
-              <a:rPr>
-                <a:solidFill>
-                  <a:srgbClr val="003B4F"/>
-                </a:solidFill>
-                <a:latin typeface="Courier"/>
-              </a:rPr>
-              <a:t>,</a:t>
-            </a:r>
-            <a:br/>
-            <a:r>
-              <a:rPr>
-                <a:solidFill>
-                  <a:srgbClr val="003B4F"/>
-                </a:solidFill>
-                <a:latin typeface="Courier"/>
-              </a:rPr>
-              <a:t>    </a:t>
-            </a:r>
-            <a:r>
-              <a:rPr>
-                <a:solidFill>
-                  <a:srgbClr val="657422"/>
-                </a:solidFill>
-                <a:latin typeface="Courier"/>
-              </a:rPr>
-              <a:t>tex_pkgs =</a:t>
-            </a:r>
-            <a:r>
-              <a:rPr>
-                <a:solidFill>
-                  <a:srgbClr val="003B4F"/>
-                </a:solidFill>
-                <a:latin typeface="Courier"/>
-              </a:rPr>
-              <a:t> </a:t>
-            </a:r>
-            <a:r>
-              <a:rPr>
-                <a:solidFill>
-                  <a:srgbClr val="8F5902"/>
-                </a:solidFill>
-                <a:latin typeface="Courier"/>
-              </a:rPr>
-              <a:t>NULL</a:t>
-            </a:r>
-            <a:r>
-              <a:rPr>
-                <a:solidFill>
-                  <a:srgbClr val="003B4F"/>
-                </a:solidFill>
-                <a:latin typeface="Courier"/>
-              </a:rPr>
-              <a:t>,</a:t>
-            </a:r>
-            <a:br/>
-            <a:r>
-              <a:rPr>
-                <a:solidFill>
-                  <a:srgbClr val="003B4F"/>
-                </a:solidFill>
-                <a:latin typeface="Courier"/>
-              </a:rPr>
-              <a:t>    </a:t>
-            </a:r>
-            <a:r>
-              <a:rPr>
-                <a:solidFill>
-                  <a:srgbClr val="657422"/>
-                </a:solidFill>
-                <a:latin typeface="Courier"/>
-              </a:rPr>
-              <a:t>ide =</a:t>
-            </a:r>
-            <a:r>
-              <a:rPr>
-                <a:solidFill>
-                  <a:srgbClr val="003B4F"/>
-                </a:solidFill>
-                <a:latin typeface="Courier"/>
-              </a:rPr>
-              <a:t> </a:t>
-            </a:r>
-            <a:r>
-              <a:rPr>
-                <a:solidFill>
-                  <a:srgbClr val="20794D"/>
-                </a:solidFill>
-                <a:latin typeface="Courier"/>
-              </a:rPr>
-              <a:t>"code"</a:t>
-            </a:r>
-            <a:r>
-              <a:rPr>
-                <a:solidFill>
-                  <a:srgbClr val="003B4F"/>
-                </a:solidFill>
-                <a:latin typeface="Courier"/>
-              </a:rPr>
-              <a:t>,</a:t>
-            </a:r>
-            <a:br/>
-            <a:r>
-              <a:rPr>
-                <a:solidFill>
-                  <a:srgbClr val="003B4F"/>
-                </a:solidFill>
-                <a:latin typeface="Courier"/>
-              </a:rPr>
-              <a:t>    </a:t>
-            </a:r>
-            <a:r>
-              <a:rPr>
-                <a:solidFill>
-                  <a:srgbClr val="657422"/>
-                </a:solidFill>
-                <a:latin typeface="Courier"/>
-              </a:rPr>
-              <a:t>project_path =</a:t>
-            </a:r>
-            <a:r>
-              <a:rPr>
-                <a:solidFill>
-                  <a:srgbClr val="003B4F"/>
-                </a:solidFill>
-                <a:latin typeface="Courier"/>
-              </a:rPr>
-              <a:t> </a:t>
-            </a:r>
-            <a:r>
-              <a:rPr>
-                <a:solidFill>
-                  <a:srgbClr val="20794D"/>
-                </a:solidFill>
-                <a:latin typeface="Courier"/>
-              </a:rPr>
-              <a:t>"."</a:t>
-            </a:r>
             <a:r>
               <a:rPr>
                 <a:solidFill>
@@ -3717,7 +3503,7 @@
             </a:pPr>
             <a:r>
               <a:rPr/>
-              <a:t>rix : environnements de développement reproductibles avec Nix (2/5)</a:t>
+              <a:t>rix : environnements de développement reproductibles avec Nix (3/5)</a:t>
             </a:r>
           </a:p>
         </p:txBody>
@@ -3740,226 +3526,42 @@
             <a:pPr lvl="0"/>
             <a:r>
               <a:rPr/>
-              <a:t>Les fichiers </a:t>
-            </a:r>
-            <a:r>
-              <a:rPr>
-                <a:latin typeface="Courier"/>
-              </a:rPr>
-              <a:t>renv.lock</a:t>
-            </a:r>
-            <a:r>
-              <a:rPr/>
-              <a:t> peuvent aussi servir de point de départ :</a:t>
-            </a:r>
-          </a:p>
-          <a:p>
-            <a:pPr lvl="0" indent="0" marL="0">
-              <a:buNone/>
-            </a:pPr>
-            <a:r>
-              <a:rPr/>
-              <a:t>. . .</a:t>
-            </a:r>
-          </a:p>
-          <a:p>
-            <a:pPr lvl="0" indent="0">
-              <a:buNone/>
-            </a:pPr>
-            <a:r>
-              <a:rPr>
-                <a:solidFill>
-                  <a:srgbClr val="4758AB"/>
-                </a:solidFill>
-                <a:latin typeface="Courier"/>
-              </a:rPr>
-              <a:t>library</a:t>
-            </a:r>
-            <a:r>
-              <a:rPr>
-                <a:solidFill>
-                  <a:srgbClr val="003B4F"/>
-                </a:solidFill>
-                <a:latin typeface="Courier"/>
-              </a:rPr>
-              <a:t>(rix)</a:t>
-            </a:r>
-            <a:br/>
-            <a:br/>
-            <a:r>
-              <a:rPr>
-                <a:solidFill>
-                  <a:srgbClr val="4758AB"/>
-                </a:solidFill>
-                <a:latin typeface="Courier"/>
-              </a:rPr>
-              <a:t>renv2nix</a:t>
-            </a:r>
-            <a:r>
-              <a:rPr>
-                <a:solidFill>
-                  <a:srgbClr val="003B4F"/>
-                </a:solidFill>
-                <a:latin typeface="Courier"/>
-              </a:rPr>
-              <a:t>(</a:t>
-            </a:r>
-            <a:br/>
-            <a:r>
-              <a:rPr>
-                <a:solidFill>
-                  <a:srgbClr val="003B4F"/>
-                </a:solidFill>
-                <a:latin typeface="Courier"/>
-              </a:rPr>
-              <a:t>  </a:t>
-            </a:r>
-            <a:r>
-              <a:rPr>
-                <a:solidFill>
-                  <a:srgbClr val="657422"/>
-                </a:solidFill>
-                <a:latin typeface="Courier"/>
-              </a:rPr>
-              <a:t>renv_lock_path =</a:t>
-            </a:r>
-            <a:r>
-              <a:rPr>
-                <a:solidFill>
-                  <a:srgbClr val="003B4F"/>
-                </a:solidFill>
-                <a:latin typeface="Courier"/>
-              </a:rPr>
-              <a:t> </a:t>
-            </a:r>
-            <a:r>
-              <a:rPr>
-                <a:solidFill>
-                  <a:srgbClr val="20794D"/>
-                </a:solidFill>
-                <a:latin typeface="Courier"/>
-              </a:rPr>
-              <a:t>"path/to/original/renv_project/renv.lock"</a:t>
-            </a:r>
-            <a:r>
-              <a:rPr>
-                <a:solidFill>
-                  <a:srgbClr val="003B4F"/>
-                </a:solidFill>
-                <a:latin typeface="Courier"/>
-              </a:rPr>
-              <a:t>,</a:t>
-            </a:r>
-            <a:br/>
-            <a:r>
-              <a:rPr>
-                <a:solidFill>
-                  <a:srgbClr val="003B4F"/>
-                </a:solidFill>
-                <a:latin typeface="Courier"/>
-              </a:rPr>
-              <a:t>  </a:t>
-            </a:r>
-            <a:r>
-              <a:rPr>
-                <a:solidFill>
-                  <a:srgbClr val="657422"/>
-                </a:solidFill>
-                <a:latin typeface="Courier"/>
-              </a:rPr>
-              <a:t>project_path =</a:t>
-            </a:r>
-            <a:r>
-              <a:rPr>
-                <a:solidFill>
-                  <a:srgbClr val="003B4F"/>
-                </a:solidFill>
-                <a:latin typeface="Courier"/>
-              </a:rPr>
-              <a:t> </a:t>
-            </a:r>
-            <a:r>
-              <a:rPr>
-                <a:solidFill>
-                  <a:srgbClr val="20794D"/>
-                </a:solidFill>
-                <a:latin typeface="Courier"/>
-              </a:rPr>
-              <a:t>"path/to/rix_project"</a:t>
-            </a:r>
-            <a:r>
-              <a:rPr>
-                <a:solidFill>
-                  <a:srgbClr val="003B4F"/>
-                </a:solidFill>
-                <a:latin typeface="Courier"/>
-              </a:rPr>
-              <a:t>,</a:t>
-            </a:r>
-            <a:br/>
-            <a:r>
-              <a:rPr>
-                <a:solidFill>
-                  <a:srgbClr val="003B4F"/>
-                </a:solidFill>
-                <a:latin typeface="Courier"/>
-              </a:rPr>
-              <a:t>  </a:t>
-            </a:r>
-            <a:r>
-              <a:rPr>
-                <a:solidFill>
-                  <a:srgbClr val="657422"/>
-                </a:solidFill>
-                <a:latin typeface="Courier"/>
-              </a:rPr>
-              <a:t>override_r_ver =</a:t>
-            </a:r>
-            <a:r>
-              <a:rPr>
-                <a:solidFill>
-                  <a:srgbClr val="003B4F"/>
-                </a:solidFill>
-                <a:latin typeface="Courier"/>
-              </a:rPr>
-              <a:t> </a:t>
-            </a:r>
-            <a:r>
-              <a:rPr>
-                <a:solidFill>
-                  <a:srgbClr val="20794D"/>
-                </a:solidFill>
-                <a:latin typeface="Courier"/>
-              </a:rPr>
-              <a:t>"4.4.1"</a:t>
-            </a:r>
-            <a:r>
-              <a:rPr>
-                <a:solidFill>
-                  <a:srgbClr val="003B4F"/>
-                </a:solidFill>
-                <a:latin typeface="Courier"/>
-              </a:rPr>
-              <a:t> </a:t>
-            </a:r>
-            <a:r>
-              <a:rPr>
-                <a:solidFill>
-                  <a:srgbClr val="5E5E5E"/>
-                </a:solidFill>
-                <a:latin typeface="Courier"/>
-              </a:rPr>
-              <a:t># &lt;- optionnel</a:t>
-            </a:r>
-            <a:br/>
-            <a:r>
-              <a:rPr>
-                <a:solidFill>
-                  <a:srgbClr val="003B4F"/>
-                </a:solidFill>
-                <a:latin typeface="Courier"/>
-              </a:rPr>
-              <a:t>)</a:t>
+              <a:t>Lister la version de R et les packages nécessaires</a:t>
+            </a:r>
+          </a:p>
+          <a:p>
+            <a:pPr lvl="0"/>
+            <a:r>
+              <a:rPr/>
+              <a:t>En option :</a:t>
+            </a:r>
+          </a:p>
+          <a:p>
+            <a:pPr lvl="1"/>
+            <a:r>
+              <a:rPr/>
+              <a:t>packages système, packages depuis GitHub, ou packages LaTeX</a:t>
+            </a:r>
+          </a:p>
+          <a:p>
+            <a:pPr lvl="1"/>
+            <a:r>
+              <a:rPr/>
+              <a:t>un IDE (Rstudio, Radian, VS Code ou “autre”)</a:t>
+            </a:r>
+          </a:p>
+          <a:p>
+            <a:pPr lvl="1"/>
+            <a:r>
+              <a:rPr/>
+              <a:t>une version de Python et paquets Python à inclure</a:t>
+            </a:r>
+          </a:p>
+          <a:p>
+            <a:pPr lvl="1"/>
+            <a:r>
+              <a:rPr/>
+              <a:t>une version de Julia et paquets Julia à inclure</a:t>
             </a:r>
           </a:p>
         </p:txBody>
@@ -4006,7 +3608,7 @@
             </a:pPr>
             <a:r>
               <a:rPr/>
-              <a:t>rix : environnements de développement reproductibles avec Nix (3/5)</a:t>
+              <a:t>rix : environnements de développement reproductibles avec Nix (4/5)</a:t>
             </a:r>
           </a:p>
         </p:txBody>
@@ -4028,43 +3630,67 @@
           <a:p>
             <a:pPr lvl="0"/>
             <a:r>
-              <a:rPr/>
-              <a:t>Lister la version de R et les packages nécessaires</a:t>
+              <a:rPr>
+                <a:latin typeface="Courier"/>
+              </a:rPr>
+              <a:t>rix::rix()</a:t>
+            </a:r>
+            <a:r>
+              <a:rPr/>
+              <a:t> génère un fichier </a:t>
+            </a:r>
+            <a:r>
+              <a:rPr>
+                <a:latin typeface="Courier"/>
+              </a:rPr>
+              <a:t>default.nix</a:t>
             </a:r>
           </a:p>
           <a:p>
             <a:pPr lvl="0"/>
             <a:r>
               <a:rPr/>
-              <a:t>En option :</a:t>
-            </a:r>
-          </a:p>
-          <a:p>
-            <a:pPr lvl="1"/>
-            <a:r>
-              <a:rPr/>
-              <a:t>packages système, packages depuis GitHub, ou packages LaTeX</a:t>
-            </a:r>
-          </a:p>
-          <a:p>
-            <a:pPr lvl="1"/>
-            <a:r>
-              <a:rPr/>
-              <a:t>un IDE (Rstudio, Radian, VS Code ou “autre”)</a:t>
-            </a:r>
-          </a:p>
-          <a:p>
-            <a:pPr lvl="1"/>
-            <a:r>
-              <a:rPr/>
-              <a:t>une version de Python et paquets Python à inclure</a:t>
-            </a:r>
-          </a:p>
-          <a:p>
-            <a:pPr lvl="1"/>
-            <a:r>
-              <a:rPr/>
-              <a:t>une version de Julia et paquets Julia à inclure</a:t>
+              <a:t>Construire les expressions avec </a:t>
+            </a:r>
+            <a:r>
+              <a:rPr>
+                <a:latin typeface="Courier"/>
+              </a:rPr>
+              <a:t>nix-build</a:t>
+            </a:r>
+            <a:r>
+              <a:rPr/>
+              <a:t> (en terminal) ou </a:t>
+            </a:r>
+            <a:r>
+              <a:rPr>
+                <a:latin typeface="Courier"/>
+              </a:rPr>
+              <a:t>rix::nix_build()</a:t>
+            </a:r>
+            <a:r>
+              <a:rPr/>
+              <a:t> depuis R</a:t>
+            </a:r>
+          </a:p>
+          <a:p>
+            <a:pPr lvl="0"/>
+            <a:r>
+              <a:rPr/>
+              <a:t>Accéder à l’environnement de développement avec </a:t>
+            </a:r>
+            <a:r>
+              <a:rPr>
+                <a:latin typeface="Courier"/>
+              </a:rPr>
+              <a:t>nix-shell</a:t>
+            </a:r>
+          </a:p>
+          <a:p>
+            <a:pPr lvl="0"/>
+            <a:r>
+              <a:rPr/>
+              <a:t>Les expressions peuvent être générées même sans Nix installé (avec quelques limitations)</a:t>
             </a:r>
           </a:p>
         </p:txBody>
@@ -4111,7 +3737,7 @@
             </a:pPr>
             <a:r>
               <a:rPr/>
-              <a:t>rix : environnements de développement reproductibles avec Nix (4/5)</a:t>
+              <a:t>rix : environnements de développement reproductibles avec Nix (5/5)</a:t>
             </a:r>
           </a:p>
         </p:txBody>
@@ -4133,67 +3759,38 @@
           <a:p>
             <a:pPr lvl="0"/>
             <a:r>
-              <a:rPr>
-                <a:latin typeface="Courier"/>
-              </a:rPr>
-              <a:t>rix::rix()</a:t>
-            </a:r>
-            <a:r>
-              <a:rPr/>
-              <a:t> génère un fichier </a:t>
-            </a:r>
-            <a:r>
-              <a:rPr>
-                <a:latin typeface="Courier"/>
-              </a:rPr>
-              <a:t>default.nix</a:t>
+              <a:rPr/>
+              <a:t>Peut installer des versions spécifiques de packages (écrire </a:t>
+            </a:r>
+            <a:r>
+              <a:rPr>
+                <a:latin typeface="Courier"/>
+              </a:rPr>
+              <a:t>"dplyr@1.0.0"</a:t>
+            </a:r>
+            <a:r>
+              <a:rPr/>
+              <a:t>)</a:t>
             </a:r>
           </a:p>
           <a:p>
             <a:pPr lvl="0"/>
             <a:r>
               <a:rPr/>
-              <a:t>Construire les expressions avec </a:t>
-            </a:r>
-            <a:r>
-              <a:rPr>
-                <a:latin typeface="Courier"/>
-              </a:rPr>
-              <a:t>nix-build</a:t>
-            </a:r>
-            <a:r>
-              <a:rPr/>
-              <a:t> (en terminal) ou </a:t>
-            </a:r>
-            <a:r>
-              <a:rPr>
-                <a:latin typeface="Courier"/>
-              </a:rPr>
-              <a:t>rix::nix_build()</a:t>
-            </a:r>
-            <a:r>
-              <a:rPr/>
-              <a:t> depuis R</a:t>
+              <a:t>Peut installer des packages hébergés sur Github</a:t>
             </a:r>
           </a:p>
           <a:p>
             <a:pPr lvl="0"/>
             <a:r>
               <a:rPr/>
-              <a:t>Accéder à l’environnement de développement avec </a:t>
-            </a:r>
-            <a:r>
-              <a:rPr>
-                <a:latin typeface="Courier"/>
-              </a:rPr>
-              <a:t>nix-shell</a:t>
-            </a:r>
-          </a:p>
-          <a:p>
-            <a:pPr lvl="0"/>
-            <a:r>
-              <a:rPr/>
-              <a:t>Les expressions peuvent être générées même sans Nix installé (avec quelques limitations)</a:t>
+              <a:t>De nombreuses vignettes pour démarrer ! </a:t>
+            </a:r>
+            <a:r>
+              <a:rPr>
+                <a:hlinkClick r:id="rId2"/>
+              </a:rPr>
+              <a:t>Voir ici</a:t>
             </a:r>
           </a:p>
         </p:txBody>
@@ -4240,7 +3837,7 @@
             </a:pPr>
             <a:r>
               <a:rPr/>
-              <a:t>rix : environnements de développement reproductibles avec Nix (5/5)</a:t>
+              <a:t>Démonstration</a:t>
             </a:r>
           </a:p>
         </p:txBody>
@@ -4263,37 +3860,98 @@
             <a:pPr lvl="0"/>
             <a:r>
               <a:rPr/>
-              <a:t>Peut installer des versions spécifiques de packages (écrire </a:t>
-            </a:r>
-            <a:r>
-              <a:rPr>
-                <a:latin typeface="Courier"/>
-              </a:rPr>
-              <a:t>"dplyr@1.0.0"</a:t>
-            </a:r>
-            <a:r>
-              <a:rPr/>
-              <a:t>)</a:t>
+              <a:t>Les bases : </a:t>
+            </a:r>
+            <a:r>
+              <a:rPr>
+                <a:latin typeface="Courier"/>
+              </a:rPr>
+              <a:t>scripts/nix_expressions/01_rix_intro/</a:t>
             </a:r>
           </a:p>
           <a:p>
             <a:pPr lvl="0"/>
             <a:r>
               <a:rPr/>
-              <a:t>Peut installer des packages hébergés sur Github</a:t>
+              <a:t>Vs Code/Positron natifs sur Windows: </a:t>
+            </a:r>
+            <a:r>
+              <a:rPr>
+                <a:latin typeface="Courier"/>
+              </a:rPr>
+              <a:t>scripts/nix_expressions/02_native_vscode_example/</a:t>
             </a:r>
           </a:p>
           <a:p>
             <a:pPr lvl="0"/>
             <a:r>
               <a:rPr/>
-              <a:t>De nombreuses vignettes pour démarrer ! </a:t>
+              <a:t>Nix et </a:t>
+            </a:r>
+            <a:r>
+              <a:rPr>
+                <a:latin typeface="Courier"/>
+              </a:rPr>
+              <a:t>{targets}</a:t>
+            </a:r>
+            <a:r>
+              <a:rPr/>
+              <a:t>: </a:t>
+            </a:r>
+            <a:r>
+              <a:rPr>
+                <a:latin typeface="Courier"/>
+              </a:rPr>
+              <a:t>scripts/nix_expressions/03_nix_targets_pipeline</a:t>
+            </a:r>
+          </a:p>
+          <a:p>
+            <a:pPr lvl="0"/>
+            <a:r>
+              <a:rPr/>
+              <a:t>Nix et Docker: </a:t>
+            </a:r>
+            <a:r>
+              <a:rPr>
+                <a:latin typeface="Courier"/>
+              </a:rPr>
+              <a:t>scripts/nix_expressions/04_docker/</a:t>
+            </a:r>
+          </a:p>
+          <a:p>
+            <a:pPr lvl="0"/>
+            <a:r>
+              <a:rPr/>
+              <a:t>Nix et </a:t>
+            </a:r>
+            <a:r>
+              <a:rPr>
+                <a:latin typeface="Courier"/>
+              </a:rPr>
+              <a:t>{shiny}</a:t>
+            </a:r>
+            <a:r>
+              <a:rPr/>
+              <a:t>: </a:t>
+            </a:r>
+            <a:r>
+              <a:rPr>
+                <a:latin typeface="Courier"/>
+              </a:rPr>
+              <a:t>scripts/nix_expressions/05_shiny</a:t>
+            </a:r>
+          </a:p>
+          <a:p>
+            <a:pPr lvl="0"/>
+            <a:r>
+              <a:rPr/>
+              <a:t>GitHub Actions: </a:t>
             </a:r>
             <a:r>
               <a:rPr>
                 <a:hlinkClick r:id="rId2"/>
               </a:rPr>
-              <a:t>Voir ici</a:t>
+              <a:t>voir ici</a:t>
             </a:r>
           </a:p>
         </p:txBody>
@@ -4340,7 +3998,13 @@
             </a:pPr>
             <a:r>
               <a:rPr/>
-              <a:t>Démonstration</a:t>
+              <a:t>Pipelines polyglottes avec </a:t>
+            </a:r>
+            <a:r>
+              <a:rPr>
+                <a:latin typeface="Courier"/>
+              </a:rPr>
+              <a:t>{rixpress}</a:t>
             </a:r>
           </a:p>
         </p:txBody>
@@ -4362,63 +4026,67 @@
           <a:p>
             <a:pPr lvl="0"/>
             <a:r>
-              <a:rPr/>
-              <a:t>Base: </a:t>
-            </a:r>
-            <a:r>
-              <a:rPr>
-                <a:latin typeface="Courier"/>
-              </a:rPr>
-              <a:t>scripts/nix_expressions/rix_intro/</a:t>
+              <a:rPr>
+                <a:latin typeface="Courier"/>
+              </a:rPr>
+              <a:t>{rixpress}</a:t>
+            </a:r>
+            <a:r>
+              <a:rPr/>
+              <a:t> permet d’enchaîner des étapes de traitement en R </a:t>
+            </a:r>
+            <a:r>
+              <a:rPr b="1"/>
+              <a:t>et</a:t>
+            </a:r>
+            <a:r>
+              <a:rPr/>
+              <a:t> Python</a:t>
             </a:r>
           </a:p>
           <a:p>
             <a:pPr lvl="0"/>
             <a:r>
               <a:rPr/>
-              <a:t>Nix et </a:t>
-            </a:r>
-            <a:r>
-              <a:rPr>
-                <a:latin typeface="Courier"/>
-              </a:rPr>
-              <a:t>{targets}</a:t>
-            </a:r>
-            <a:r>
-              <a:rPr/>
-              <a:t>: </a:t>
-            </a:r>
-            <a:r>
-              <a:rPr>
-                <a:latin typeface="Courier"/>
-              </a:rPr>
-              <a:t>scripts/nix_expressions/nix_targets_pipeline</a:t>
+              <a:t>Utilise </a:t>
+            </a:r>
+            <a:r>
+              <a:rPr>
+                <a:latin typeface="Courier"/>
+              </a:rPr>
+              <a:t>{rix}</a:t>
+            </a:r>
+            <a:r>
+              <a:rPr/>
+              <a:t> pour créer un environnement reproductible (via Nix) d’exécution de la pipeline</a:t>
             </a:r>
           </a:p>
           <a:p>
             <a:pPr lvl="0"/>
             <a:r>
               <a:rPr/>
-              <a:t>GitHub Actions: </a:t>
-            </a:r>
-            <a:r>
-              <a:rPr>
-                <a:hlinkClick r:id="rId2"/>
-              </a:rPr>
-              <a:t>voir ici</a:t>
+              <a:t>Chaque étape de pipeline est une </a:t>
+            </a:r>
+            <a:r>
+              <a:rPr b="1"/>
+              <a:t>dérivation Nix</a:t>
             </a:r>
           </a:p>
           <a:p>
             <a:pPr lvl="0"/>
             <a:r>
               <a:rPr/>
-              <a:t>Nix et Docker: </a:t>
-            </a:r>
-            <a:r>
-              <a:rPr>
-                <a:latin typeface="Courier"/>
-              </a:rPr>
-              <a:t>scripts/nix_expressions/docker/</a:t>
+              <a:t>Transfert de données : automatique via </a:t>
+            </a:r>
+            <a:r>
+              <a:rPr>
+                <a:latin typeface="Courier"/>
+              </a:rPr>
+              <a:t>reticulate</a:t>
+            </a:r>
+            <a:r>
+              <a:rPr/>
+              <a:t> ou format universel (JSON)</a:t>
             </a:r>
           </a:p>
         </p:txBody>
@@ -4465,13 +4133,7 @@
             </a:pPr>
             <a:r>
               <a:rPr/>
-              <a:t>Pipelines polyglottes avec </a:t>
-            </a:r>
-            <a:r>
-              <a:rPr>
-                <a:latin typeface="Courier"/>
-              </a:rPr>
-              <a:t>{rixpress}</a:t>
+              <a:t>Un exemple de pipeline mixte</a:t>
             </a:r>
           </a:p>
         </p:txBody>
@@ -4491,69 +4153,422 @@
           <a:bodyPr/>
           <a:lstStyle/>
           <a:p>
+            <a:pPr lvl="0" indent="0">
+              <a:buNone/>
+            </a:pPr>
+            <a:r>
+              <a:rPr>
+                <a:solidFill>
+                  <a:srgbClr val="4758AB"/>
+                </a:solidFill>
+                <a:latin typeface="Courier"/>
+              </a:rPr>
+              <a:t>list</a:t>
+            </a:r>
+            <a:r>
+              <a:rPr>
+                <a:solidFill>
+                  <a:srgbClr val="003B4F"/>
+                </a:solidFill>
+                <a:latin typeface="Courier"/>
+              </a:rPr>
+              <a:t>(</a:t>
+            </a:r>
+            <a:br/>
+            <a:r>
+              <a:rPr>
+                <a:solidFill>
+                  <a:srgbClr val="003B4F"/>
+                </a:solidFill>
+                <a:latin typeface="Courier"/>
+              </a:rPr>
+              <a:t>  </a:t>
+            </a:r>
+            <a:r>
+              <a:rPr>
+                <a:solidFill>
+                  <a:srgbClr val="4758AB"/>
+                </a:solidFill>
+                <a:latin typeface="Courier"/>
+              </a:rPr>
+              <a:t>rxp_py_file</a:t>
+            </a:r>
+            <a:r>
+              <a:rPr>
+                <a:solidFill>
+                  <a:srgbClr val="003B4F"/>
+                </a:solidFill>
+                <a:latin typeface="Courier"/>
+              </a:rPr>
+              <a:t>(…),    </a:t>
+            </a:r>
+            <a:r>
+              <a:rPr>
+                <a:solidFill>
+                  <a:srgbClr val="5E5E5E"/>
+                </a:solidFill>
+                <a:latin typeface="Courier"/>
+              </a:rPr>
+              <a:t># Lire un CSV avec Python</a:t>
+            </a:r>
+            <a:br/>
+            <a:r>
+              <a:rPr>
+                <a:solidFill>
+                  <a:srgbClr val="003B4F"/>
+                </a:solidFill>
+                <a:latin typeface="Courier"/>
+              </a:rPr>
+              <a:t>  </a:t>
+            </a:r>
+            <a:r>
+              <a:rPr>
+                <a:solidFill>
+                  <a:srgbClr val="4758AB"/>
+                </a:solidFill>
+                <a:latin typeface="Courier"/>
+              </a:rPr>
+              <a:t>rxp_py</a:t>
+            </a:r>
+            <a:r>
+              <a:rPr>
+                <a:solidFill>
+                  <a:srgbClr val="003B4F"/>
+                </a:solidFill>
+                <a:latin typeface="Courier"/>
+              </a:rPr>
+              <a:t>(…),         </a:t>
+            </a:r>
+            <a:r>
+              <a:rPr>
+                <a:solidFill>
+                  <a:srgbClr val="5E5E5E"/>
+                </a:solidFill>
+                <a:latin typeface="Courier"/>
+              </a:rPr>
+              <a:t># Filtrer avec Polars</a:t>
+            </a:r>
+            <a:br/>
+            <a:r>
+              <a:rPr>
+                <a:solidFill>
+                  <a:srgbClr val="003B4F"/>
+                </a:solidFill>
+                <a:latin typeface="Courier"/>
+              </a:rPr>
+              <a:t>  </a:t>
+            </a:r>
+            <a:r>
+              <a:rPr>
+                <a:solidFill>
+                  <a:srgbClr val="4758AB"/>
+                </a:solidFill>
+                <a:latin typeface="Courier"/>
+              </a:rPr>
+              <a:t>rxp_py2r</a:t>
+            </a:r>
+            <a:r>
+              <a:rPr>
+                <a:solidFill>
+                  <a:srgbClr val="003B4F"/>
+                </a:solidFill>
+                <a:latin typeface="Courier"/>
+              </a:rPr>
+              <a:t>(…),       </a:t>
+            </a:r>
+            <a:r>
+              <a:rPr>
+                <a:solidFill>
+                  <a:srgbClr val="5E5E5E"/>
+                </a:solidFill>
+                <a:latin typeface="Courier"/>
+              </a:rPr>
+              <a:t># Transfert Python → R</a:t>
+            </a:r>
+            <a:br/>
+            <a:r>
+              <a:rPr>
+                <a:solidFill>
+                  <a:srgbClr val="003B4F"/>
+                </a:solidFill>
+                <a:latin typeface="Courier"/>
+              </a:rPr>
+              <a:t>  </a:t>
+            </a:r>
+            <a:r>
+              <a:rPr>
+                <a:solidFill>
+                  <a:srgbClr val="4758AB"/>
+                </a:solidFill>
+                <a:latin typeface="Courier"/>
+              </a:rPr>
+              <a:t>rxp_r</a:t>
+            </a:r>
+            <a:r>
+              <a:rPr>
+                <a:solidFill>
+                  <a:srgbClr val="003B4F"/>
+                </a:solidFill>
+                <a:latin typeface="Courier"/>
+              </a:rPr>
+              <a:t>(…),          </a:t>
+            </a:r>
+            <a:r>
+              <a:rPr>
+                <a:solidFill>
+                  <a:srgbClr val="5E5E5E"/>
+                </a:solidFill>
+                <a:latin typeface="Courier"/>
+              </a:rPr>
+              <a:t># Transformation en R</a:t>
+            </a:r>
+            <a:br/>
+            <a:r>
+              <a:rPr>
+                <a:solidFill>
+                  <a:srgbClr val="003B4F"/>
+                </a:solidFill>
+                <a:latin typeface="Courier"/>
+              </a:rPr>
+              <a:t>  </a:t>
+            </a:r>
+            <a:r>
+              <a:rPr>
+                <a:solidFill>
+                  <a:srgbClr val="4758AB"/>
+                </a:solidFill>
+                <a:latin typeface="Courier"/>
+              </a:rPr>
+              <a:t>rxp_r2py</a:t>
+            </a:r>
+            <a:r>
+              <a:rPr>
+                <a:solidFill>
+                  <a:srgbClr val="003B4F"/>
+                </a:solidFill>
+                <a:latin typeface="Courier"/>
+              </a:rPr>
+              <a:t>(…),       </a:t>
+            </a:r>
+            <a:r>
+              <a:rPr>
+                <a:solidFill>
+                  <a:srgbClr val="5E5E5E"/>
+                </a:solidFill>
+                <a:latin typeface="Courier"/>
+              </a:rPr>
+              <a:t># Transfert R → Python</a:t>
+            </a:r>
+            <a:br/>
+            <a:r>
+              <a:rPr>
+                <a:solidFill>
+                  <a:srgbClr val="003B4F"/>
+                </a:solidFill>
+                <a:latin typeface="Courier"/>
+              </a:rPr>
+              <a:t>  </a:t>
+            </a:r>
+            <a:r>
+              <a:rPr>
+                <a:solidFill>
+                  <a:srgbClr val="4758AB"/>
+                </a:solidFill>
+                <a:latin typeface="Courier"/>
+              </a:rPr>
+              <a:t>rxp_py</a:t>
+            </a:r>
+            <a:r>
+              <a:rPr>
+                <a:solidFill>
+                  <a:srgbClr val="003B4F"/>
+                </a:solidFill>
+                <a:latin typeface="Courier"/>
+              </a:rPr>
+              <a:t>(…),         </a:t>
+            </a:r>
+            <a:r>
+              <a:rPr>
+                <a:solidFill>
+                  <a:srgbClr val="5E5E5E"/>
+                </a:solidFill>
+                <a:latin typeface="Courier"/>
+              </a:rPr>
+              <a:t># Autre étape Python</a:t>
+            </a:r>
+            <a:br/>
+            <a:r>
+              <a:rPr>
+                <a:solidFill>
+                  <a:srgbClr val="003B4F"/>
+                </a:solidFill>
+                <a:latin typeface="Courier"/>
+              </a:rPr>
+              <a:t>  </a:t>
+            </a:r>
+            <a:r>
+              <a:rPr>
+                <a:solidFill>
+                  <a:srgbClr val="4758AB"/>
+                </a:solidFill>
+                <a:latin typeface="Courier"/>
+              </a:rPr>
+              <a:t>rxp_py2r</a:t>
+            </a:r>
+            <a:r>
+              <a:rPr>
+                <a:solidFill>
+                  <a:srgbClr val="003B4F"/>
+                </a:solidFill>
+                <a:latin typeface="Courier"/>
+              </a:rPr>
+              <a:t>(…),       </a:t>
+            </a:r>
+            <a:r>
+              <a:rPr>
+                <a:solidFill>
+                  <a:srgbClr val="5E5E5E"/>
+                </a:solidFill>
+                <a:latin typeface="Courier"/>
+              </a:rPr>
+              <a:t># Retour vers R</a:t>
+            </a:r>
+            <a:br/>
+            <a:r>
+              <a:rPr>
+                <a:solidFill>
+                  <a:srgbClr val="003B4F"/>
+                </a:solidFill>
+                <a:latin typeface="Courier"/>
+              </a:rPr>
+              <a:t>  </a:t>
+            </a:r>
+            <a:r>
+              <a:rPr>
+                <a:solidFill>
+                  <a:srgbClr val="4758AB"/>
+                </a:solidFill>
+                <a:latin typeface="Courier"/>
+              </a:rPr>
+              <a:t>rxp_r</a:t>
+            </a:r>
+            <a:r>
+              <a:rPr>
+                <a:solidFill>
+                  <a:srgbClr val="003B4F"/>
+                </a:solidFill>
+                <a:latin typeface="Courier"/>
+              </a:rPr>
+              <a:t>(…)           </a:t>
+            </a:r>
+            <a:r>
+              <a:rPr>
+                <a:solidFill>
+                  <a:srgbClr val="5E5E5E"/>
+                </a:solidFill>
+                <a:latin typeface="Courier"/>
+              </a:rPr>
+              <a:t># Étape finale</a:t>
+            </a:r>
+            <a:br/>
+            <a:r>
+              <a:rPr>
+                <a:solidFill>
+                  <a:srgbClr val="003B4F"/>
+                </a:solidFill>
+                <a:latin typeface="Courier"/>
+              </a:rPr>
+              <a:t>) </a:t>
+            </a:r>
+            <a:r>
+              <a:rPr>
+                <a:solidFill>
+                  <a:srgbClr val="5E5E5E"/>
+                </a:solidFill>
+                <a:latin typeface="Courier"/>
+              </a:rPr>
+              <a:t>|&gt;</a:t>
+            </a:r>
+            <a:r>
+              <a:rPr>
+                <a:solidFill>
+                  <a:srgbClr val="003B4F"/>
+                </a:solidFill>
+                <a:latin typeface="Courier"/>
+              </a:rPr>
+              <a:t> </a:t>
+            </a:r>
+            <a:r>
+              <a:rPr>
+                <a:solidFill>
+                  <a:srgbClr val="4758AB"/>
+                </a:solidFill>
+                <a:latin typeface="Courier"/>
+              </a:rPr>
+              <a:t>rixpress</a:t>
+            </a:r>
+            <a:r>
+              <a:rPr>
+                <a:solidFill>
+                  <a:srgbClr val="003B4F"/>
+                </a:solidFill>
+                <a:latin typeface="Courier"/>
+              </a:rPr>
+              <a:t>()</a:t>
+            </a:r>
+          </a:p>
+          <a:p>
             <a:pPr lvl="0"/>
             <a:r>
-              <a:rPr>
-                <a:latin typeface="Courier"/>
-              </a:rPr>
-              <a:t>{rixpress}</a:t>
-            </a:r>
-            <a:r>
-              <a:rPr/>
-              <a:t> permet d’enchaîner des étapes de traitement en R </a:t>
-            </a:r>
-            <a:r>
-              <a:rPr b="1"/>
-              <a:t>et</a:t>
-            </a:r>
-            <a:r>
-              <a:rPr/>
-              <a:t> Python</a:t>
+              <a:rPr/>
+              <a:t>Chaque étape est nommée, typée (</a:t>
+            </a:r>
+            <a:r>
+              <a:rPr>
+                <a:latin typeface="Courier"/>
+              </a:rPr>
+              <a:t>py</a:t>
+            </a:r>
+            <a:r>
+              <a:rPr/>
+              <a:t>, </a:t>
+            </a:r>
+            <a:r>
+              <a:rPr>
+                <a:latin typeface="Courier"/>
+              </a:rPr>
+              <a:t>r</a:t>
+            </a:r>
+            <a:r>
+              <a:rPr/>
+              <a:t>, </a:t>
+            </a:r>
+            <a:r>
+              <a:rPr>
+                <a:latin typeface="Courier"/>
+              </a:rPr>
+              <a:t>r2py</a:t>
+            </a:r>
+            <a:r>
+              <a:rPr/>
+              <a:t>, etc.)</a:t>
             </a:r>
           </a:p>
           <a:p>
             <a:pPr lvl="0"/>
             <a:r>
               <a:rPr/>
-              <a:t>Utilise </a:t>
-            </a:r>
-            <a:r>
-              <a:rPr>
-                <a:latin typeface="Courier"/>
-              </a:rPr>
-              <a:t>{rix}</a:t>
-            </a:r>
-            <a:r>
-              <a:rPr/>
-              <a:t> pour créer un environnement reproductible (via Nix) d’exécution de la pipeline</a:t>
-            </a:r>
-          </a:p>
-          <a:p>
-            <a:pPr lvl="0"/>
-            <a:r>
-              <a:rPr/>
-              <a:t>Chaque étape de pipeline est une </a:t>
-            </a:r>
-            <a:r>
-              <a:rPr b="1"/>
-              <a:t>dérivation Nix</a:t>
-            </a:r>
-          </a:p>
-          <a:p>
-            <a:pPr lvl="0"/>
-            <a:r>
-              <a:rPr/>
-              <a:t>Transfert de données : automatique via </a:t>
-            </a:r>
-            <a:r>
-              <a:rPr>
-                <a:latin typeface="Courier"/>
-              </a:rPr>
-              <a:t>reticulate</a:t>
-            </a:r>
-            <a:r>
-              <a:rPr/>
-              <a:t> ou format universel (JSON)</a:t>
+              <a:t>Possibilité d’ajouter des fichiers (</a:t>
+            </a:r>
+            <a:r>
+              <a:rPr>
+                <a:latin typeface="Courier"/>
+              </a:rPr>
+              <a:t>functions.R</a:t>
+            </a:r>
+            <a:r>
+              <a:rPr/>
+              <a:t>, images…)</a:t>
             </a:r>
           </a:p>
         </p:txBody>
@@ -4600,7 +4615,7 @@
             </a:pPr>
             <a:r>
               <a:rPr/>
-              <a:t>Un exemple de pipeline mixte</a:t>
+              <a:t>Transfert avec JSON (ou autre format universel)</a:t>
             </a:r>
           </a:p>
         </p:txBody>
@@ -4620,17 +4635,159 @@
           <a:bodyPr/>
           <a:lstStyle/>
           <a:p>
+            <a:pPr lvl="0"/>
+            <a:r>
+              <a:rPr/>
+              <a:t>Avantage : évite d’utiliser </a:t>
+            </a:r>
+            <a:r>
+              <a:rPr>
+                <a:latin typeface="Courier"/>
+              </a:rPr>
+              <a:t>reticulate</a:t>
+            </a:r>
+          </a:p>
+          <a:p>
+            <a:pPr lvl="0"/>
+            <a:r>
+              <a:rPr/>
+              <a:t>Ajouter une fonction de sérialisation Python :</a:t>
+            </a:r>
+          </a:p>
+          <a:p>
+            <a:pPr lvl="0" indent="0" marL="0">
+              <a:buNone/>
+            </a:pPr>
+            <a:r>
+              <a:rPr/>
+              <a:t>. . .</a:t>
+            </a:r>
+          </a:p>
+          <a:p>
             <a:pPr lvl="0" indent="0">
               <a:buNone/>
             </a:pPr>
             <a:r>
+              <a:rPr b="1">
+                <a:solidFill>
+                  <a:srgbClr val="003B4F"/>
+                </a:solidFill>
+                <a:latin typeface="Courier"/>
+              </a:rPr>
+              <a:t>def</a:t>
+            </a:r>
+            <a:r>
+              <a:rPr>
+                <a:solidFill>
+                  <a:srgbClr val="003B4F"/>
+                </a:solidFill>
+                <a:latin typeface="Courier"/>
+              </a:rPr>
+              <a:t> serialize_to_json(pl_df, path):</a:t>
+            </a:r>
+            <a:br/>
+            <a:r>
+              <a:rPr>
+                <a:solidFill>
+                  <a:srgbClr val="003B4F"/>
+                </a:solidFill>
+                <a:latin typeface="Courier"/>
+              </a:rPr>
+              <a:t>    </a:t>
+            </a:r>
+            <a:r>
+              <a:rPr b="1">
+                <a:solidFill>
+                  <a:srgbClr val="003B4F"/>
+                </a:solidFill>
+                <a:latin typeface="Courier"/>
+              </a:rPr>
+              <a:t>with</a:t>
+            </a:r>
+            <a:r>
+              <a:rPr>
+                <a:solidFill>
+                  <a:srgbClr val="003B4F"/>
+                </a:solidFill>
+                <a:latin typeface="Courier"/>
+              </a:rPr>
+              <a:t> open(path, </a:t>
+            </a:r>
+            <a:r>
+              <a:rPr>
+                <a:solidFill>
+                  <a:srgbClr val="20794D"/>
+                </a:solidFill>
+                <a:latin typeface="Courier"/>
+              </a:rPr>
+              <a:t>'w'</a:t>
+            </a:r>
+            <a:r>
+              <a:rPr>
+                <a:solidFill>
+                  <a:srgbClr val="003B4F"/>
+                </a:solidFill>
+                <a:latin typeface="Courier"/>
+              </a:rPr>
+              <a:t>) </a:t>
+            </a:r>
+            <a:r>
+              <a:rPr>
+                <a:solidFill>
+                  <a:srgbClr val="00769E"/>
+                </a:solidFill>
+                <a:latin typeface="Courier"/>
+              </a:rPr>
+              <a:t>as</a:t>
+            </a:r>
+            <a:r>
+              <a:rPr>
+                <a:solidFill>
+                  <a:srgbClr val="003B4F"/>
+                </a:solidFill>
+                <a:latin typeface="Courier"/>
+              </a:rPr>
+              <a:t> f:</a:t>
+            </a:r>
+            <a:br/>
+            <a:r>
+              <a:rPr>
+                <a:solidFill>
+                  <a:srgbClr val="003B4F"/>
+                </a:solidFill>
+                <a:latin typeface="Courier"/>
+              </a:rPr>
+              <a:t>        f.write(pl_df.write_json())</a:t>
+            </a:r>
+          </a:p>
+          <a:p>
+            <a:pPr lvl="0"/>
+            <a:r>
+              <a:rPr/>
+              <a:t>Et côté R :</a:t>
+            </a:r>
+          </a:p>
+          <a:p>
+            <a:pPr lvl="0" indent="0" marL="0">
+              <a:buNone/>
+            </a:pPr>
+            <a:r>
+              <a:rPr/>
+              <a:t>. . .</a:t>
+            </a:r>
+          </a:p>
+          <a:p>
+            <a:pPr lvl="0" indent="0">
+              <a:buNone/>
+            </a:pPr>
+            <a:r>
               <a:rPr>
                 <a:solidFill>
                   <a:srgbClr val="4758AB"/>
                 </a:solidFill>
                 <a:latin typeface="Courier"/>
               </a:rPr>
-              <a:t>list</a:t>
+              <a:t>rxp_r</a:t>
             </a:r>
             <a:r>
               <a:rPr>
@@ -4654,29 +4811,84 @@
             <a:r>
               <a:rPr>
                 <a:solidFill>
+                  <a:srgbClr val="657422"/>
+                </a:solidFill>
+                <a:latin typeface="Courier"/>
+              </a:rPr>
+              <a:t>name =</a:t>
+            </a:r>
+            <a:r>
+              <a:rPr>
+                <a:solidFill>
+                  <a:srgbClr val="003B4F"/>
+                </a:solidFill>
+                <a:latin typeface="Courier"/>
+              </a:rPr>
+              <a:t> </a:t>
+            </a:r>
+            <a:r>
+              <a:rPr>
+                <a:solidFill>
+                  <a:srgbClr val="20794D"/>
+                </a:solidFill>
+                <a:latin typeface="Courier"/>
+              </a:rPr>
+              <a:t>"x"</a:t>
+            </a:r>
+            <a:r>
+              <a:rPr>
+                <a:solidFill>
+                  <a:srgbClr val="003B4F"/>
+                </a:solidFill>
+                <a:latin typeface="Courier"/>
+              </a:rPr>
+              <a:t>,</a:t>
+            </a:r>
+            <a:br/>
+            <a:r>
+              <a:rPr>
+                <a:solidFill>
+                  <a:srgbClr val="003B4F"/>
+                </a:solidFill>
+                <a:latin typeface="Courier"/>
+              </a:rPr>
+              <a:t>  </a:t>
+            </a:r>
+            <a:r>
+              <a:rPr>
+                <a:solidFill>
+                  <a:srgbClr val="657422"/>
+                </a:solidFill>
+                <a:latin typeface="Courier"/>
+              </a:rPr>
+              <a:t>expr =</a:t>
+            </a:r>
+            <a:r>
+              <a:rPr>
+                <a:solidFill>
+                  <a:srgbClr val="003B4F"/>
+                </a:solidFill>
+                <a:latin typeface="Courier"/>
+              </a:rPr>
+              <a:t> </a:t>
+            </a:r>
+            <a:r>
+              <a:rPr>
+                <a:solidFill>
                   <a:srgbClr val="4758AB"/>
                 </a:solidFill>
                 <a:latin typeface="Courier"/>
               </a:rPr>
-              <a:t>rxp_py_file</a:t>
-            </a:r>
-            <a:r>
-              <a:rPr>
-                <a:solidFill>
-                  <a:srgbClr val="003B4F"/>
-                </a:solidFill>
-                <a:latin typeface="Courier"/>
-              </a:rPr>
-              <a:t>(…),    </a:t>
-            </a:r>
-            <a:r>
-              <a:rPr>
-                <a:solidFill>
-                  <a:srgbClr val="5E5E5E"/>
-                </a:solidFill>
-                <a:latin typeface="Courier"/>
-              </a:rPr>
-              <a:t># Lire un CSV avec Python</a:t>
+              <a:t>my_fun</a:t>
+            </a:r>
+            <a:r>
+              <a:rPr>
+                <a:solidFill>
+                  <a:srgbClr val="003B4F"/>
+                </a:solidFill>
+                <a:latin typeface="Courier"/>
+              </a:rPr>
+              <a:t>(data),</a:t>
             </a:r>
             <a:br/>
             <a:r>
@@ -4691,29 +4903,29 @@
             <a:r>
               <a:rPr>
                 <a:solidFill>
-                  <a:srgbClr val="4758AB"/>
-                </a:solidFill>
-                <a:latin typeface="Courier"/>
-              </a:rPr>
-              <a:t>rxp_py</a:t>
-            </a:r>
-            <a:r>
-              <a:rPr>
-                <a:solidFill>
-                  <a:srgbClr val="003B4F"/>
-                </a:solidFill>
-                <a:latin typeface="Courier"/>
-              </a:rPr>
-              <a:t>(…),         </a:t>
-            </a:r>
-            <a:r>
-              <a:rPr>
-                <a:solidFill>
-                  <a:srgbClr val="5E5E5E"/>
-                </a:solidFill>
-                <a:latin typeface="Courier"/>
-              </a:rPr>
-              <a:t># Filtrer avec Polars</a:t>
+                  <a:srgbClr val="657422"/>
+                </a:solidFill>
+                <a:latin typeface="Courier"/>
+              </a:rPr>
+              <a:t>unserialize_function =</a:t>
+            </a:r>
+            <a:r>
+              <a:rPr>
+                <a:solidFill>
+                  <a:srgbClr val="003B4F"/>
+                </a:solidFill>
+                <a:latin typeface="Courier"/>
+              </a:rPr>
+              <a:t> </a:t>
+            </a:r>
+            <a:r>
+              <a:rPr>
+                <a:solidFill>
+                  <a:srgbClr val="20794D"/>
+                </a:solidFill>
+                <a:latin typeface="Courier"/>
+              </a:rPr>
+              <a:t>"jsonlite::fromJSON"</a:t>
             </a:r>
             <a:br/>
             <a:r>
@@ -4723,319 +4935,7 @@
                 </a:solidFill>
                 <a:latin typeface="Courier"/>
               </a:rPr>
-              <a:t>  </a:t>
-            </a:r>
-            <a:r>
-              <a:rPr>
-                <a:solidFill>
-                  <a:srgbClr val="4758AB"/>
-                </a:solidFill>
-                <a:latin typeface="Courier"/>
-              </a:rPr>
-              <a:t>rxp_py2r</a:t>
-            </a:r>
-            <a:r>
-              <a:rPr>
-                <a:solidFill>
-                  <a:srgbClr val="003B4F"/>
-                </a:solidFill>
-                <a:latin typeface="Courier"/>
-              </a:rPr>
-              <a:t>(…),       </a:t>
-            </a:r>
-            <a:r>
-              <a:rPr>
-                <a:solidFill>
-                  <a:srgbClr val="5E5E5E"/>
-                </a:solidFill>
-                <a:latin typeface="Courier"/>
-              </a:rPr>
-              <a:t># Transfert Python → R</a:t>
-            </a:r>
-            <a:br/>
-            <a:r>
-              <a:rPr>
-                <a:solidFill>
-                  <a:srgbClr val="003B4F"/>
-                </a:solidFill>
-                <a:latin typeface="Courier"/>
-              </a:rPr>
-              <a:t>  </a:t>
-            </a:r>
-            <a:r>
-              <a:rPr>
-                <a:solidFill>
-                  <a:srgbClr val="4758AB"/>
-                </a:solidFill>
-                <a:latin typeface="Courier"/>
-              </a:rPr>
-              <a:t>rxp_r</a:t>
-            </a:r>
-            <a:r>
-              <a:rPr>
-                <a:solidFill>
-                  <a:srgbClr val="003B4F"/>
-                </a:solidFill>
-                <a:latin typeface="Courier"/>
-              </a:rPr>
-              <a:t>(…),          </a:t>
-            </a:r>
-            <a:r>
-              <a:rPr>
-                <a:solidFill>
-                  <a:srgbClr val="5E5E5E"/>
-                </a:solidFill>
-                <a:latin typeface="Courier"/>
-              </a:rPr>
-              <a:t># Transformation en R</a:t>
-            </a:r>
-            <a:br/>
-            <a:r>
-              <a:rPr>
-                <a:solidFill>
-                  <a:srgbClr val="003B4F"/>
-                </a:solidFill>
-                <a:latin typeface="Courier"/>
-              </a:rPr>
-              <a:t>  </a:t>
-            </a:r>
-            <a:r>
-              <a:rPr>
-                <a:solidFill>
-                  <a:srgbClr val="4758AB"/>
-                </a:solidFill>
-                <a:latin typeface="Courier"/>
-              </a:rPr>
-              <a:t>rxp_r2py</a:t>
-            </a:r>
-            <a:r>
-              <a:rPr>
-                <a:solidFill>
-                  <a:srgbClr val="003B4F"/>
-                </a:solidFill>
-                <a:latin typeface="Courier"/>
-              </a:rPr>
-              <a:t>(…),       </a:t>
-            </a:r>
-            <a:r>
-              <a:rPr>
-                <a:solidFill>
-                  <a:srgbClr val="5E5E5E"/>
-                </a:solidFill>
-                <a:latin typeface="Courier"/>
-              </a:rPr>
-              <a:t># Transfert R → Python</a:t>
-            </a:r>
-            <a:br/>
-            <a:r>
-              <a:rPr>
-                <a:solidFill>
-                  <a:srgbClr val="003B4F"/>
-                </a:solidFill>
-                <a:latin typeface="Courier"/>
-              </a:rPr>
-              <a:t>  </a:t>
-            </a:r>
-            <a:r>
-              <a:rPr>
-                <a:solidFill>
-                  <a:srgbClr val="4758AB"/>
-                </a:solidFill>
-                <a:latin typeface="Courier"/>
-              </a:rPr>
-              <a:t>rxp_py</a:t>
-            </a:r>
-            <a:r>
-              <a:rPr>
-                <a:solidFill>
-                  <a:srgbClr val="003B4F"/>
-                </a:solidFill>
-                <a:latin typeface="Courier"/>
-              </a:rPr>
-              <a:t>(…),         </a:t>
-            </a:r>
-            <a:r>
-              <a:rPr>
-                <a:solidFill>
-                  <a:srgbClr val="5E5E5E"/>
-                </a:solidFill>
-                <a:latin typeface="Courier"/>
-              </a:rPr>
-              <a:t># Autre étape Python</a:t>
-            </a:r>
-            <a:br/>
-            <a:r>
-              <a:rPr>
-                <a:solidFill>
-                  <a:srgbClr val="003B4F"/>
-                </a:solidFill>
-                <a:latin typeface="Courier"/>
-              </a:rPr>
-              <a:t>  </a:t>
-            </a:r>
-            <a:r>
-              <a:rPr>
-                <a:solidFill>
-                  <a:srgbClr val="4758AB"/>
-                </a:solidFill>
-                <a:latin typeface="Courier"/>
-              </a:rPr>
-              <a:t>rxp_py2r</a:t>
-            </a:r>
-            <a:r>
-              <a:rPr>
-                <a:solidFill>
-                  <a:srgbClr val="003B4F"/>
-                </a:solidFill>
-                <a:latin typeface="Courier"/>
-              </a:rPr>
-              <a:t>(…),       </a:t>
-            </a:r>
-            <a:r>
-              <a:rPr>
-                <a:solidFill>
-                  <a:srgbClr val="5E5E5E"/>
-                </a:solidFill>
-                <a:latin typeface="Courier"/>
-              </a:rPr>
-              <a:t># Retour vers R</a:t>
-            </a:r>
-            <a:br/>
-            <a:r>
-              <a:rPr>
-                <a:solidFill>
-                  <a:srgbClr val="003B4F"/>
-                </a:solidFill>
-                <a:latin typeface="Courier"/>
-              </a:rPr>
-              <a:t>  </a:t>
-            </a:r>
-            <a:r>
-              <a:rPr>
-                <a:solidFill>
-                  <a:srgbClr val="4758AB"/>
-                </a:solidFill>
-                <a:latin typeface="Courier"/>
-              </a:rPr>
-              <a:t>rxp_r</a:t>
-            </a:r>
-            <a:r>
-              <a:rPr>
-                <a:solidFill>
-                  <a:srgbClr val="003B4F"/>
-                </a:solidFill>
-                <a:latin typeface="Courier"/>
-              </a:rPr>
-              <a:t>(…)           </a:t>
-            </a:r>
-            <a:r>
-              <a:rPr>
-                <a:solidFill>
-                  <a:srgbClr val="5E5E5E"/>
-                </a:solidFill>
-                <a:latin typeface="Courier"/>
-              </a:rPr>
-              <a:t># Étape finale</a:t>
-            </a:r>
-            <a:br/>
-            <a:r>
-              <a:rPr>
-                <a:solidFill>
-                  <a:srgbClr val="003B4F"/>
-                </a:solidFill>
-                <a:latin typeface="Courier"/>
-              </a:rPr>
-              <a:t>) </a:t>
-            </a:r>
-            <a:r>
-              <a:rPr>
-                <a:solidFill>
-                  <a:srgbClr val="5E5E5E"/>
-                </a:solidFill>
-                <a:latin typeface="Courier"/>
-              </a:rPr>
-              <a:t>|&gt;</a:t>
-            </a:r>
-            <a:r>
-              <a:rPr>
-                <a:solidFill>
-                  <a:srgbClr val="003B4F"/>
-                </a:solidFill>
-                <a:latin typeface="Courier"/>
-              </a:rPr>
-              <a:t> </a:t>
-            </a:r>
-            <a:r>
-              <a:rPr>
-                <a:solidFill>
-                  <a:srgbClr val="4758AB"/>
-                </a:solidFill>
-                <a:latin typeface="Courier"/>
-              </a:rPr>
-              <a:t>rixpress</a:t>
-            </a:r>
-            <a:r>
-              <a:rPr>
-                <a:solidFill>
-                  <a:srgbClr val="003B4F"/>
-                </a:solidFill>
-                <a:latin typeface="Courier"/>
-              </a:rPr>
-              <a:t>()</a:t>
-            </a:r>
-          </a:p>
-          <a:p>
-            <a:pPr lvl="0"/>
-            <a:r>
-              <a:rPr/>
-              <a:t>Chaque étape est nommée, typée (</a:t>
-            </a:r>
-            <a:r>
-              <a:rPr>
-                <a:latin typeface="Courier"/>
-              </a:rPr>
-              <a:t>py</a:t>
-            </a:r>
-            <a:r>
-              <a:rPr/>
-              <a:t>, </a:t>
-            </a:r>
-            <a:r>
-              <a:rPr>
-                <a:latin typeface="Courier"/>
-              </a:rPr>
-              <a:t>r</a:t>
-            </a:r>
-            <a:r>
-              <a:rPr/>
-              <a:t>, </a:t>
-            </a:r>
-            <a:r>
-              <a:rPr>
-                <a:latin typeface="Courier"/>
-              </a:rPr>
-              <a:t>r2py</a:t>
-            </a:r>
-            <a:r>
-              <a:rPr/>
-              <a:t>, etc.)</a:t>
-            </a:r>
-          </a:p>
-          <a:p>
-            <a:pPr lvl="0"/>
-            <a:r>
-              <a:rPr/>
-              <a:t>Possibilité d’ajouter des fichiers (</a:t>
-            </a:r>
-            <a:r>
-              <a:rPr>
-                <a:latin typeface="Courier"/>
-              </a:rPr>
-              <a:t>functions.R</a:t>
-            </a:r>
-            <a:r>
-              <a:rPr/>
-              <a:t>, images…)</a:t>
+              <a:t>)</a:t>
             </a:r>
           </a:p>
         </p:txBody>
@@ -5082,7 +4982,7 @@
             </a:pPr>
             <a:r>
               <a:rPr/>
-              <a:t>Transfert avec JSON (ou autre format universel)</a:t>
+              <a:t>Génération de documents (Quarto ou Rmd)</a:t>
             </a:r>
           </a:p>
         </p:txBody>
@@ -5105,304 +5005,72 @@
             <a:pPr lvl="0"/>
             <a:r>
               <a:rPr/>
-              <a:t>Avantage : évite d’utiliser </a:t>
-            </a:r>
-            <a:r>
-              <a:rPr>
-                <a:latin typeface="Courier"/>
-              </a:rPr>
-              <a:t>reticulate</a:t>
+              <a:t>Intégration facile de la sortie du pipeline dans un </a:t>
+            </a:r>
+            <a:r>
+              <a:rPr>
+                <a:latin typeface="Courier"/>
+              </a:rPr>
+              <a:t>.qmd</a:t>
+            </a:r>
+            <a:r>
+              <a:rPr/>
+              <a:t> :</a:t>
+            </a:r>
+          </a:p>
+          <a:p>
+            <a:pPr lvl="0" indent="0" marL="0">
+              <a:buNone/>
+            </a:pPr>
+            <a:r>
+              <a:rPr/>
+              <a:t>. . .</a:t>
+            </a:r>
+          </a:p>
+          <a:p>
+            <a:pPr lvl="0" indent="0">
+              <a:buNone/>
+            </a:pPr>
+            <a:r>
+              <a:rPr>
+                <a:latin typeface="Courier"/>
+              </a:rPr>
+              <a:t>```r
+rixpress::rxp_read("mtcars_head")
+```</a:t>
+            </a:r>
+          </a:p>
+          <a:p>
+            <a:pPr lvl="0" indent="0" marL="0">
+              <a:buNone/>
+            </a:pPr>
+            <a:r>
+              <a:rPr/>
+              <a:t>. . .</a:t>
             </a:r>
           </a:p>
           <a:p>
             <a:pPr lvl="0"/>
             <a:r>
               <a:rPr/>
-              <a:t>Ajouter une fonction de sérialisation Python :</a:t>
-            </a:r>
-          </a:p>
-          <a:p>
-            <a:pPr lvl="0" indent="0" marL="0">
-              <a:buNone/>
-            </a:pPr>
-            <a:r>
-              <a:rPr/>
-              <a:t>. . .</a:t>
-            </a:r>
-          </a:p>
-          <a:p>
-            <a:pPr lvl="0" indent="0">
-              <a:buNone/>
-            </a:pPr>
-            <a:r>
-              <a:rPr b="1">
-                <a:solidFill>
-                  <a:srgbClr val="003B4F"/>
-                </a:solidFill>
-                <a:latin typeface="Courier"/>
-              </a:rPr>
-              <a:t>def</a:t>
-            </a:r>
-            <a:r>
-              <a:rPr>
-                <a:solidFill>
-                  <a:srgbClr val="003B4F"/>
-                </a:solidFill>
-                <a:latin typeface="Courier"/>
-              </a:rPr>
-              <a:t> serialize_to_json(pl_df, path):</a:t>
-            </a:r>
-            <a:br/>
-            <a:r>
-              <a:rPr>
-                <a:solidFill>
-                  <a:srgbClr val="003B4F"/>
-                </a:solidFill>
-                <a:latin typeface="Courier"/>
-              </a:rPr>
-              <a:t>    </a:t>
-            </a:r>
-            <a:r>
-              <a:rPr b="1">
-                <a:solidFill>
-                  <a:srgbClr val="003B4F"/>
-                </a:solidFill>
-                <a:latin typeface="Courier"/>
-              </a:rPr>
-              <a:t>with</a:t>
-            </a:r>
-            <a:r>
-              <a:rPr>
-                <a:solidFill>
-                  <a:srgbClr val="003B4F"/>
-                </a:solidFill>
-                <a:latin typeface="Courier"/>
-              </a:rPr>
-              <a:t> open(path, </a:t>
-            </a:r>
-            <a:r>
-              <a:rPr>
-                <a:solidFill>
-                  <a:srgbClr val="20794D"/>
-                </a:solidFill>
-                <a:latin typeface="Courier"/>
-              </a:rPr>
-              <a:t>'w'</a:t>
-            </a:r>
-            <a:r>
-              <a:rPr>
-                <a:solidFill>
-                  <a:srgbClr val="003B4F"/>
-                </a:solidFill>
-                <a:latin typeface="Courier"/>
-              </a:rPr>
-              <a:t>) </a:t>
-            </a:r>
-            <a:r>
-              <a:rPr>
-                <a:solidFill>
-                  <a:srgbClr val="00769E"/>
-                </a:solidFill>
-                <a:latin typeface="Courier"/>
-              </a:rPr>
-              <a:t>as</a:t>
-            </a:r>
-            <a:r>
-              <a:rPr>
-                <a:solidFill>
-                  <a:srgbClr val="003B4F"/>
-                </a:solidFill>
-                <a:latin typeface="Courier"/>
-              </a:rPr>
-              <a:t> f:</a:t>
-            </a:r>
-            <a:br/>
-            <a:r>
-              <a:rPr>
-                <a:solidFill>
-                  <a:srgbClr val="003B4F"/>
-                </a:solidFill>
-                <a:latin typeface="Courier"/>
-              </a:rPr>
-              <a:t>        f.write(pl_df.write_json())</a:t>
+              <a:t>Tous les objets créés peuvent être chargés dynamiquement dans le document</a:t>
             </a:r>
           </a:p>
           <a:p>
             <a:pPr lvl="0"/>
             <a:r>
               <a:rPr/>
-              <a:t>Et côté R :</a:t>
-            </a:r>
-          </a:p>
-          <a:p>
-            <a:pPr lvl="0" indent="0" marL="0">
-              <a:buNone/>
-            </a:pPr>
-            <a:r>
-              <a:rPr/>
-              <a:t>. . .</a:t>
-            </a:r>
-          </a:p>
-          <a:p>
-            <a:pPr lvl="0" indent="0">
-              <a:buNone/>
-            </a:pPr>
-            <a:r>
-              <a:rPr>
-                <a:solidFill>
-                  <a:srgbClr val="4758AB"/>
-                </a:solidFill>
-                <a:latin typeface="Courier"/>
-              </a:rPr>
-              <a:t>rxp_r</a:t>
-            </a:r>
-            <a:r>
-              <a:rPr>
-                <a:solidFill>
-                  <a:srgbClr val="003B4F"/>
-                </a:solidFill>
-                <a:latin typeface="Courier"/>
-              </a:rPr>
-              <a:t>(</a:t>
-            </a:r>
-            <a:br/>
-            <a:r>
-              <a:rPr>
-                <a:solidFill>
-                  <a:srgbClr val="003B4F"/>
-                </a:solidFill>
-                <a:latin typeface="Courier"/>
-              </a:rPr>
-              <a:t>  </a:t>
-            </a:r>
-            <a:r>
-              <a:rPr>
-                <a:solidFill>
-                  <a:srgbClr val="657422"/>
-                </a:solidFill>
-                <a:latin typeface="Courier"/>
-              </a:rPr>
-              <a:t>name =</a:t>
-            </a:r>
-            <a:r>
-              <a:rPr>
-                <a:solidFill>
-                  <a:srgbClr val="003B4F"/>
-                </a:solidFill>
-                <a:latin typeface="Courier"/>
-              </a:rPr>
-              <a:t> </a:t>
-            </a:r>
-            <a:r>
-              <a:rPr>
-                <a:solidFill>
-                  <a:srgbClr val="20794D"/>
-                </a:solidFill>
-                <a:latin typeface="Courier"/>
-              </a:rPr>
-              <a:t>"x"</a:t>
-            </a:r>
-            <a:r>
-              <a:rPr>
-                <a:solidFill>
-                  <a:srgbClr val="003B4F"/>
-                </a:solidFill>
-                <a:latin typeface="Courier"/>
-              </a:rPr>
-              <a:t>,</a:t>
-            </a:r>
-            <a:br/>
-            <a:r>
-              <a:rPr>
-                <a:solidFill>
-                  <a:srgbClr val="003B4F"/>
-                </a:solidFill>
-                <a:latin typeface="Courier"/>
-              </a:rPr>
-              <a:t>  </a:t>
-            </a:r>
-            <a:r>
-              <a:rPr>
-                <a:solidFill>
-                  <a:srgbClr val="657422"/>
-                </a:solidFill>
-                <a:latin typeface="Courier"/>
-              </a:rPr>
-              <a:t>expr =</a:t>
-            </a:r>
-            <a:r>
-              <a:rPr>
-                <a:solidFill>
-                  <a:srgbClr val="003B4F"/>
-                </a:solidFill>
-                <a:latin typeface="Courier"/>
-              </a:rPr>
-              <a:t> </a:t>
-            </a:r>
-            <a:r>
-              <a:rPr>
-                <a:solidFill>
-                  <a:srgbClr val="4758AB"/>
-                </a:solidFill>
-                <a:latin typeface="Courier"/>
-              </a:rPr>
-              <a:t>my_fun</a:t>
-            </a:r>
-            <a:r>
-              <a:rPr>
-                <a:solidFill>
-                  <a:srgbClr val="003B4F"/>
-                </a:solidFill>
-                <a:latin typeface="Courier"/>
-              </a:rPr>
-              <a:t>(data),</a:t>
-            </a:r>
-            <a:br/>
-            <a:r>
-              <a:rPr>
-                <a:solidFill>
-                  <a:srgbClr val="003B4F"/>
-                </a:solidFill>
-                <a:latin typeface="Courier"/>
-              </a:rPr>
-              <a:t>  </a:t>
-            </a:r>
-            <a:r>
-              <a:rPr>
-                <a:solidFill>
-                  <a:srgbClr val="657422"/>
-                </a:solidFill>
-                <a:latin typeface="Courier"/>
-              </a:rPr>
-              <a:t>unserialize_function =</a:t>
-            </a:r>
-            <a:r>
-              <a:rPr>
-                <a:solidFill>
-                  <a:srgbClr val="003B4F"/>
-                </a:solidFill>
-                <a:latin typeface="Courier"/>
-              </a:rPr>
-              <a:t> </a:t>
-            </a:r>
-            <a:r>
-              <a:rPr>
-                <a:solidFill>
-                  <a:srgbClr val="20794D"/>
-                </a:solidFill>
-                <a:latin typeface="Courier"/>
-              </a:rPr>
-              <a:t>"jsonlite::fromJSON"</a:t>
-            </a:r>
-            <a:br/>
-            <a:r>
-              <a:rPr>
-                <a:solidFill>
-                  <a:srgbClr val="003B4F"/>
-                </a:solidFill>
-                <a:latin typeface="Courier"/>
-              </a:rPr>
-              <a:t>)</a:t>
+              <a:t>Possibilité de transmettre des fichiers supplémentaires (</a:t>
+            </a:r>
+            <a:r>
+              <a:rPr>
+                <a:latin typeface="Courier"/>
+              </a:rPr>
+              <a:t>content.qmd</a:t>
+            </a:r>
+            <a:r>
+              <a:rPr/>
+              <a:t>, images…)</a:t>
             </a:r>
           </a:p>
         </p:txBody>
@@ -5449,7 +5117,7 @@
             </a:pPr>
             <a:r>
               <a:rPr/>
-              <a:t>Génération de documents (Quarto ou Rmd)</a:t>
+              <a:t>Démo interactive</a:t>
             </a:r>
           </a:p>
         </p:txBody>
@@ -5469,75 +5137,18 @@
           <a:bodyPr/>
           <a:lstStyle/>
           <a:p>
-            <a:pPr lvl="0"/>
-            <a:r>
-              <a:rPr/>
-              <a:t>Intégration facile de la sortie du pipeline dans un </a:t>
-            </a:r>
-            <a:r>
-              <a:rPr>
-                <a:latin typeface="Courier"/>
-              </a:rPr>
-              <a:t>.qmd</a:t>
-            </a:r>
-            <a:r>
-              <a:rPr/>
-              <a:t> :</a:t>
-            </a:r>
-          </a:p>
-          <a:p>
             <a:pPr lvl="0" indent="0" marL="0">
               <a:buNone/>
             </a:pPr>
             <a:r>
               <a:rPr/>
-              <a:t>. . .</a:t>
-            </a:r>
-          </a:p>
-          <a:p>
-            <a:pPr lvl="0" indent="0">
-              <a:buNone/>
-            </a:pPr>
-            <a:r>
-              <a:rPr>
-                <a:latin typeface="Courier"/>
-              </a:rPr>
-              <a:t>```r
-rixpress::rxp_read("mtcars_head")
-```</a:t>
-            </a:r>
-          </a:p>
-          <a:p>
-            <a:pPr lvl="0" indent="0" marL="0">
-              <a:buNone/>
-            </a:pPr>
-            <a:r>
-              <a:rPr/>
-              <a:t>. . .</a:t>
-            </a:r>
-          </a:p>
-          <a:p>
-            <a:pPr lvl="0"/>
-            <a:r>
-              <a:rPr/>
-              <a:t>Tous les objets créés peuvent être chargés dynamiquement dans le document</a:t>
-            </a:r>
-          </a:p>
-          <a:p>
-            <a:pPr lvl="0"/>
-            <a:r>
-              <a:rPr/>
-              <a:t>Possibilité de transmettre des fichiers supplémentaires (</a:t>
-            </a:r>
-            <a:r>
-              <a:rPr>
-                <a:latin typeface="Courier"/>
-              </a:rPr>
-              <a:t>content.qmd</a:t>
-            </a:r>
-            <a:r>
-              <a:rPr/>
-              <a:t>, images…)</a:t>
+              <a:t>Voir </a:t>
+            </a:r>
+            <a:r>
+              <a:rPr>
+                <a:latin typeface="Courier"/>
+              </a:rPr>
+              <a:t>scripts/rixpress_demo</a:t>
             </a:r>
           </a:p>
         </p:txBody>
@@ -5921,41 +5532,67 @@
             </a:pPr>
             <a:r>
               <a:rPr/>
-              <a:t>Intro : Qui suis-je</a:t>
-            </a:r>
-          </a:p>
-        </p:txBody>
-      </p:sp>
-      <p:pic>
-        <p:nvPicPr>
-          <p:cNvPr descr="images/luxembourg.png" id="0" name="Picture 1"/>
-          <p:cNvPicPr>
-            <a:picLocks noGrp="1" noChangeAspect="1"/>
-          </p:cNvPicPr>
-          <p:nvPr/>
-        </p:nvPicPr>
-        <p:blipFill>
-          <a:blip r:embed="rId2"/>
-          <a:stretch>
-            <a:fillRect/>
-          </a:stretch>
-        </p:blipFill>
-        <p:spPr bwMode="auto">
-          <a:xfrm>
-            <a:off x="457200" y="1397000"/>
-            <a:ext cx="8229600" cy="2997200"/>
-          </a:xfrm>
-          <a:prstGeom prst="rect">
-            <a:avLst/>
-          </a:prstGeom>
-          <a:noFill/>
-          <a:ln w="9525">
-            <a:noFill/>
-            <a:headEnd/>
-            <a:tailEnd/>
-          </a:ln>
-        </p:spPr>
-      </p:pic>
+              <a:t>Intro : Contenu</a:t>
+            </a:r>
+          </a:p>
+        </p:txBody>
+      </p:sp>
+      <p:sp>
+        <p:nvSpPr>
+          <p:cNvPr id="3" name="Content Placeholder 2"/>
+          <p:cNvSpPr>
+            <a:spLocks noGrp="1"/>
+          </p:cNvSpPr>
+          <p:nvPr>
+            <p:ph idx="1"/>
+          </p:nvPr>
+        </p:nvSpPr>
+        <p:spPr/>
+        <p:txBody>
+          <a:bodyPr/>
+          <a:lstStyle/>
+          <a:p>
+            <a:pPr lvl="0" indent="0" marL="0">
+              <a:buNone/>
+            </a:pPr>
+            <a:r>
+              <a:rPr/>
+              <a:t>Diapositives disponibles en ligne :</a:t>
+            </a:r>
+          </a:p>
+          <a:p>
+            <a:pPr lvl="0" indent="0" marL="0">
+              <a:buNone/>
+            </a:pPr>
+            <a:r>
+              <a:rPr>
+                <a:hlinkClick r:id="rId2"/>
+              </a:rPr>
+              <a:t>https://b-rodrigues.github.io/repro_rrr</a:t>
+            </a:r>
+          </a:p>
+          <a:p>
+            <a:pPr lvl="0" indent="0" marL="0">
+              <a:buNone/>
+            </a:pPr>
+            <a:r>
+              <a:rPr/>
+              <a:t>Code disponible ici :</a:t>
+            </a:r>
+          </a:p>
+          <a:p>
+            <a:pPr lvl="0" indent="0" marL="0">
+              <a:buNone/>
+            </a:pPr>
+            <a:r>
+              <a:rPr>
+                <a:hlinkClick r:id="rId3"/>
+              </a:rPr>
+              <a:t>https://github.com/b-rodrigues/repro_rrr</a:t>
+            </a:r>
+          </a:p>
+        </p:txBody>
+      </p:sp>
     </p:spTree>
   </p:cSld>
 </p:sld>
@@ -5988,7 +5625,12 @@
             <p:ph type="title"/>
           </p:nvPr>
         </p:nvSpPr>
-        <p:spPr/>
+        <p:spPr>
+          <a:xfrm>
+            <a:off x="457201" y="204787"/>
+            <a:ext cx="3008313" cy="871538"/>
+          </a:xfrm>
+        </p:spPr>
         <p:txBody>
           <a:bodyPr/>
           <a:lstStyle/>
@@ -5998,67 +5640,64 @@
             </a:pPr>
             <a:r>
               <a:rPr/>
-              <a:t>Intro : Qui suis-je</a:t>
-            </a:r>
-          </a:p>
-        </p:txBody>
-      </p:sp>
-      <p:sp>
-        <p:nvSpPr>
-          <p:cNvPr id="3" name="Content Placeholder 2"/>
-          <p:cNvSpPr>
-            <a:spLocks noGrp="1"/>
-          </p:cNvSpPr>
-          <p:nvPr>
-            <p:ph idx="1"/>
-          </p:nvPr>
-        </p:nvSpPr>
-        <p:spPr/>
-        <p:txBody>
-          <a:bodyPr/>
-          <a:lstStyle/>
-          <a:p>
-            <a:pPr lvl="0" indent="0" marL="0">
-              <a:buNone/>
-            </a:pPr>
-            <a:r>
-              <a:rPr/>
-              <a:t>Diapositives disponibles en ligne :</a:t>
-            </a:r>
-          </a:p>
-          <a:p>
-            <a:pPr lvl="0" indent="0" marL="0">
-              <a:buNone/>
-            </a:pPr>
-            <a:r>
-              <a:rPr>
-                <a:hlinkClick r:id="rId2"/>
-              </a:rPr>
-              <a:t>https://b-rodrigues.github.io/repro_rrr</a:t>
-            </a:r>
-          </a:p>
-          <a:p>
-            <a:pPr lvl="0" indent="0" marL="0">
-              <a:buNone/>
-            </a:pPr>
-            <a:r>
-              <a:rPr/>
-              <a:t>Code disponible ici :</a:t>
-            </a:r>
-          </a:p>
-          <a:p>
-            <a:pPr lvl="0" indent="0" marL="0">
-              <a:buNone/>
-            </a:pPr>
-            <a:r>
-              <a:rPr>
-                <a:hlinkClick r:id="rId3"/>
-              </a:rPr>
-              <a:t>https://github.com/b-rodrigues/repro_rrr</a:t>
-            </a:r>
-          </a:p>
-        </p:txBody>
-      </p:sp>
+              <a:t>Ce dont je vais parler</a:t>
+            </a:r>
+          </a:p>
+        </p:txBody>
+      </p:sp>
+      <p:sp>
+        <p:nvSpPr>
+          <p:cNvPr id="4" name="Text Placeholder 3"/>
+          <p:cNvSpPr>
+            <a:spLocks noGrp="1"/>
+          </p:cNvSpPr>
+          <p:nvPr>
+            <p:ph idx="2" sz="half" type="body"/>
+          </p:nvPr>
+        </p:nvSpPr>
+        <p:spPr/>
+        <p:txBody>
+          <a:bodyPr/>
+          <a:lstStyle/>
+          <a:p>
+            <a:pPr lvl="0"/>
+            <a:r>
+              <a:rPr/>
+              <a:t>Le puzzle que vous connaissez:</a:t>
+            </a:r>
+          </a:p>
+        </p:txBody>
+      </p:sp>
+      <p:pic>
+        <p:nvPicPr>
+          <p:cNvPr descr="images/repro_puzzle.png" id="0" name="Picture 1"/>
+          <p:cNvPicPr>
+            <a:picLocks noGrp="1" noChangeAspect="1"/>
+          </p:cNvPicPr>
+          <p:nvPr/>
+        </p:nvPicPr>
+        <p:blipFill>
+          <a:blip r:embed="rId2"/>
+          <a:stretch>
+            <a:fillRect/>
+          </a:stretch>
+        </p:blipFill>
+        <p:spPr bwMode="auto">
+          <a:xfrm>
+            <a:off x="3924300" y="203200"/>
+            <a:ext cx="4394200" cy="4381500"/>
+          </a:xfrm>
+          <a:prstGeom prst="rect">
+            <a:avLst/>
+          </a:prstGeom>
+          <a:noFill/>
+          <a:ln w="9525">
+            <a:noFill/>
+            <a:headEnd/>
+            <a:tailEnd/>
+          </a:ln>
+        </p:spPr>
+      </p:pic>
     </p:spTree>
   </p:cSld>
 </p:sld>
@@ -6091,7 +5730,12 @@
             <p:ph type="title"/>
           </p:nvPr>
         </p:nvSpPr>
-        <p:spPr/>
+        <p:spPr>
+          <a:xfrm>
+            <a:off x="457201" y="204787"/>
+            <a:ext cx="3008313" cy="871538"/>
+          </a:xfrm>
+        </p:spPr>
         <p:txBody>
           <a:bodyPr/>
           <a:lstStyle/>
@@ -6108,12 +5752,12 @@
       </p:sp>
       <p:sp>
         <p:nvSpPr>
-          <p:cNvPr id="3" name="Content Placeholder 2"/>
-          <p:cNvSpPr>
-            <a:spLocks noGrp="1"/>
-          </p:cNvSpPr>
-          <p:nvPr>
-            <p:ph idx="1"/>
+          <p:cNvPr id="4" name="Text Placeholder 3"/>
+          <p:cNvSpPr>
+            <a:spLocks noGrp="1"/>
+          </p:cNvSpPr>
+          <p:nvPr>
+            <p:ph idx="2" sz="half" type="body"/>
           </p:nvPr>
         </p:nvSpPr>
         <p:spPr/>
@@ -6124,50 +5768,41 @@
             <a:pPr lvl="0"/>
             <a:r>
               <a:rPr/>
-              <a:t>Identifier </a:t>
-            </a:r>
-            <a:r>
-              <a:rPr i="1"/>
-              <a:t>ce</a:t>
-            </a:r>
-            <a:r>
-              <a:rPr/>
-              <a:t> qui doit être maîtrisé pour garantir la reproductibilité (capacité à retrouver </a:t>
-            </a:r>
-            <a:r>
-              <a:rPr i="1"/>
-              <a:t>exactement</a:t>
-            </a:r>
-            <a:r>
-              <a:rPr/>
-              <a:t> les mêmes résultats à partir d’une analyse)</a:t>
-            </a:r>
-          </a:p>
-          <a:p>
-            <a:pPr lvl="0"/>
-            <a:r>
-              <a:rPr/>
-              <a:t>Présenter brièvement Nix, </a:t>
-            </a:r>
-            <a:r>
-              <a:rPr>
-                <a:latin typeface="Courier"/>
-              </a:rPr>
-              <a:t>{rix}</a:t>
-            </a:r>
-            <a:r>
-              <a:rPr/>
-              <a:t> et </a:t>
-            </a:r>
-            <a:r>
-              <a:rPr>
-                <a:latin typeface="Courier"/>
-              </a:rPr>
-              <a:t>{rixpress}</a:t>
-            </a:r>
-          </a:p>
-        </p:txBody>
-      </p:sp>
+              <a:t>Le puzzle avec Nix:</a:t>
+            </a:r>
+          </a:p>
+        </p:txBody>
+      </p:sp>
+      <p:pic>
+        <p:nvPicPr>
+          <p:cNvPr descr="images/repro_puzzle_nix.png" id="0" name="Picture 1"/>
+          <p:cNvPicPr>
+            <a:picLocks noGrp="1" noChangeAspect="1"/>
+          </p:cNvPicPr>
+          <p:nvPr/>
+        </p:nvPicPr>
+        <p:blipFill>
+          <a:blip r:embed="rId2"/>
+          <a:stretch>
+            <a:fillRect/>
+          </a:stretch>
+        </p:blipFill>
+        <p:spPr bwMode="auto">
+          <a:xfrm>
+            <a:off x="3924300" y="203200"/>
+            <a:ext cx="4394200" cy="4381500"/>
+          </a:xfrm>
+          <a:prstGeom prst="rect">
+            <a:avLst/>
+          </a:prstGeom>
+          <a:noFill/>
+          <a:ln w="9525">
+            <a:noFill/>
+            <a:headEnd/>
+            <a:tailEnd/>
+          </a:ln>
+        </p:spPr>
+      </p:pic>
     </p:spTree>
   </p:cSld>
 </p:sld>
@@ -6210,7 +5845,7 @@
             </a:pPr>
             <a:r>
               <a:rPr/>
-              <a:t>Solutions disponibles pour R (1/2)</a:t>
+              <a:t>Solutions disponibles pour R</a:t>
             </a:r>
           </a:p>
         </p:txBody>
@@ -6310,103 +5945,6 @@
 </file>
 
 <file path=ppt/slides/slide7.xml><?xml version="1.0" encoding="utf-8"?>
-<p:sld xmlns:a="http://schemas.openxmlformats.org/drawingml/2006/main" xmlns:r="http://schemas.openxmlformats.org/officeDocument/2006/relationships" xmlns:p="http://schemas.openxmlformats.org/presentationml/2006/main">
-  <p:cSld>
-    <p:spTree>
-      <p:nvGrpSpPr>
-        <p:cNvPr id="1" name=""/>
-        <p:cNvGrpSpPr/>
-        <p:nvPr/>
-      </p:nvGrpSpPr>
-      <p:grpSpPr>
-        <a:xfrm>
-          <a:off x="0" y="0"/>
-          <a:ext cx="0" cy="0"/>
-          <a:chOff x="0" y="0"/>
-          <a:chExt cx="0" cy="0"/>
-        </a:xfrm>
-      </p:grpSpPr>
-      <p:sp>
-        <p:nvSpPr>
-          <p:cNvPr id="2" name="Title 1"/>
-          <p:cNvSpPr>
-            <a:spLocks noGrp="1"/>
-          </p:cNvSpPr>
-          <p:nvPr>
-            <p:ph type="title"/>
-          </p:nvPr>
-        </p:nvSpPr>
-        <p:spPr/>
-        <p:txBody>
-          <a:bodyPr/>
-          <a:lstStyle/>
-          <a:p>
-            <a:pPr lvl="0" indent="0" marL="0">
-              <a:buNone/>
-            </a:pPr>
-            <a:r>
-              <a:rPr/>
-              <a:t>Solutions disponibles pour R (2/2)</a:t>
-            </a:r>
-          </a:p>
-        </p:txBody>
-      </p:sp>
-      <p:sp>
-        <p:nvSpPr>
-          <p:cNvPr id="3" name="Content Placeholder 2"/>
-          <p:cNvSpPr>
-            <a:spLocks noGrp="1"/>
-          </p:cNvSpPr>
-          <p:nvPr>
-            <p:ph idx="1"/>
-          </p:nvPr>
-        </p:nvSpPr>
-        <p:spPr/>
-        <p:txBody>
-          <a:bodyPr/>
-          <a:lstStyle/>
-          <a:p>
-            <a:pPr lvl="0"/>
-            <a:r>
-              <a:rPr/>
-              <a:t>Limites de Docker :</a:t>
-            </a:r>
-          </a:p>
-          <a:p>
-            <a:pPr lvl="1"/>
-            <a:r>
-              <a:rPr/>
-              <a:t>Courbe d’apprentissage (connaissances Linux recommandées)</a:t>
-            </a:r>
-          </a:p>
-          <a:p>
-            <a:pPr lvl="1"/>
-            <a:r>
-              <a:rPr/>
-              <a:t>N’est pas conçu à l’origine pour la reproductibilité</a:t>
-            </a:r>
-          </a:p>
-          <a:p>
-            <a:pPr lvl="1"/>
-            <a:r>
-              <a:rPr/>
-              <a:t>À voir : </a:t>
-            </a:r>
-            <a:r>
-              <a:rPr>
-                <a:hlinkClick r:id="rId2"/>
-              </a:rPr>
-              <a:t>Rocker</a:t>
-            </a:r>
-          </a:p>
-        </p:txBody>
-      </p:sp>
-    </p:spTree>
-  </p:cSld>
-</p:sld>
-</file>
-
-<file path=ppt/slides/slide8.xml><?xml version="1.0" encoding="utf-8"?>
 <p:sld xmlns:a="http://schemas.openxmlformats.org/drawingml/2006/main" xmlns:r="http://schemas.openxmlformats.org/officeDocument/2006/relationships" xmlns:p="http://schemas.openxmlformats.org/presentationml/2006/main">
   <p:cSld>
     <p:spTree>
@@ -6574,6 +6112,105 @@
 </p:sld>
 </file>
 
+<file path=ppt/slides/slide8.xml><?xml version="1.0" encoding="utf-8"?>
+<p:sld xmlns:a="http://schemas.openxmlformats.org/drawingml/2006/main" xmlns:r="http://schemas.openxmlformats.org/officeDocument/2006/relationships" xmlns:p="http://schemas.openxmlformats.org/presentationml/2006/main">
+  <p:cSld>
+    <p:spTree>
+      <p:nvGrpSpPr>
+        <p:cNvPr id="1" name=""/>
+        <p:cNvGrpSpPr/>
+        <p:nvPr/>
+      </p:nvGrpSpPr>
+      <p:grpSpPr>
+        <a:xfrm>
+          <a:off x="0" y="0"/>
+          <a:ext cx="0" cy="0"/>
+          <a:chOff x="0" y="0"/>
+          <a:chExt cx="0" cy="0"/>
+        </a:xfrm>
+      </p:grpSpPr>
+      <p:sp>
+        <p:nvSpPr>
+          <p:cNvPr id="2" name="Title 1"/>
+          <p:cNvSpPr>
+            <a:spLocks noGrp="1"/>
+          </p:cNvSpPr>
+          <p:nvPr>
+            <p:ph type="title"/>
+          </p:nvPr>
+        </p:nvSpPr>
+        <p:spPr/>
+        <p:txBody>
+          <a:bodyPr/>
+          <a:lstStyle/>
+          <a:p>
+            <a:pPr lvl="0" indent="0" marL="0">
+              <a:buNone/>
+            </a:pPr>
+            <a:r>
+              <a:rPr/>
+              <a:t>Le gestionnaire de paquets Nix (2/2)</a:t>
+            </a:r>
+          </a:p>
+        </p:txBody>
+      </p:sp>
+      <p:sp>
+        <p:nvSpPr>
+          <p:cNvPr id="3" name="Content Placeholder 2"/>
+          <p:cNvSpPr>
+            <a:spLocks noGrp="1"/>
+          </p:cNvSpPr>
+          <p:nvPr>
+            <p:ph idx="1"/>
+          </p:nvPr>
+        </p:nvSpPr>
+        <p:spPr/>
+        <p:txBody>
+          <a:bodyPr/>
+          <a:lstStyle/>
+          <a:p>
+            <a:pPr lvl="0"/>
+            <a:r>
+              <a:rPr/>
+              <a:t>Pour garantir la reproductibilité : R, les packages R et autres dépendances doivent être gérés explicitement</a:t>
+            </a:r>
+          </a:p>
+          <a:p>
+            <a:pPr lvl="0"/>
+            <a:r>
+              <a:rPr/>
+              <a:t>Nix est un gestionnaire de paquets réellement centré sur les builds reproductibles</a:t>
+            </a:r>
+          </a:p>
+          <a:p>
+            <a:pPr lvl="0"/>
+            <a:r>
+              <a:rPr/>
+              <a:t>Nix gère tout à l’aide d’un seul fichier texte (appelé une expression Nix) !</a:t>
+            </a:r>
+          </a:p>
+          <a:p>
+            <a:pPr lvl="0"/>
+            <a:r>
+              <a:rPr/>
+              <a:t>Ces expressions produisent </a:t>
+            </a:r>
+            <a:r>
+              <a:rPr i="1"/>
+              <a:t>toujours</a:t>
+            </a:r>
+            <a:r>
+              <a:rPr/>
+              <a:t> exactement le même résultat</a:t>
+            </a:r>
+          </a:p>
+        </p:txBody>
+      </p:sp>
+    </p:spTree>
+  </p:cSld>
+</p:sld>
+</file>
+
 <file path=ppt/slides/slide9.xml><?xml version="1.0" encoding="utf-8"?>
 <p:sld xmlns:a="http://schemas.openxmlformats.org/drawingml/2006/main" xmlns:r="http://schemas.openxmlformats.org/officeDocument/2006/relationships" xmlns:p="http://schemas.openxmlformats.org/presentationml/2006/main">
   <p:cSld>
@@ -6611,7 +6248,7 @@
             </a:pPr>
             <a:r>
               <a:rPr/>
-              <a:t>Le gestionnaire de paquets Nix (2/2)</a:t>
+              <a:t>rix : environnements de développement reproductibles avec Nix (1/5)</a:t>
             </a:r>
           </a:p>
         </p:txBody>
@@ -6633,37 +6270,441 @@
           <a:p>
             <a:pPr lvl="0"/>
             <a:r>
-              <a:rPr/>
-              <a:t>Pour garantir la reproductibilité : R, les packages R et autres dépendances doivent être gérés explicitement</a:t>
+              <a:rPr>
+                <a:latin typeface="Courier"/>
+              </a:rPr>
+              <a:t>{rix}</a:t>
+            </a:r>
+            <a:r>
+              <a:rPr/>
+              <a:t> (</a:t>
+            </a:r>
+            <a:r>
+              <a:rPr>
+                <a:hlinkClick r:id="rId2"/>
+              </a:rPr>
+              <a:t>site web</a:t>
+            </a:r>
+            <a:r>
+              <a:rPr/>
+              <a:t>) simplifie l’écriture d’expressions Nix !</a:t>
             </a:r>
           </a:p>
           <a:p>
             <a:pPr lvl="0"/>
             <a:r>
               <a:rPr/>
-              <a:t>Nix est un gestionnaire de paquets réellement centré sur les builds reproductibles</a:t>
-            </a:r>
-          </a:p>
-          <a:p>
-            <a:pPr lvl="0"/>
-            <a:r>
-              <a:rPr/>
-              <a:t>Nix gère tout à l’aide d’un seul fichier texte (appelé une expression Nix) !</a:t>
-            </a:r>
-          </a:p>
-          <a:p>
-            <a:pPr lvl="0"/>
-            <a:r>
-              <a:rPr/>
-              <a:t>Ces expressions produisent </a:t>
-            </a:r>
-            <a:r>
-              <a:rPr i="1"/>
-              <a:t>toujours</a:t>
-            </a:r>
-            <a:r>
-              <a:rPr/>
-              <a:t> exactement le même résultat</a:t>
+              <a:t>Il suffit d’utiliser la fonction </a:t>
+            </a:r>
+            <a:r>
+              <a:rPr>
+                <a:latin typeface="Courier"/>
+              </a:rPr>
+              <a:t>rix()</a:t>
+            </a:r>
+            <a:r>
+              <a:rPr/>
+              <a:t> fournie :</a:t>
+            </a:r>
+          </a:p>
+          <a:p>
+            <a:pPr lvl="0" indent="0" marL="0">
+              <a:buNone/>
+            </a:pPr>
+            <a:r>
+              <a:rPr/>
+              <a:t>. . .</a:t>
+            </a:r>
+          </a:p>
+          <a:p>
+            <a:pPr lvl="0" indent="0">
+              <a:buNone/>
+            </a:pPr>
+            <a:r>
+              <a:rPr>
+                <a:solidFill>
+                  <a:srgbClr val="4758AB"/>
+                </a:solidFill>
+                <a:latin typeface="Courier"/>
+              </a:rPr>
+              <a:t>library</a:t>
+            </a:r>
+            <a:r>
+              <a:rPr>
+                <a:solidFill>
+                  <a:srgbClr val="003B4F"/>
+                </a:solidFill>
+                <a:latin typeface="Courier"/>
+              </a:rPr>
+              <a:t>(rix)</a:t>
+            </a:r>
+            <a:br/>
+            <a:br/>
+            <a:r>
+              <a:rPr>
+                <a:solidFill>
+                  <a:srgbClr val="4758AB"/>
+                </a:solidFill>
+                <a:latin typeface="Courier"/>
+              </a:rPr>
+              <a:t>rix</a:t>
+            </a:r>
+            <a:r>
+              <a:rPr>
+                <a:solidFill>
+                  <a:srgbClr val="003B4F"/>
+                </a:solidFill>
+                <a:latin typeface="Courier"/>
+              </a:rPr>
+              <a:t>(</a:t>
+            </a:r>
+            <a:r>
+              <a:rPr>
+                <a:solidFill>
+                  <a:srgbClr val="657422"/>
+                </a:solidFill>
+                <a:latin typeface="Courier"/>
+              </a:rPr>
+              <a:t>date =</a:t>
+            </a:r>
+            <a:r>
+              <a:rPr>
+                <a:solidFill>
+                  <a:srgbClr val="003B4F"/>
+                </a:solidFill>
+                <a:latin typeface="Courier"/>
+              </a:rPr>
+              <a:t> </a:t>
+            </a:r>
+            <a:r>
+              <a:rPr>
+                <a:solidFill>
+                  <a:srgbClr val="20794D"/>
+                </a:solidFill>
+                <a:latin typeface="Courier"/>
+              </a:rPr>
+              <a:t>"2025-06-02"</a:t>
+            </a:r>
+            <a:r>
+              <a:rPr>
+                <a:solidFill>
+                  <a:srgbClr val="003B4F"/>
+                </a:solidFill>
+                <a:latin typeface="Courier"/>
+              </a:rPr>
+              <a:t>,</a:t>
+            </a:r>
+            <a:br/>
+            <a:r>
+              <a:rPr>
+                <a:solidFill>
+                  <a:srgbClr val="003B4F"/>
+                </a:solidFill>
+                <a:latin typeface="Courier"/>
+              </a:rPr>
+              <a:t>    </a:t>
+            </a:r>
+            <a:r>
+              <a:rPr>
+                <a:solidFill>
+                  <a:srgbClr val="657422"/>
+                </a:solidFill>
+                <a:latin typeface="Courier"/>
+              </a:rPr>
+              <a:t>r_pkgs =</a:t>
+            </a:r>
+            <a:r>
+              <a:rPr>
+                <a:solidFill>
+                  <a:srgbClr val="003B4F"/>
+                </a:solidFill>
+                <a:latin typeface="Courier"/>
+              </a:rPr>
+              <a:t> </a:t>
+            </a:r>
+            <a:r>
+              <a:rPr>
+                <a:solidFill>
+                  <a:srgbClr val="4758AB"/>
+                </a:solidFill>
+                <a:latin typeface="Courier"/>
+              </a:rPr>
+              <a:t>c</a:t>
+            </a:r>
+            <a:r>
+              <a:rPr>
+                <a:solidFill>
+                  <a:srgbClr val="003B4F"/>
+                </a:solidFill>
+                <a:latin typeface="Courier"/>
+              </a:rPr>
+              <a:t>(</a:t>
+            </a:r>
+            <a:r>
+              <a:rPr>
+                <a:solidFill>
+                  <a:srgbClr val="20794D"/>
+                </a:solidFill>
+                <a:latin typeface="Courier"/>
+              </a:rPr>
+              <a:t>"dplyr"</a:t>
+            </a:r>
+            <a:r>
+              <a:rPr>
+                <a:solidFill>
+                  <a:srgbClr val="003B4F"/>
+                </a:solidFill>
+                <a:latin typeface="Courier"/>
+              </a:rPr>
+              <a:t>, </a:t>
+            </a:r>
+            <a:r>
+              <a:rPr>
+                <a:solidFill>
+                  <a:srgbClr val="20794D"/>
+                </a:solidFill>
+                <a:latin typeface="Courier"/>
+              </a:rPr>
+              <a:t>"ggplot2"</a:t>
+            </a:r>
+            <a:r>
+              <a:rPr>
+                <a:solidFill>
+                  <a:srgbClr val="003B4F"/>
+                </a:solidFill>
+                <a:latin typeface="Courier"/>
+              </a:rPr>
+              <a:t>),</a:t>
+            </a:r>
+            <a:br/>
+            <a:r>
+              <a:rPr>
+                <a:solidFill>
+                  <a:srgbClr val="003B4F"/>
+                </a:solidFill>
+                <a:latin typeface="Courier"/>
+              </a:rPr>
+              <a:t>    </a:t>
+            </a:r>
+            <a:r>
+              <a:rPr>
+                <a:solidFill>
+                  <a:srgbClr val="657422"/>
+                </a:solidFill>
+                <a:latin typeface="Courier"/>
+              </a:rPr>
+              <a:t>system_pkgs =</a:t>
+            </a:r>
+            <a:r>
+              <a:rPr>
+                <a:solidFill>
+                  <a:srgbClr val="003B4F"/>
+                </a:solidFill>
+                <a:latin typeface="Courier"/>
+              </a:rPr>
+              <a:t> </a:t>
+            </a:r>
+            <a:r>
+              <a:rPr>
+                <a:solidFill>
+                  <a:srgbClr val="8F5902"/>
+                </a:solidFill>
+                <a:latin typeface="Courier"/>
+              </a:rPr>
+              <a:t>NULL</a:t>
+            </a:r>
+            <a:r>
+              <a:rPr>
+                <a:solidFill>
+                  <a:srgbClr val="003B4F"/>
+                </a:solidFill>
+                <a:latin typeface="Courier"/>
+              </a:rPr>
+              <a:t>,</a:t>
+            </a:r>
+            <a:br/>
+            <a:r>
+              <a:rPr>
+                <a:solidFill>
+                  <a:srgbClr val="003B4F"/>
+                </a:solidFill>
+                <a:latin typeface="Courier"/>
+              </a:rPr>
+              <a:t>    </a:t>
+            </a:r>
+            <a:r>
+              <a:rPr>
+                <a:solidFill>
+                  <a:srgbClr val="657422"/>
+                </a:solidFill>
+                <a:latin typeface="Courier"/>
+              </a:rPr>
+              <a:t>git_pkgs =</a:t>
+            </a:r>
+            <a:r>
+              <a:rPr>
+                <a:solidFill>
+                  <a:srgbClr val="003B4F"/>
+                </a:solidFill>
+                <a:latin typeface="Courier"/>
+              </a:rPr>
+              <a:t> </a:t>
+            </a:r>
+            <a:r>
+              <a:rPr>
+                <a:solidFill>
+                  <a:srgbClr val="8F5902"/>
+                </a:solidFill>
+                <a:latin typeface="Courier"/>
+              </a:rPr>
+              <a:t>NULL</a:t>
+            </a:r>
+            <a:r>
+              <a:rPr>
+                <a:solidFill>
+                  <a:srgbClr val="003B4F"/>
+                </a:solidFill>
+                <a:latin typeface="Courier"/>
+              </a:rPr>
+              <a:t>,</a:t>
+            </a:r>
+            <a:br/>
+            <a:r>
+              <a:rPr>
+                <a:solidFill>
+                  <a:srgbClr val="003B4F"/>
+                </a:solidFill>
+                <a:latin typeface="Courier"/>
+              </a:rPr>
+              <a:t>    </a:t>
+            </a:r>
+            <a:r>
+              <a:rPr>
+                <a:solidFill>
+                  <a:srgbClr val="657422"/>
+                </a:solidFill>
+                <a:latin typeface="Courier"/>
+              </a:rPr>
+              <a:t>tex_pkgs =</a:t>
+            </a:r>
+            <a:r>
+              <a:rPr>
+                <a:solidFill>
+                  <a:srgbClr val="003B4F"/>
+                </a:solidFill>
+                <a:latin typeface="Courier"/>
+              </a:rPr>
+              <a:t> </a:t>
+            </a:r>
+            <a:r>
+              <a:rPr>
+                <a:solidFill>
+                  <a:srgbClr val="8F5902"/>
+                </a:solidFill>
+                <a:latin typeface="Courier"/>
+              </a:rPr>
+              <a:t>NULL</a:t>
+            </a:r>
+            <a:r>
+              <a:rPr>
+                <a:solidFill>
+                  <a:srgbClr val="003B4F"/>
+                </a:solidFill>
+                <a:latin typeface="Courier"/>
+              </a:rPr>
+              <a:t>,</a:t>
+            </a:r>
+            <a:br/>
+            <a:r>
+              <a:rPr>
+                <a:solidFill>
+                  <a:srgbClr val="003B4F"/>
+                </a:solidFill>
+                <a:latin typeface="Courier"/>
+              </a:rPr>
+              <a:t>    </a:t>
+            </a:r>
+            <a:r>
+              <a:rPr>
+                <a:solidFill>
+                  <a:srgbClr val="657422"/>
+                </a:solidFill>
+                <a:latin typeface="Courier"/>
+              </a:rPr>
+              <a:t>ide =</a:t>
+            </a:r>
+            <a:r>
+              <a:rPr>
+                <a:solidFill>
+                  <a:srgbClr val="003B4F"/>
+                </a:solidFill>
+                <a:latin typeface="Courier"/>
+              </a:rPr>
+              <a:t> </a:t>
+            </a:r>
+            <a:r>
+              <a:rPr>
+                <a:solidFill>
+                  <a:srgbClr val="20794D"/>
+                </a:solidFill>
+                <a:latin typeface="Courier"/>
+              </a:rPr>
+              <a:t>"code"</a:t>
+            </a:r>
+            <a:r>
+              <a:rPr>
+                <a:solidFill>
+                  <a:srgbClr val="003B4F"/>
+                </a:solidFill>
+                <a:latin typeface="Courier"/>
+              </a:rPr>
+              <a:t>,</a:t>
+            </a:r>
+            <a:br/>
+            <a:r>
+              <a:rPr>
+                <a:solidFill>
+                  <a:srgbClr val="003B4F"/>
+                </a:solidFill>
+                <a:latin typeface="Courier"/>
+              </a:rPr>
+              <a:t>    </a:t>
+            </a:r>
+            <a:r>
+              <a:rPr>
+                <a:solidFill>
+                  <a:srgbClr val="657422"/>
+                </a:solidFill>
+                <a:latin typeface="Courier"/>
+              </a:rPr>
+              <a:t>project_path =</a:t>
+            </a:r>
+            <a:r>
+              <a:rPr>
+                <a:solidFill>
+                  <a:srgbClr val="003B4F"/>
+                </a:solidFill>
+                <a:latin typeface="Courier"/>
+              </a:rPr>
+              <a:t> </a:t>
+            </a:r>
+            <a:r>
+              <a:rPr>
+                <a:solidFill>
+                  <a:srgbClr val="20794D"/>
+                </a:solidFill>
+                <a:latin typeface="Courier"/>
+              </a:rPr>
+              <a:t>"."</a:t>
+            </a:r>
+            <a:r>
+              <a:rPr>
+                <a:solidFill>
+                  <a:srgbClr val="003B4F"/>
+                </a:solidFill>
+                <a:latin typeface="Courier"/>
+              </a:rPr>
+              <a:t>)</a:t>
             </a:r>
           </a:p>
         </p:txBody>

--- a/docs/index.pptx
+++ b/docs/index.pptx
@@ -5884,7 +5884,7 @@
             </a:r>
             <a:r>
               <a:rPr/>
-              <a:t>: simple à utiliser, mais:</a:t>
+              <a:t>: simple à utiliser, mais :</a:t>
             </a:r>
           </a:p>
           <a:p>
@@ -5927,14 +5927,21 @@
             <a:pPr lvl="1"/>
             <a:r>
               <a:rPr/>
-              <a:t>Utilise des images immuables et partageables</a:t>
+              <a:t>Conteneurs exécutables n’importe où</a:t>
+            </a:r>
+          </a:p>
+          <a:p>
+            <a:pPr lvl="0"/>
+            <a:r>
+              <a:rPr/>
+              <a:t>Mais :</a:t>
             </a:r>
           </a:p>
           <a:p>
             <a:pPr lvl="1"/>
             <a:r>
               <a:rPr/>
-              <a:t>Conteneurs exécutables n’importe ou</a:t>
+              <a:t>N’est en soi pas reproductible</a:t>
             </a:r>
           </a:p>
         </p:txBody>

--- a/docs/index.pptx
+++ b/docs/index.pptx
@@ -5660,7 +5660,9 @@
           <a:bodyPr/>
           <a:lstStyle/>
           <a:p>
-            <a:pPr lvl="0"/>
+            <a:pPr lvl="0" indent="0" marL="0">
+              <a:buNone/>
+            </a:pPr>
             <a:r>
               <a:rPr/>
               <a:t>Le puzzle que vous connaissez:</a:t>
@@ -5765,7 +5767,9 @@
           <a:bodyPr/>
           <a:lstStyle/>
           <a:p>
-            <a:pPr lvl="0"/>
+            <a:pPr lvl="0" indent="0" marL="0">
+              <a:buNone/>
+            </a:pPr>
             <a:r>
               <a:rPr/>
               <a:t>Le puzzle avec Nix:</a:t>
@@ -6390,7 +6394,7 @@
                 </a:solidFill>
                 <a:latin typeface="Courier"/>
               </a:rPr>
-              <a:t>"2025-06-02"</a:t>
+              <a:t>"2025-06-13"</a:t>
             </a:r>
             <a:r>
               <a:rPr>
